--- a/PLPTH813Bioinformatis/2019/lecture_slides/lecture11_qtl_gwas.pptx
+++ b/PLPTH813Bioinformatis/2019/lecture_slides/lecture11_qtl_gwas.pptx
@@ -146,6 +146,22 @@
       </a:defRPr>
     </a:lvl9pPr>
   </p:defaultTextStyle>
+  <p:extLst>
+    <p:ext uri="{EFAFB233-063F-42B5-8137-9DF3F51BA10A}">
+      <p15:sldGuideLst xmlns:p15="http://schemas.microsoft.com/office/powerpoint/2012/main">
+        <p15:guide id="1" orient="horz" pos="4230">
+          <p15:clr>
+            <a:srgbClr val="A4A3A4"/>
+          </p15:clr>
+        </p15:guide>
+        <p15:guide id="2" pos="5759">
+          <p15:clr>
+            <a:srgbClr val="A4A3A4"/>
+          </p15:clr>
+        </p15:guide>
+      </p15:sldGuideLst>
+    </p:ext>
+  </p:extLst>
 </p:presentation>
 </file>
 
@@ -231,7 +247,7 @@
           <a:p>
             <a:fld id="{C26D2774-186A-AB48-9F36-82FDB6A83C3D}" type="datetimeFigureOut">
               <a:rPr lang="en-US" smtClean="0"/>
-              <a:t>3/20/19</a:t>
+              <a:t>1/24/21</a:t>
             </a:fld>
             <a:endParaRPr lang="en-US"/>
           </a:p>
@@ -397,7 +413,7 @@
           <a:p>
             <a:fld id="{F5F41562-610F-7E41-93EF-79170C8340CD}" type="datetimeFigureOut">
               <a:rPr lang="en-US" smtClean="0"/>
-              <a:t>3/20/19</a:t>
+              <a:t>1/24/21</a:t>
             </a:fld>
             <a:endParaRPr lang="en-US"/>
           </a:p>
@@ -461,38 +477,37 @@
           <a:p>
             <a:pPr lvl="0"/>
             <a:r>
-              <a:rPr lang="en-US" smtClean="0"/>
+              <a:rPr lang="en-US"/>
               <a:t>Click to edit Master text styles</a:t>
             </a:r>
           </a:p>
           <a:p>
             <a:pPr lvl="1"/>
             <a:r>
-              <a:rPr lang="en-US" smtClean="0"/>
+              <a:rPr lang="en-US"/>
               <a:t>Second level</a:t>
             </a:r>
           </a:p>
           <a:p>
             <a:pPr lvl="2"/>
             <a:r>
-              <a:rPr lang="en-US" smtClean="0"/>
+              <a:rPr lang="en-US"/>
               <a:t>Third level</a:t>
             </a:r>
           </a:p>
           <a:p>
             <a:pPr lvl="3"/>
             <a:r>
-              <a:rPr lang="en-US" smtClean="0"/>
+              <a:rPr lang="en-US"/>
               <a:t>Fourth level</a:t>
             </a:r>
           </a:p>
           <a:p>
             <a:pPr lvl="4"/>
             <a:r>
-              <a:rPr lang="en-US" smtClean="0"/>
+              <a:rPr lang="en-US"/>
               <a:t>Fifth level</a:t>
             </a:r>
-            <a:endParaRPr lang="en-US"/>
           </a:p>
         </p:txBody>
       </p:sp>
@@ -711,11 +726,11 @@
           <a:lstStyle/>
           <a:p>
             <a:r>
-              <a:rPr lang="en-US" dirty="0" smtClean="0"/>
+              <a:rPr lang="en-US" dirty="0"/>
               <a:t>colors;</a:t>
             </a:r>
             <a:r>
-              <a:rPr lang="en-US" baseline="0" dirty="0" smtClean="0"/>
+              <a:rPr lang="en-US" baseline="0" dirty="0"/>
               <a:t> shape; size; weight</a:t>
             </a:r>
             <a:endParaRPr lang="en-US" dirty="0"/>
@@ -887,7 +902,7 @@
           <a:lstStyle/>
           <a:p>
             <a:r>
-              <a:rPr lang="en-IN" sz="1400" dirty="0" smtClean="0">
+              <a:rPr lang="en-IN" sz="1400" dirty="0">
                 <a:solidFill>
                   <a:srgbClr val="FF0000"/>
                 </a:solidFill>
@@ -900,7 +915,7 @@
               <a:buNone/>
             </a:pPr>
             <a:r>
-              <a:rPr lang="en-IN" sz="1200" dirty="0" smtClean="0">
+              <a:rPr lang="en-IN" sz="1200" dirty="0">
                 <a:solidFill>
                   <a:srgbClr val="000000"/>
                 </a:solidFill>
@@ -908,7 +923,7 @@
               <a:t>1. </a:t>
             </a:r>
             <a:r>
-              <a:rPr lang="en-IN" sz="1200" dirty="0" smtClean="0"/>
+              <a:rPr lang="en-IN" sz="1200" dirty="0"/>
               <a:t>Crossovers occurred at random along the chromosome </a:t>
             </a:r>
           </a:p>
@@ -917,7 +932,7 @@
               <a:buNone/>
             </a:pPr>
             <a:r>
-              <a:rPr lang="en-IN" sz="1200" dirty="0" smtClean="0"/>
+              <a:rPr lang="en-IN" sz="1200" dirty="0"/>
               <a:t>2. The probability of a crossover at one position along the chromosome was independent of the probability of a crossover at another position.</a:t>
             </a:r>
           </a:p>
@@ -1007,15 +1022,15 @@
           <a:lstStyle/>
           <a:p>
             <a:r>
-              <a:rPr lang="en-US" dirty="0" err="1" smtClean="0"/>
+              <a:rPr lang="en-US" dirty="0" err="1"/>
               <a:t>Hor</a:t>
             </a:r>
             <a:r>
-              <a:rPr lang="en-US" dirty="0" smtClean="0"/>
+              <a:rPr lang="en-US" dirty="0"/>
               <a:t> </a:t>
             </a:r>
             <a:r>
-              <a:rPr lang="en-US" dirty="0" err="1" smtClean="0"/>
+              <a:rPr lang="en-US" dirty="0" err="1"/>
               <a:t>lding</a:t>
             </a:r>
             <a:endParaRPr lang="en-US" dirty="0"/>
@@ -1103,7 +1118,7 @@
           <a:lstStyle/>
           <a:p>
             <a:r>
-              <a:rPr lang="en-IN" sz="1400" dirty="0" smtClean="0">
+              <a:rPr lang="en-IN" sz="1400" dirty="0">
                 <a:solidFill>
                   <a:srgbClr val="FF0000"/>
                 </a:solidFill>
@@ -1116,7 +1131,7 @@
               <a:buNone/>
             </a:pPr>
             <a:r>
-              <a:rPr lang="en-IN" sz="1200" dirty="0" smtClean="0">
+              <a:rPr lang="en-IN" sz="1200" dirty="0">
                 <a:solidFill>
                   <a:srgbClr val="000000"/>
                 </a:solidFill>
@@ -1124,7 +1139,7 @@
               <a:t>1. </a:t>
             </a:r>
             <a:r>
-              <a:rPr lang="en-IN" sz="1200" dirty="0" smtClean="0"/>
+              <a:rPr lang="en-IN" sz="1200" dirty="0"/>
               <a:t>Crossovers occurred at random along the chromosome </a:t>
             </a:r>
           </a:p>
@@ -1133,7 +1148,7 @@
               <a:buNone/>
             </a:pPr>
             <a:r>
-              <a:rPr lang="en-IN" sz="1200" dirty="0" smtClean="0"/>
+              <a:rPr lang="en-IN" sz="1200" dirty="0"/>
               <a:t>2. The probability of a crossover at one position along the chromosome was independent of the probability of a crossover at another position.</a:t>
             </a:r>
           </a:p>
@@ -1240,14 +1255,14 @@
               <a:defRPr/>
             </a:pPr>
             <a:r>
-              <a:rPr lang="en-US" dirty="0" smtClean="0"/>
+              <a:rPr lang="en-US" dirty="0"/>
               <a:t>the likelihood</a:t>
             </a:r>
             <a:r>
-              <a:rPr lang="en-US" baseline="0" dirty="0" smtClean="0"/>
+              <a:rPr lang="en-US" baseline="0" dirty="0"/>
               <a:t> of a QTL at a location is 1000 times as that of no QTLs</a:t>
             </a:r>
-            <a:endParaRPr lang="en-US" dirty="0" smtClean="0"/>
+            <a:endParaRPr lang="en-US" dirty="0"/>
           </a:p>
           <a:p>
             <a:endParaRPr lang="en-US" dirty="0"/>
@@ -1335,11 +1350,11 @@
           <a:lstStyle/>
           <a:p>
             <a:r>
-              <a:rPr lang="en-US" dirty="0" smtClean="0"/>
+              <a:rPr lang="en-US" dirty="0"/>
               <a:t>simply population 1 were</a:t>
             </a:r>
             <a:r>
-              <a:rPr lang="en-US" baseline="0" dirty="0" smtClean="0"/>
+              <a:rPr lang="en-US" baseline="0" dirty="0"/>
               <a:t> represented at a higher proportion in the group of "early flowering".</a:t>
             </a:r>
             <a:endParaRPr lang="en-US" dirty="0"/>
@@ -1427,7 +1442,7 @@
           <a:lstStyle/>
           <a:p>
             <a:r>
-              <a:rPr lang="en-US" sz="1200" b="0" i="0" u="none" strike="noStrike" kern="1200" baseline="0" dirty="0" smtClean="0">
+              <a:rPr lang="en-US" sz="1200" b="0" i="0" u="none" strike="noStrike" kern="1200" baseline="0" dirty="0">
                 <a:solidFill>
                   <a:schemeClr val="tx1"/>
                 </a:solidFill>
@@ -1606,42 +1621,41 @@
           <a:lstStyle/>
           <a:p>
             <a:r>
-              <a:rPr lang="en-US" dirty="0" smtClean="0"/>
+              <a:rPr lang="en-US" dirty="0"/>
               <a:t>Population structure and kinship are both confounding factors in GWAS since they produce covariance between individuals' phenotype values. Yet the dimensionality of these two processes are different. Population structure is a low dimensional process embedded in a high dimensional space so that a relatively small number of principal components represent the underlying population genetics [2], [27], [30]. Therefore, a small number of principal components can be adequate to account for population structure in GWAS datasets [3], [1]. Conversely, kinship is a high dimensional process since small sets of individuals are very closely related while being unrelated to the remaining individuals. Consider an idealized example of independent parent-offspring duos so that the coefficient of </a:t>
             </a:r>
             <a:r>
-              <a:rPr lang="en-US" dirty="0" err="1" smtClean="0"/>
+              <a:rPr lang="en-US" dirty="0" err="1"/>
               <a:t>coancestry</a:t>
             </a:r>
             <a:r>
-              <a:rPr lang="en-US" dirty="0" smtClean="0"/>
+              <a:rPr lang="en-US" dirty="0"/>
               <a:t> between parent and offspring is 0.5, and 0 between all other individuals. It follows directly that the corresponding </a:t>
             </a:r>
             <a:r>
-              <a:rPr lang="en-US" dirty="0" err="1" smtClean="0"/>
+              <a:rPr lang="en-US" dirty="0" err="1"/>
               <a:t>coancestry</a:t>
             </a:r>
             <a:r>
-              <a:rPr lang="en-US" dirty="0" smtClean="0"/>
+              <a:rPr lang="en-US" dirty="0"/>
               <a:t> matrix is block diagonal and the </a:t>
             </a:r>
             <a:r>
-              <a:rPr lang="en-US" dirty="0" err="1" smtClean="0"/>
+              <a:rPr lang="en-US" dirty="0" err="1"/>
               <a:t>eigen</a:t>
             </a:r>
             <a:r>
-              <a:rPr lang="en-US" dirty="0" smtClean="0"/>
+              <a:rPr lang="en-US" dirty="0"/>
               <a:t>-spectrum has a long tail so that all </a:t>
             </a:r>
             <a:r>
-              <a:rPr lang="en-US" dirty="0" err="1" smtClean="0"/>
+              <a:rPr lang="en-US" dirty="0" err="1"/>
               <a:t>eigen</a:t>
             </a:r>
             <a:r>
-              <a:rPr lang="en-US" dirty="0" smtClean="0"/>
+              <a:rPr lang="en-US" dirty="0"/>
               <a:t>-values are nonzero. Thus kinship is a high-dimensional process that cannot be captured by a small number of principal components. </a:t>
             </a:r>
-            <a:endParaRPr lang="en-US" dirty="0"/>
           </a:p>
         </p:txBody>
       </p:sp>
@@ -1719,10 +1733,9 @@
           <a:lstStyle/>
           <a:p>
             <a:r>
-              <a:rPr lang="en-US" smtClean="0"/>
+              <a:rPr lang="en-US"/>
               <a:t>Click to edit Master title style</a:t>
             </a:r>
-            <a:endParaRPr lang="en-US"/>
           </a:p>
         </p:txBody>
       </p:sp>
@@ -1838,10 +1851,9 @@
           </a:lstStyle>
           <a:p>
             <a:r>
-              <a:rPr lang="en-US" smtClean="0"/>
+              <a:rPr lang="en-US"/>
               <a:t>Click to edit Master subtitle style</a:t>
             </a:r>
-            <a:endParaRPr lang="en-US"/>
           </a:p>
         </p:txBody>
       </p:sp>
@@ -1862,7 +1874,7 @@
           <a:p>
             <a:fld id="{F70C4EF3-0DAA-714F-90CE-4047899F238F}" type="datetime1">
               <a:rPr lang="en-US" smtClean="0"/>
-              <a:t>3/20/19</a:t>
+              <a:t>1/24/21</a:t>
             </a:fld>
             <a:endParaRPr lang="en-US"/>
           </a:p>
@@ -1956,10 +1968,9 @@
           <a:lstStyle/>
           <a:p>
             <a:r>
-              <a:rPr lang="en-US" smtClean="0"/>
+              <a:rPr lang="en-US"/>
               <a:t>Click to edit Master title style</a:t>
             </a:r>
-            <a:endParaRPr lang="en-US"/>
           </a:p>
         </p:txBody>
       </p:sp>
@@ -1980,38 +1991,37 @@
           <a:p>
             <a:pPr lvl="0"/>
             <a:r>
-              <a:rPr lang="en-US" smtClean="0"/>
+              <a:rPr lang="en-US"/>
               <a:t>Click to edit Master text styles</a:t>
             </a:r>
           </a:p>
           <a:p>
             <a:pPr lvl="1"/>
             <a:r>
-              <a:rPr lang="en-US" smtClean="0"/>
+              <a:rPr lang="en-US"/>
               <a:t>Second level</a:t>
             </a:r>
           </a:p>
           <a:p>
             <a:pPr lvl="2"/>
             <a:r>
-              <a:rPr lang="en-US" smtClean="0"/>
+              <a:rPr lang="en-US"/>
               <a:t>Third level</a:t>
             </a:r>
           </a:p>
           <a:p>
             <a:pPr lvl="3"/>
             <a:r>
-              <a:rPr lang="en-US" smtClean="0"/>
+              <a:rPr lang="en-US"/>
               <a:t>Fourth level</a:t>
             </a:r>
           </a:p>
           <a:p>
             <a:pPr lvl="4"/>
             <a:r>
-              <a:rPr lang="en-US" smtClean="0"/>
+              <a:rPr lang="en-US"/>
               <a:t>Fifth level</a:t>
             </a:r>
-            <a:endParaRPr lang="en-US"/>
           </a:p>
         </p:txBody>
       </p:sp>
@@ -2032,7 +2042,7 @@
           <a:p>
             <a:fld id="{17BD5259-BD41-7644-8239-9C6BA2210306}" type="datetime1">
               <a:rPr lang="en-US" smtClean="0"/>
-              <a:t>3/20/19</a:t>
+              <a:t>1/24/21</a:t>
             </a:fld>
             <a:endParaRPr lang="en-US"/>
           </a:p>
@@ -2131,10 +2141,9 @@
           <a:lstStyle/>
           <a:p>
             <a:r>
-              <a:rPr lang="en-US" smtClean="0"/>
+              <a:rPr lang="en-US"/>
               <a:t>Click to edit Master title style</a:t>
             </a:r>
-            <a:endParaRPr lang="en-US"/>
           </a:p>
         </p:txBody>
       </p:sp>
@@ -2160,38 +2169,37 @@
           <a:p>
             <a:pPr lvl="0"/>
             <a:r>
-              <a:rPr lang="en-US" smtClean="0"/>
+              <a:rPr lang="en-US"/>
               <a:t>Click to edit Master text styles</a:t>
             </a:r>
           </a:p>
           <a:p>
             <a:pPr lvl="1"/>
             <a:r>
-              <a:rPr lang="en-US" smtClean="0"/>
+              <a:rPr lang="en-US"/>
               <a:t>Second level</a:t>
             </a:r>
           </a:p>
           <a:p>
             <a:pPr lvl="2"/>
             <a:r>
-              <a:rPr lang="en-US" smtClean="0"/>
+              <a:rPr lang="en-US"/>
               <a:t>Third level</a:t>
             </a:r>
           </a:p>
           <a:p>
             <a:pPr lvl="3"/>
             <a:r>
-              <a:rPr lang="en-US" smtClean="0"/>
+              <a:rPr lang="en-US"/>
               <a:t>Fourth level</a:t>
             </a:r>
           </a:p>
           <a:p>
             <a:pPr lvl="4"/>
             <a:r>
-              <a:rPr lang="en-US" smtClean="0"/>
+              <a:rPr lang="en-US"/>
               <a:t>Fifth level</a:t>
             </a:r>
-            <a:endParaRPr lang="en-US"/>
           </a:p>
         </p:txBody>
       </p:sp>
@@ -2212,7 +2220,7 @@
           <a:p>
             <a:fld id="{786E1EFC-E6AB-2947-A6D2-5B231F6001E8}" type="datetime1">
               <a:rPr lang="en-US" smtClean="0"/>
-              <a:t>3/20/19</a:t>
+              <a:t>1/24/21</a:t>
             </a:fld>
             <a:endParaRPr lang="en-US"/>
           </a:p>
@@ -2306,10 +2314,9 @@
           <a:lstStyle/>
           <a:p>
             <a:r>
-              <a:rPr lang="en-US" smtClean="0"/>
+              <a:rPr lang="en-US"/>
               <a:t>Click to edit Master title style</a:t>
             </a:r>
-            <a:endParaRPr lang="en-US"/>
           </a:p>
         </p:txBody>
       </p:sp>
@@ -2330,38 +2337,37 @@
           <a:p>
             <a:pPr lvl="0"/>
             <a:r>
-              <a:rPr lang="en-US" smtClean="0"/>
+              <a:rPr lang="en-US"/>
               <a:t>Click to edit Master text styles</a:t>
             </a:r>
           </a:p>
           <a:p>
             <a:pPr lvl="1"/>
             <a:r>
-              <a:rPr lang="en-US" smtClean="0"/>
+              <a:rPr lang="en-US"/>
               <a:t>Second level</a:t>
             </a:r>
           </a:p>
           <a:p>
             <a:pPr lvl="2"/>
             <a:r>
-              <a:rPr lang="en-US" smtClean="0"/>
+              <a:rPr lang="en-US"/>
               <a:t>Third level</a:t>
             </a:r>
           </a:p>
           <a:p>
             <a:pPr lvl="3"/>
             <a:r>
-              <a:rPr lang="en-US" smtClean="0"/>
+              <a:rPr lang="en-US"/>
               <a:t>Fourth level</a:t>
             </a:r>
           </a:p>
           <a:p>
             <a:pPr lvl="4"/>
             <a:r>
-              <a:rPr lang="en-US" smtClean="0"/>
+              <a:rPr lang="en-US"/>
               <a:t>Fifth level</a:t>
             </a:r>
-            <a:endParaRPr lang="en-US"/>
           </a:p>
         </p:txBody>
       </p:sp>
@@ -2382,7 +2388,7 @@
           <a:p>
             <a:fld id="{EB157841-5AC3-314E-B511-702A63E29FFA}" type="datetime1">
               <a:rPr lang="en-US" smtClean="0"/>
-              <a:t>3/20/19</a:t>
+              <a:t>1/24/21</a:t>
             </a:fld>
             <a:endParaRPr lang="en-US"/>
           </a:p>
@@ -2485,10 +2491,9 @@
           </a:lstStyle>
           <a:p>
             <a:r>
-              <a:rPr lang="en-US" smtClean="0"/>
+              <a:rPr lang="en-US"/>
               <a:t>Click to edit Master title style</a:t>
             </a:r>
-            <a:endParaRPr lang="en-US"/>
           </a:p>
         </p:txBody>
       </p:sp>
@@ -2605,7 +2610,7 @@
           <a:p>
             <a:pPr lvl="0"/>
             <a:r>
-              <a:rPr lang="en-US" smtClean="0"/>
+              <a:rPr lang="en-US"/>
               <a:t>Click to edit Master text styles</a:t>
             </a:r>
           </a:p>
@@ -2628,7 +2633,7 @@
           <a:p>
             <a:fld id="{8FD64125-C793-CF40-AB85-5C580211B255}" type="datetime1">
               <a:rPr lang="en-US" smtClean="0"/>
-              <a:t>3/20/19</a:t>
+              <a:t>1/24/21</a:t>
             </a:fld>
             <a:endParaRPr lang="en-US"/>
           </a:p>
@@ -2722,10 +2727,9 @@
           <a:lstStyle/>
           <a:p>
             <a:r>
-              <a:rPr lang="en-US" smtClean="0"/>
+              <a:rPr lang="en-US"/>
               <a:t>Click to edit Master title style</a:t>
             </a:r>
-            <a:endParaRPr lang="en-US"/>
           </a:p>
         </p:txBody>
       </p:sp>
@@ -2779,38 +2783,37 @@
           <a:p>
             <a:pPr lvl="0"/>
             <a:r>
-              <a:rPr lang="en-US" smtClean="0"/>
+              <a:rPr lang="en-US"/>
               <a:t>Click to edit Master text styles</a:t>
             </a:r>
           </a:p>
           <a:p>
             <a:pPr lvl="1"/>
             <a:r>
-              <a:rPr lang="en-US" smtClean="0"/>
+              <a:rPr lang="en-US"/>
               <a:t>Second level</a:t>
             </a:r>
           </a:p>
           <a:p>
             <a:pPr lvl="2"/>
             <a:r>
-              <a:rPr lang="en-US" smtClean="0"/>
+              <a:rPr lang="en-US"/>
               <a:t>Third level</a:t>
             </a:r>
           </a:p>
           <a:p>
             <a:pPr lvl="3"/>
             <a:r>
-              <a:rPr lang="en-US" smtClean="0"/>
+              <a:rPr lang="en-US"/>
               <a:t>Fourth level</a:t>
             </a:r>
           </a:p>
           <a:p>
             <a:pPr lvl="4"/>
             <a:r>
-              <a:rPr lang="en-US" smtClean="0"/>
+              <a:rPr lang="en-US"/>
               <a:t>Fifth level</a:t>
             </a:r>
-            <a:endParaRPr lang="en-US"/>
           </a:p>
         </p:txBody>
       </p:sp>
@@ -2864,38 +2867,37 @@
           <a:p>
             <a:pPr lvl="0"/>
             <a:r>
-              <a:rPr lang="en-US" smtClean="0"/>
+              <a:rPr lang="en-US"/>
               <a:t>Click to edit Master text styles</a:t>
             </a:r>
           </a:p>
           <a:p>
             <a:pPr lvl="1"/>
             <a:r>
-              <a:rPr lang="en-US" smtClean="0"/>
+              <a:rPr lang="en-US"/>
               <a:t>Second level</a:t>
             </a:r>
           </a:p>
           <a:p>
             <a:pPr lvl="2"/>
             <a:r>
-              <a:rPr lang="en-US" smtClean="0"/>
+              <a:rPr lang="en-US"/>
               <a:t>Third level</a:t>
             </a:r>
           </a:p>
           <a:p>
             <a:pPr lvl="3"/>
             <a:r>
-              <a:rPr lang="en-US" smtClean="0"/>
+              <a:rPr lang="en-US"/>
               <a:t>Fourth level</a:t>
             </a:r>
           </a:p>
           <a:p>
             <a:pPr lvl="4"/>
             <a:r>
-              <a:rPr lang="en-US" smtClean="0"/>
+              <a:rPr lang="en-US"/>
               <a:t>Fifth level</a:t>
             </a:r>
-            <a:endParaRPr lang="en-US"/>
           </a:p>
         </p:txBody>
       </p:sp>
@@ -2916,7 +2918,7 @@
           <a:p>
             <a:fld id="{8FF3BC11-D26C-9545-8066-AD887DC40162}" type="datetime1">
               <a:rPr lang="en-US" smtClean="0"/>
-              <a:t>3/20/19</a:t>
+              <a:t>1/24/21</a:t>
             </a:fld>
             <a:endParaRPr lang="en-US"/>
           </a:p>
@@ -3014,10 +3016,9 @@
           </a:lstStyle>
           <a:p>
             <a:r>
-              <a:rPr lang="en-US" smtClean="0"/>
+              <a:rPr lang="en-US"/>
               <a:t>Click to edit Master title style</a:t>
             </a:r>
-            <a:endParaRPr lang="en-US"/>
           </a:p>
         </p:txBody>
       </p:sp>
@@ -3080,7 +3081,7 @@
           <a:p>
             <a:pPr lvl="0"/>
             <a:r>
-              <a:rPr lang="en-US" smtClean="0"/>
+              <a:rPr lang="en-US"/>
               <a:t>Click to edit Master text styles</a:t>
             </a:r>
           </a:p>
@@ -3136,38 +3137,37 @@
           <a:p>
             <a:pPr lvl="0"/>
             <a:r>
-              <a:rPr lang="en-US" smtClean="0"/>
+              <a:rPr lang="en-US"/>
               <a:t>Click to edit Master text styles</a:t>
             </a:r>
           </a:p>
           <a:p>
             <a:pPr lvl="1"/>
             <a:r>
-              <a:rPr lang="en-US" smtClean="0"/>
+              <a:rPr lang="en-US"/>
               <a:t>Second level</a:t>
             </a:r>
           </a:p>
           <a:p>
             <a:pPr lvl="2"/>
             <a:r>
-              <a:rPr lang="en-US" smtClean="0"/>
+              <a:rPr lang="en-US"/>
               <a:t>Third level</a:t>
             </a:r>
           </a:p>
           <a:p>
             <a:pPr lvl="3"/>
             <a:r>
-              <a:rPr lang="en-US" smtClean="0"/>
+              <a:rPr lang="en-US"/>
               <a:t>Fourth level</a:t>
             </a:r>
           </a:p>
           <a:p>
             <a:pPr lvl="4"/>
             <a:r>
-              <a:rPr lang="en-US" smtClean="0"/>
+              <a:rPr lang="en-US"/>
               <a:t>Fifth level</a:t>
             </a:r>
-            <a:endParaRPr lang="en-US"/>
           </a:p>
         </p:txBody>
       </p:sp>
@@ -3230,7 +3230,7 @@
           <a:p>
             <a:pPr lvl="0"/>
             <a:r>
-              <a:rPr lang="en-US" smtClean="0"/>
+              <a:rPr lang="en-US"/>
               <a:t>Click to edit Master text styles</a:t>
             </a:r>
           </a:p>
@@ -3286,38 +3286,37 @@
           <a:p>
             <a:pPr lvl="0"/>
             <a:r>
-              <a:rPr lang="en-US" smtClean="0"/>
+              <a:rPr lang="en-US"/>
               <a:t>Click to edit Master text styles</a:t>
             </a:r>
           </a:p>
           <a:p>
             <a:pPr lvl="1"/>
             <a:r>
-              <a:rPr lang="en-US" smtClean="0"/>
+              <a:rPr lang="en-US"/>
               <a:t>Second level</a:t>
             </a:r>
           </a:p>
           <a:p>
             <a:pPr lvl="2"/>
             <a:r>
-              <a:rPr lang="en-US" smtClean="0"/>
+              <a:rPr lang="en-US"/>
               <a:t>Third level</a:t>
             </a:r>
           </a:p>
           <a:p>
             <a:pPr lvl="3"/>
             <a:r>
-              <a:rPr lang="en-US" smtClean="0"/>
+              <a:rPr lang="en-US"/>
               <a:t>Fourth level</a:t>
             </a:r>
           </a:p>
           <a:p>
             <a:pPr lvl="4"/>
             <a:r>
-              <a:rPr lang="en-US" smtClean="0"/>
+              <a:rPr lang="en-US"/>
               <a:t>Fifth level</a:t>
             </a:r>
-            <a:endParaRPr lang="en-US"/>
           </a:p>
         </p:txBody>
       </p:sp>
@@ -3338,7 +3337,7 @@
           <a:p>
             <a:fld id="{7C8EB1DA-39EA-654F-9C1C-79D5A957E68F}" type="datetime1">
               <a:rPr lang="en-US" smtClean="0"/>
-              <a:t>3/20/19</a:t>
+              <a:t>1/24/21</a:t>
             </a:fld>
             <a:endParaRPr lang="en-US"/>
           </a:p>
@@ -3432,10 +3431,9 @@
           <a:lstStyle/>
           <a:p>
             <a:r>
-              <a:rPr lang="en-US" smtClean="0"/>
+              <a:rPr lang="en-US"/>
               <a:t>Click to edit Master title style</a:t>
             </a:r>
-            <a:endParaRPr lang="en-US"/>
           </a:p>
         </p:txBody>
       </p:sp>
@@ -3456,7 +3454,7 @@
           <a:p>
             <a:fld id="{849BDEB1-7C20-1A41-8500-9C13ED8CAD7B}" type="datetime1">
               <a:rPr lang="en-US" smtClean="0"/>
-              <a:t>3/20/19</a:t>
+              <a:t>1/24/21</a:t>
             </a:fld>
             <a:endParaRPr lang="en-US"/>
           </a:p>
@@ -3551,7 +3549,7 @@
           <a:p>
             <a:fld id="{77A308EA-94AC-6B47-B055-F8BDD6933FD2}" type="datetime1">
               <a:rPr lang="en-US" smtClean="0"/>
-              <a:t>3/20/19</a:t>
+              <a:t>1/24/21</a:t>
             </a:fld>
             <a:endParaRPr lang="en-US"/>
           </a:p>
@@ -3654,10 +3652,9 @@
           </a:lstStyle>
           <a:p>
             <a:r>
-              <a:rPr lang="en-US" smtClean="0"/>
+              <a:rPr lang="en-US"/>
               <a:t>Click to edit Master title style</a:t>
             </a:r>
-            <a:endParaRPr lang="en-US"/>
           </a:p>
         </p:txBody>
       </p:sp>
@@ -3711,38 +3708,37 @@
           <a:p>
             <a:pPr lvl="0"/>
             <a:r>
-              <a:rPr lang="en-US" smtClean="0"/>
+              <a:rPr lang="en-US"/>
               <a:t>Click to edit Master text styles</a:t>
             </a:r>
           </a:p>
           <a:p>
             <a:pPr lvl="1"/>
             <a:r>
-              <a:rPr lang="en-US" smtClean="0"/>
+              <a:rPr lang="en-US"/>
               <a:t>Second level</a:t>
             </a:r>
           </a:p>
           <a:p>
             <a:pPr lvl="2"/>
             <a:r>
-              <a:rPr lang="en-US" smtClean="0"/>
+              <a:rPr lang="en-US"/>
               <a:t>Third level</a:t>
             </a:r>
           </a:p>
           <a:p>
             <a:pPr lvl="3"/>
             <a:r>
-              <a:rPr lang="en-US" smtClean="0"/>
+              <a:rPr lang="en-US"/>
               <a:t>Fourth level</a:t>
             </a:r>
           </a:p>
           <a:p>
             <a:pPr lvl="4"/>
             <a:r>
-              <a:rPr lang="en-US" smtClean="0"/>
+              <a:rPr lang="en-US"/>
               <a:t>Fifth level</a:t>
             </a:r>
-            <a:endParaRPr lang="en-US"/>
           </a:p>
         </p:txBody>
       </p:sp>
@@ -3805,7 +3801,7 @@
           <a:p>
             <a:pPr lvl="0"/>
             <a:r>
-              <a:rPr lang="en-US" smtClean="0"/>
+              <a:rPr lang="en-US"/>
               <a:t>Click to edit Master text styles</a:t>
             </a:r>
           </a:p>
@@ -3828,7 +3824,7 @@
           <a:p>
             <a:fld id="{27A84899-45CA-A542-9B98-BED806E245BD}" type="datetime1">
               <a:rPr lang="en-US" smtClean="0"/>
-              <a:t>3/20/19</a:t>
+              <a:t>1/24/21</a:t>
             </a:fld>
             <a:endParaRPr lang="en-US"/>
           </a:p>
@@ -3931,10 +3927,9 @@
           </a:lstStyle>
           <a:p>
             <a:r>
-              <a:rPr lang="en-US" smtClean="0"/>
+              <a:rPr lang="en-US"/>
               <a:t>Click to edit Master title style</a:t>
             </a:r>
-            <a:endParaRPr lang="en-US"/>
           </a:p>
         </p:txBody>
       </p:sp>
@@ -4058,7 +4053,7 @@
           <a:p>
             <a:pPr lvl="0"/>
             <a:r>
-              <a:rPr lang="en-US" smtClean="0"/>
+              <a:rPr lang="en-US"/>
               <a:t>Click to edit Master text styles</a:t>
             </a:r>
           </a:p>
@@ -4081,7 +4076,7 @@
           <a:p>
             <a:fld id="{60A476BE-35F3-B741-9D24-92BEBB725E1A}" type="datetime1">
               <a:rPr lang="en-US" smtClean="0"/>
-              <a:t>3/20/19</a:t>
+              <a:t>1/24/21</a:t>
             </a:fld>
             <a:endParaRPr lang="en-US"/>
           </a:p>
@@ -4190,10 +4185,9 @@
           <a:lstStyle/>
           <a:p>
             <a:r>
-              <a:rPr lang="en-US" smtClean="0"/>
+              <a:rPr lang="en-US"/>
               <a:t>Click to edit Master title style</a:t>
             </a:r>
-            <a:endParaRPr lang="en-US"/>
           </a:p>
         </p:txBody>
       </p:sp>
@@ -4224,38 +4218,37 @@
           <a:p>
             <a:pPr lvl="0"/>
             <a:r>
-              <a:rPr lang="en-US" smtClean="0"/>
+              <a:rPr lang="en-US"/>
               <a:t>Click to edit Master text styles</a:t>
             </a:r>
           </a:p>
           <a:p>
             <a:pPr lvl="1"/>
             <a:r>
-              <a:rPr lang="en-US" smtClean="0"/>
+              <a:rPr lang="en-US"/>
               <a:t>Second level</a:t>
             </a:r>
           </a:p>
           <a:p>
             <a:pPr lvl="2"/>
             <a:r>
-              <a:rPr lang="en-US" smtClean="0"/>
+              <a:rPr lang="en-US"/>
               <a:t>Third level</a:t>
             </a:r>
           </a:p>
           <a:p>
             <a:pPr lvl="3"/>
             <a:r>
-              <a:rPr lang="en-US" smtClean="0"/>
+              <a:rPr lang="en-US"/>
               <a:t>Fourth level</a:t>
             </a:r>
           </a:p>
           <a:p>
             <a:pPr lvl="4"/>
             <a:r>
-              <a:rPr lang="en-US" smtClean="0"/>
+              <a:rPr lang="en-US"/>
               <a:t>Fifth level</a:t>
             </a:r>
-            <a:endParaRPr lang="en-US"/>
           </a:p>
         </p:txBody>
       </p:sp>
@@ -4294,7 +4287,7 @@
           <a:p>
             <a:fld id="{9C73C396-9FD4-4C49-83A0-4D35B418F31C}" type="datetime1">
               <a:rPr lang="en-US" smtClean="0"/>
-              <a:t>3/20/19</a:t>
+              <a:t>1/24/21</a:t>
             </a:fld>
             <a:endParaRPr lang="en-US"/>
           </a:p>
@@ -4693,32 +4686,19 @@
           <a:lstStyle/>
           <a:p>
             <a:r>
-              <a:rPr lang="en-US" sz="3600" dirty="0" smtClean="0"/>
+              <a:rPr lang="en-US" sz="3600" dirty="0"/>
               <a:t>QTL mapping and GWAS</a:t>
             </a:r>
             <a:br>
-              <a:rPr lang="en-US" sz="3600" dirty="0" smtClean="0"/>
+              <a:rPr lang="en-US" sz="3600" dirty="0"/>
             </a:br>
-            <a:r>
-              <a:rPr lang="en-US" sz="2800" dirty="0" smtClean="0"/>
-              <a:t/>
-            </a:r>
             <a:br>
-              <a:rPr lang="en-US" sz="2800" dirty="0" smtClean="0"/>
+              <a:rPr lang="en-US" sz="2800" dirty="0"/>
             </a:br>
             <a:r>
-              <a:rPr lang="en-US" sz="2000" dirty="0" smtClean="0"/>
-              <a:t>Bioinformatics Applications</a:t>
-            </a:r>
-            <a:r>
               <a:rPr lang="en-US" sz="2000" dirty="0"/>
-              <a:t> </a:t>
-            </a:r>
-            <a:r>
-              <a:rPr lang="en-US" sz="2000" dirty="0" smtClean="0"/>
-              <a:t>(PLPTH813)</a:t>
-            </a:r>
-            <a:endParaRPr lang="en-US" sz="2000" dirty="0"/>
+              <a:t>Bioinformatics Applications (PLPTH813)</a:t>
+            </a:r>
           </a:p>
         </p:txBody>
       </p:sp>
@@ -4745,23 +4725,18 @@
           <a:lstStyle/>
           <a:p>
             <a:r>
-              <a:rPr lang="en-US" sz="2800" dirty="0" smtClean="0"/>
+              <a:rPr lang="en-US" sz="2800" dirty="0"/>
               <a:t>Sanzhen Liu</a:t>
             </a:r>
           </a:p>
           <a:p>
-            <a:endParaRPr lang="en-US" sz="2800" dirty="0" smtClean="0"/>
+            <a:endParaRPr lang="en-US" sz="2800" dirty="0"/>
           </a:p>
           <a:p>
             <a:r>
               <a:rPr lang="en-US" sz="2800" dirty="0"/>
-              <a:t>3</a:t>
-            </a:r>
-            <a:r>
-              <a:rPr lang="en-US" sz="2800" dirty="0" smtClean="0"/>
-              <a:t>/19/2019</a:t>
-            </a:r>
-            <a:endParaRPr lang="en-US" sz="2800" dirty="0"/>
+              <a:t>3/19/2019</a:t>
+            </a:r>
           </a:p>
         </p:txBody>
       </p:sp>
@@ -4798,13 +4773,6 @@
   <p:clrMapOvr>
     <a:masterClrMapping/>
   </p:clrMapOvr>
-  <p:timing>
-    <p:tnLst>
-      <p:par>
-        <p:cTn xmlns:p14="http://schemas.microsoft.com/office/powerpoint/2010/main" id="1" dur="indefinite" restart="never" nodeType="tmRoot"/>
-      </p:par>
-    </p:tnLst>
-  </p:timing>
 </p:sld>
 </file>
 
@@ -4848,10 +4816,9 @@
           <a:lstStyle/>
           <a:p>
             <a:r>
-              <a:rPr lang="en-US" sz="3200" dirty="0" smtClean="0"/>
+              <a:rPr lang="en-US" sz="3200" dirty="0"/>
               <a:t>Mapping populations</a:t>
             </a:r>
-            <a:endParaRPr lang="en-US" sz="3200" dirty="0"/>
           </a:p>
         </p:txBody>
       </p:sp>
@@ -4909,7 +4876,7 @@
               <a:buAutoNum type="arabicPeriod"/>
             </a:pPr>
             <a:r>
-              <a:rPr lang="en-US" sz="2800" dirty="0" smtClean="0"/>
+              <a:rPr lang="en-US" sz="2800" dirty="0"/>
               <a:t>F1, F2</a:t>
             </a:r>
           </a:p>
@@ -4919,7 +4886,7 @@
               <a:buAutoNum type="arabicPeriod"/>
             </a:pPr>
             <a:r>
-              <a:rPr lang="en-US" sz="2800" dirty="0" smtClean="0"/>
+              <a:rPr lang="en-US" sz="2800" dirty="0"/>
               <a:t>Recombinant Inbred Lines</a:t>
             </a:r>
           </a:p>
@@ -4929,18 +4896,9 @@
               <a:buAutoNum type="arabicPeriod"/>
             </a:pPr>
             <a:r>
-              <a:rPr lang="en-US" sz="2800" dirty="0" smtClean="0"/>
-              <a:t>Double </a:t>
-            </a:r>
-            <a:r>
               <a:rPr lang="en-US" sz="2800" dirty="0"/>
-              <a:t>haploid (DH) </a:t>
-            </a:r>
-            <a:r>
-              <a:rPr lang="en-US" sz="2800" dirty="0" smtClean="0"/>
-              <a:t>lines</a:t>
-            </a:r>
-            <a:endParaRPr lang="en-US" sz="2800" dirty="0"/>
+              <a:t>Double haploid (DH) lines</a:t>
+            </a:r>
           </a:p>
         </p:txBody>
       </p:sp>
@@ -6359,7 +6317,7 @@
           <a:lstStyle/>
           <a:p>
             <a:r>
-              <a:rPr lang="en-US" sz="3200" dirty="0" smtClean="0">
+              <a:rPr lang="en-US" sz="3200" dirty="0">
                 <a:solidFill>
                   <a:schemeClr val="bg1">
                     <a:lumMod val="65000"/>
@@ -6368,13 +6326,6 @@
               </a:rPr>
               <a:t>X</a:t>
             </a:r>
-            <a:endParaRPr lang="en-US" sz="3200" dirty="0">
-              <a:solidFill>
-                <a:schemeClr val="bg1">
-                  <a:lumMod val="65000"/>
-                </a:schemeClr>
-              </a:solidFill>
-            </a:endParaRPr>
           </a:p>
         </p:txBody>
       </p:sp>
@@ -6507,10 +6458,9 @@
           <a:lstStyle/>
           <a:p>
             <a:r>
-              <a:rPr lang="en-US" sz="2800" dirty="0" smtClean="0"/>
+              <a:rPr lang="en-US" sz="2800" dirty="0"/>
               <a:t>Parents</a:t>
             </a:r>
-            <a:endParaRPr lang="en-US" sz="2800" dirty="0"/>
           </a:p>
         </p:txBody>
       </p:sp>
@@ -6537,10 +6487,9 @@
           <a:lstStyle/>
           <a:p>
             <a:r>
-              <a:rPr lang="en-US" sz="2800" dirty="0" smtClean="0"/>
+              <a:rPr lang="en-US" sz="2800" dirty="0"/>
               <a:t>DH lines</a:t>
             </a:r>
-            <a:endParaRPr lang="en-US" sz="2800" dirty="0"/>
           </a:p>
         </p:txBody>
       </p:sp>
@@ -6567,10 +6516,9 @@
           <a:lstStyle/>
           <a:p>
             <a:r>
-              <a:rPr lang="en-US" sz="2800" dirty="0" smtClean="0"/>
+              <a:rPr lang="en-US" sz="2800" dirty="0"/>
               <a:t>...</a:t>
             </a:r>
-            <a:endParaRPr lang="en-US" sz="2800" dirty="0"/>
           </a:p>
         </p:txBody>
       </p:sp>
@@ -6602,7 +6550,7 @@
               </a:lnSpc>
             </a:pPr>
             <a:r>
-              <a:rPr lang="en-US" sz="2400" dirty="0" smtClean="0"/>
+              <a:rPr lang="en-US" sz="2400" dirty="0"/>
               <a:t>haploid induction</a:t>
             </a:r>
           </a:p>
@@ -6612,7 +6560,7 @@
                 <a:spcPct val="80000"/>
               </a:lnSpc>
             </a:pPr>
-            <a:endParaRPr lang="en-US" sz="2400" dirty="0" smtClean="0"/>
+            <a:endParaRPr lang="en-US" sz="2400" dirty="0"/>
           </a:p>
           <a:p>
             <a:pPr>
@@ -6621,10 +6569,9 @@
               </a:lnSpc>
             </a:pPr>
             <a:r>
-              <a:rPr lang="en-US" sz="2400" dirty="0" smtClean="0"/>
+              <a:rPr lang="en-US" sz="2400" dirty="0"/>
               <a:t>genome doubling</a:t>
             </a:r>
-            <a:endParaRPr lang="en-US" sz="2400" dirty="0"/>
           </a:p>
         </p:txBody>
       </p:sp>
@@ -6638,13 +6585,6 @@
   <p:clrMapOvr>
     <a:masterClrMapping/>
   </p:clrMapOvr>
-  <p:timing>
-    <p:tnLst>
-      <p:par>
-        <p:cTn xmlns:p14="http://schemas.microsoft.com/office/powerpoint/2010/main" id="1" dur="indefinite" restart="never" nodeType="tmRoot"/>
-      </p:par>
-    </p:tnLst>
-  </p:timing>
 </p:sld>
 </file>
 
@@ -6842,7 +6782,7 @@
             <a:lstStyle/>
             <a:p>
               <a:r>
-                <a:rPr lang="en-US" sz="1600" dirty="0" smtClean="0">
+                <a:rPr lang="en-US" sz="1600" dirty="0">
                   <a:latin typeface="Optima"/>
                   <a:cs typeface="Optima"/>
                 </a:rPr>
@@ -6874,7 +6814,7 @@
             <a:lstStyle/>
             <a:p>
               <a:r>
-                <a:rPr lang="en-US" dirty="0" smtClean="0">
+                <a:rPr lang="en-US" dirty="0">
                   <a:solidFill>
                     <a:schemeClr val="bg1">
                       <a:lumMod val="65000"/>
@@ -6888,7 +6828,7 @@
             </a:p>
             <a:p>
               <a:r>
-                <a:rPr lang="en-US" dirty="0" smtClean="0">
+                <a:rPr lang="en-US" dirty="0">
                   <a:solidFill>
                     <a:schemeClr val="bg1">
                       <a:lumMod val="65000"/>
@@ -6899,15 +6839,6 @@
                 </a:rPr>
                 <a:t>0</a:t>
               </a:r>
-              <a:endParaRPr lang="en-US" dirty="0">
-                <a:solidFill>
-                  <a:schemeClr val="bg1">
-                    <a:lumMod val="65000"/>
-                  </a:schemeClr>
-                </a:solidFill>
-                <a:latin typeface="Optima"/>
-                <a:cs typeface="Optima"/>
-              </a:endParaRPr>
             </a:p>
           </p:txBody>
         </p:sp>
@@ -6935,14 +6866,14 @@
           <a:lstStyle/>
           <a:p>
             <a:r>
-              <a:rPr lang="en-US" sz="2800" dirty="0" smtClean="0">
+              <a:rPr lang="en-US" sz="2800" dirty="0">
                 <a:latin typeface="Optima"/>
                 <a:cs typeface="Optima"/>
               </a:rPr>
               <a:t>Mapping a </a:t>
             </a:r>
             <a:r>
-              <a:rPr lang="en-US" sz="2800" dirty="0" smtClean="0">
+              <a:rPr lang="en-US" sz="2800" dirty="0">
                 <a:solidFill>
                   <a:srgbClr val="008000"/>
                 </a:solidFill>
@@ -6951,13 +6882,6 @@
               </a:rPr>
               <a:t>causal genetic controlling component (X)</a:t>
             </a:r>
-            <a:endParaRPr lang="en-US" sz="2800" dirty="0">
-              <a:solidFill>
-                <a:srgbClr val="008000"/>
-              </a:solidFill>
-              <a:latin typeface="Optima"/>
-              <a:cs typeface="Optima"/>
-            </a:endParaRPr>
           </a:p>
         </p:txBody>
       </p:sp>
@@ -6984,7 +6908,7 @@
           <a:lstStyle/>
           <a:p>
             <a:r>
-              <a:rPr lang="en-US" sz="1600" dirty="0" smtClean="0">
+              <a:rPr lang="en-US" sz="1600" dirty="0">
                 <a:latin typeface="Optima"/>
                 <a:cs typeface="Optima"/>
               </a:rPr>
@@ -7040,18 +6964,13 @@
             </a:lstStyle>
             <a:p>
               <a:r>
-                <a:rPr lang="en-US" dirty="0" smtClean="0">
+                <a:rPr lang="en-US" dirty="0">
                   <a:solidFill>
                     <a:srgbClr val="000000"/>
                   </a:solidFill>
                 </a:rPr>
                 <a:t>Phenotype</a:t>
               </a:r>
-              <a:endParaRPr lang="en-US" dirty="0">
-                <a:solidFill>
-                  <a:srgbClr val="000000"/>
-                </a:solidFill>
-              </a:endParaRPr>
             </a:p>
           </p:txBody>
         </p:sp>
@@ -7080,7 +6999,7 @@
                 <a:defRPr/>
               </a:pPr>
               <a:r>
-                <a:rPr lang="en-US" dirty="0" smtClean="0">
+                <a:rPr lang="en-US" dirty="0">
                   <a:solidFill>
                     <a:srgbClr val="007700"/>
                   </a:solidFill>
@@ -7118,7 +7037,7 @@
                 <a:defRPr/>
               </a:pPr>
               <a:r>
-                <a:rPr lang="en-US" dirty="0" smtClean="0">
+                <a:rPr lang="en-US" dirty="0">
                   <a:solidFill>
                     <a:srgbClr val="007700"/>
                   </a:solidFill>
@@ -7156,7 +7075,7 @@
                 <a:defRPr/>
               </a:pPr>
               <a:r>
-                <a:rPr lang="en-US" dirty="0" smtClean="0">
+                <a:rPr lang="en-US" dirty="0">
                   <a:solidFill>
                     <a:srgbClr val="007700"/>
                   </a:solidFill>
@@ -7201,7 +7120,7 @@
                 <a:defRPr/>
               </a:pPr>
               <a:r>
-                <a:rPr lang="en-US" dirty="0" smtClean="0">
+                <a:rPr lang="en-US" dirty="0">
                   <a:solidFill>
                     <a:srgbClr val="007700"/>
                   </a:solidFill>
@@ -7239,7 +7158,7 @@
                 <a:defRPr/>
               </a:pPr>
               <a:r>
-                <a:rPr lang="en-US" dirty="0" smtClean="0">
+                <a:rPr lang="en-US" dirty="0">
                   <a:solidFill>
                     <a:srgbClr val="007700"/>
                   </a:solidFill>
@@ -7277,7 +7196,7 @@
                 <a:defRPr/>
               </a:pPr>
               <a:r>
-                <a:rPr lang="en-US" dirty="0" smtClean="0">
+                <a:rPr lang="en-US" dirty="0">
                   <a:solidFill>
                     <a:srgbClr val="007700"/>
                   </a:solidFill>
@@ -7322,7 +7241,7 @@
                 <a:defRPr/>
               </a:pPr>
               <a:r>
-                <a:rPr lang="en-US" dirty="0" smtClean="0">
+                <a:rPr lang="en-US" dirty="0">
                   <a:solidFill>
                     <a:srgbClr val="007700"/>
                   </a:solidFill>
@@ -7367,13 +7286,6 @@
                 </a:rPr>
                 <a:t>X</a:t>
               </a:r>
-              <a:endParaRPr lang="en-US" sz="1800" dirty="0" smtClean="0">
-                <a:solidFill>
-                  <a:srgbClr val="007700"/>
-                </a:solidFill>
-                <a:latin typeface="Optima"/>
-                <a:cs typeface="Optima"/>
-              </a:endParaRPr>
             </a:p>
           </p:txBody>
         </p:sp>
@@ -7415,14 +7327,14 @@
             <a:lstStyle/>
             <a:p>
               <a:r>
-                <a:rPr lang="en-US" dirty="0" smtClean="0">
+                <a:rPr lang="en-US" dirty="0">
                   <a:latin typeface="Optima"/>
                   <a:cs typeface="Optima"/>
                 </a:rPr>
                 <a:t>A B </a:t>
               </a:r>
               <a:r>
-                <a:rPr lang="en-US" sz="3200" dirty="0" smtClean="0">
+                <a:rPr lang="en-US" sz="3200" dirty="0">
                   <a:solidFill>
                     <a:srgbClr val="007700"/>
                   </a:solidFill>
@@ -7432,16 +7344,12 @@
                 <a:t>X</a:t>
               </a:r>
               <a:r>
-                <a:rPr lang="en-US" dirty="0" smtClean="0">
+                <a:rPr lang="en-US" dirty="0">
                   <a:latin typeface="Optima"/>
                   <a:cs typeface="Optima"/>
                 </a:rPr>
                 <a:t> C D</a:t>
               </a:r>
-              <a:endParaRPr lang="en-US" dirty="0">
-                <a:latin typeface="Optima"/>
-                <a:cs typeface="Optima"/>
-              </a:endParaRPr>
             </a:p>
           </p:txBody>
         </p:sp>
@@ -7468,16 +7376,12 @@
             <a:lstStyle/>
             <a:p>
               <a:r>
-                <a:rPr lang="en-US" dirty="0" smtClean="0">
+                <a:rPr lang="en-US" dirty="0">
                   <a:latin typeface="Optima"/>
                   <a:cs typeface="Optima"/>
                 </a:rPr>
                 <a:t>Mapping result</a:t>
               </a:r>
-              <a:endParaRPr lang="en-US" dirty="0">
-                <a:latin typeface="Optima"/>
-                <a:cs typeface="Optima"/>
-              </a:endParaRPr>
             </a:p>
           </p:txBody>
         </p:sp>
@@ -8181,7 +8085,7 @@
             <a:p>
               <a:pPr algn="ctr"/>
               <a:r>
-                <a:rPr lang="en-US" dirty="0" smtClean="0"/>
+                <a:rPr lang="en-US" dirty="0"/>
                 <a:t>Mapping population</a:t>
               </a:r>
             </a:p>
@@ -8636,18 +8540,13 @@
             <a:lstStyle/>
             <a:p>
               <a:r>
-                <a:rPr lang="en-US" sz="1400" dirty="0" smtClean="0">
+                <a:rPr lang="en-US" sz="1400" dirty="0">
                   <a:solidFill>
                     <a:srgbClr val="FF0000"/>
                   </a:solidFill>
                 </a:rPr>
                 <a:t>X</a:t>
               </a:r>
-              <a:endParaRPr lang="en-US" sz="1400" dirty="0">
-                <a:solidFill>
-                  <a:srgbClr val="FF0000"/>
-                </a:solidFill>
-              </a:endParaRPr>
             </a:p>
           </p:txBody>
         </p:sp>
@@ -8679,14 +8578,7 @@
                 <a:latin typeface="Optima"/>
                 <a:cs typeface="Optima"/>
               </a:rPr>
-              <a:t>A</a:t>
-            </a:r>
-            <a:r>
-              <a:rPr lang="en-US" sz="1600" dirty="0" smtClean="0">
-                <a:latin typeface="Optima"/>
-                <a:cs typeface="Optima"/>
-              </a:rPr>
-              <a:t>      B</a:t>
+              <a:t>A      B</a:t>
             </a:r>
           </a:p>
         </p:txBody>
@@ -8718,14 +8610,7 @@
                 <a:latin typeface="Optima"/>
                 <a:cs typeface="Optima"/>
               </a:rPr>
-              <a:t>C</a:t>
-            </a:r>
-            <a:r>
-              <a:rPr lang="en-US" sz="1600" dirty="0" smtClean="0">
-                <a:latin typeface="Optima"/>
-                <a:cs typeface="Optima"/>
-              </a:rPr>
-              <a:t>      D</a:t>
+              <a:t>C      D</a:t>
             </a:r>
           </a:p>
         </p:txBody>
@@ -8777,18 +8662,13 @@
             </a:lstStyle>
             <a:p>
               <a:r>
-                <a:rPr lang="en-US" dirty="0" smtClean="0">
+                <a:rPr lang="en-US" dirty="0">
                   <a:solidFill>
                     <a:srgbClr val="000000"/>
                   </a:solidFill>
                 </a:rPr>
                 <a:t>Genotype</a:t>
               </a:r>
-              <a:endParaRPr lang="en-US" dirty="0">
-                <a:solidFill>
-                  <a:srgbClr val="000000"/>
-                </a:solidFill>
-              </a:endParaRPr>
             </a:p>
           </p:txBody>
         </p:sp>
@@ -8819,14 +8699,7 @@
                   <a:latin typeface="Optima"/>
                   <a:cs typeface="Optima"/>
                 </a:rPr>
-                <a:t>A</a:t>
-              </a:r>
-              <a:r>
-                <a:rPr lang="en-US" sz="1800" dirty="0" smtClean="0">
-                  <a:latin typeface="Optima"/>
-                  <a:cs typeface="Optima"/>
-                </a:rPr>
-                <a:t>      B           C       D</a:t>
+                <a:t>A      B           C       D</a:t>
               </a:r>
             </a:p>
           </p:txBody>
@@ -8854,18 +8727,6 @@
             <a:lstStyle/>
             <a:p>
               <a:r>
-                <a:rPr lang="en-US" sz="2000" dirty="0" smtClean="0">
-                  <a:solidFill>
-                    <a:schemeClr val="bg1">
-                      <a:lumMod val="50000"/>
-                    </a:schemeClr>
-                  </a:solidFill>
-                  <a:latin typeface="Optima"/>
-                  <a:cs typeface="Optima"/>
-                </a:rPr>
-                <a:t>1     1          </a:t>
-              </a:r>
-              <a:r>
                 <a:rPr lang="en-US" sz="2000" dirty="0">
                   <a:solidFill>
                     <a:schemeClr val="bg1">
@@ -8875,41 +8736,8 @@
                   <a:latin typeface="Optima"/>
                   <a:cs typeface="Optima"/>
                 </a:rPr>
-                <a:t>1</a:t>
+                <a:t>1     1          1       1</a:t>
               </a:r>
-              <a:r>
-                <a:rPr lang="en-US" sz="2000" dirty="0" smtClean="0">
-                  <a:solidFill>
-                    <a:schemeClr val="bg1">
-                      <a:lumMod val="50000"/>
-                    </a:schemeClr>
-                  </a:solidFill>
-                  <a:latin typeface="Optima"/>
-                  <a:cs typeface="Optima"/>
-                </a:rPr>
-                <a:t>       </a:t>
-              </a:r>
-              <a:r>
-                <a:rPr lang="en-US" sz="2000" dirty="0">
-                  <a:solidFill>
-                    <a:schemeClr val="bg1">
-                      <a:lumMod val="50000"/>
-                    </a:schemeClr>
-                  </a:solidFill>
-                  <a:latin typeface="Optima"/>
-                  <a:cs typeface="Optima"/>
-                </a:rPr>
-                <a:t>1</a:t>
-              </a:r>
-              <a:endParaRPr lang="en-US" sz="2000" dirty="0" smtClean="0">
-                <a:solidFill>
-                  <a:schemeClr val="bg1">
-                    <a:lumMod val="50000"/>
-                  </a:schemeClr>
-                </a:solidFill>
-                <a:latin typeface="Optima"/>
-                <a:cs typeface="Optima"/>
-              </a:endParaRPr>
             </a:p>
           </p:txBody>
         </p:sp>
@@ -8945,43 +8773,7 @@
                   <a:latin typeface="Optima"/>
                   <a:cs typeface="Optima"/>
                 </a:rPr>
-                <a:t>0</a:t>
-              </a:r>
-              <a:r>
-                <a:rPr lang="en-US" sz="2000" dirty="0" smtClean="0">
-                  <a:solidFill>
-                    <a:schemeClr val="bg1">
-                      <a:lumMod val="50000"/>
-                    </a:schemeClr>
-                  </a:solidFill>
-                  <a:latin typeface="Optima"/>
-                  <a:cs typeface="Optima"/>
-                </a:rPr>
-                <a:t>     </a:t>
-              </a:r>
-              <a:r>
-                <a:rPr lang="en-US" sz="2000" dirty="0">
-                  <a:solidFill>
-                    <a:schemeClr val="bg1">
-                      <a:lumMod val="50000"/>
-                    </a:schemeClr>
-                  </a:solidFill>
-                  <a:latin typeface="Optima"/>
-                  <a:cs typeface="Optima"/>
-                </a:rPr>
-                <a:t>0</a:t>
-              </a:r>
-              <a:r>
-                <a:rPr lang="en-US" sz="2000" dirty="0" smtClean="0">
-                  <a:solidFill>
-                    <a:schemeClr val="bg1">
-                      <a:lumMod val="50000"/>
-                    </a:schemeClr>
-                  </a:solidFill>
-                  <a:latin typeface="Optima"/>
-                  <a:cs typeface="Optima"/>
-                </a:rPr>
-                <a:t>          0       0</a:t>
+                <a:t>0     0          0       0</a:t>
               </a:r>
             </a:p>
           </p:txBody>
@@ -9009,18 +8801,6 @@
             <a:lstStyle/>
             <a:p>
               <a:r>
-                <a:rPr lang="en-US" sz="2000" dirty="0" smtClean="0">
-                  <a:solidFill>
-                    <a:schemeClr val="bg1">
-                      <a:lumMod val="50000"/>
-                    </a:schemeClr>
-                  </a:solidFill>
-                  <a:latin typeface="Optima"/>
-                  <a:cs typeface="Optima"/>
-                </a:rPr>
-                <a:t>1     1          </a:t>
-              </a:r>
-              <a:r>
                 <a:rPr lang="en-US" sz="2000" dirty="0">
                   <a:solidFill>
                     <a:schemeClr val="bg1">
@@ -9030,19 +8810,7 @@
                   <a:latin typeface="Optima"/>
                   <a:cs typeface="Optima"/>
                 </a:rPr>
-                <a:t>1</a:t>
-              </a:r>
-              <a:r>
-                <a:rPr lang="en-US" sz="2000" dirty="0" smtClean="0">
-                  <a:solidFill>
-                    <a:schemeClr val="bg1">
-                      <a:lumMod val="50000"/>
-                    </a:schemeClr>
-                  </a:solidFill>
-                  <a:latin typeface="Optima"/>
-                  <a:cs typeface="Optima"/>
-                </a:rPr>
-                <a:t>       0</a:t>
+                <a:t>1     1          1       0</a:t>
               </a:r>
             </a:p>
           </p:txBody>
@@ -9070,18 +8838,6 @@
             <a:lstStyle/>
             <a:p>
               <a:r>
-                <a:rPr lang="en-US" sz="2000" dirty="0" smtClean="0">
-                  <a:solidFill>
-                    <a:schemeClr val="bg1">
-                      <a:lumMod val="50000"/>
-                    </a:schemeClr>
-                  </a:solidFill>
-                  <a:latin typeface="Optima"/>
-                  <a:cs typeface="Optima"/>
-                </a:rPr>
-                <a:t>0     0          0       </a:t>
-              </a:r>
-              <a:r>
                 <a:rPr lang="en-US" sz="2000" dirty="0">
                   <a:solidFill>
                     <a:schemeClr val="bg1">
@@ -9091,17 +8847,8 @@
                   <a:latin typeface="Optima"/>
                   <a:cs typeface="Optima"/>
                 </a:rPr>
-                <a:t>1</a:t>
+                <a:t>0     0          0       1</a:t>
               </a:r>
-              <a:endParaRPr lang="en-US" sz="2000" dirty="0" smtClean="0">
-                <a:solidFill>
-                  <a:schemeClr val="bg1">
-                    <a:lumMod val="50000"/>
-                  </a:schemeClr>
-                </a:solidFill>
-                <a:latin typeface="Optima"/>
-                <a:cs typeface="Optima"/>
-              </a:endParaRPr>
             </a:p>
           </p:txBody>
         </p:sp>
@@ -9128,7 +8875,7 @@
             <a:lstStyle/>
             <a:p>
               <a:r>
-                <a:rPr lang="en-US" sz="2000" dirty="0" smtClean="0">
+                <a:rPr lang="en-US" sz="2000" dirty="0">
                   <a:solidFill>
                     <a:schemeClr val="bg1">
                       <a:lumMod val="50000"/>
@@ -9165,7 +8912,7 @@
             <a:lstStyle/>
             <a:p>
               <a:r>
-                <a:rPr lang="en-US" sz="2000" dirty="0" smtClean="0">
+                <a:rPr lang="en-US" sz="2000" dirty="0">
                   <a:solidFill>
                     <a:schemeClr val="bg1">
                       <a:lumMod val="50000"/>
@@ -9202,18 +8949,6 @@
             <a:lstStyle/>
             <a:p>
               <a:r>
-                <a:rPr lang="en-US" sz="2000" dirty="0" smtClean="0">
-                  <a:solidFill>
-                    <a:schemeClr val="bg1">
-                      <a:lumMod val="50000"/>
-                    </a:schemeClr>
-                  </a:solidFill>
-                  <a:latin typeface="Optima"/>
-                  <a:cs typeface="Optima"/>
-                </a:rPr>
-                <a:t>0     1          </a:t>
-              </a:r>
-              <a:r>
                 <a:rPr lang="en-US" sz="2000" dirty="0">
                   <a:solidFill>
                     <a:schemeClr val="bg1">
@@ -9223,41 +8958,8 @@
                   <a:latin typeface="Optima"/>
                   <a:cs typeface="Optima"/>
                 </a:rPr>
-                <a:t>1</a:t>
+                <a:t>0     1          1       1</a:t>
               </a:r>
-              <a:r>
-                <a:rPr lang="en-US" sz="2000" dirty="0" smtClean="0">
-                  <a:solidFill>
-                    <a:schemeClr val="bg1">
-                      <a:lumMod val="50000"/>
-                    </a:schemeClr>
-                  </a:solidFill>
-                  <a:latin typeface="Optima"/>
-                  <a:cs typeface="Optima"/>
-                </a:rPr>
-                <a:t>       </a:t>
-              </a:r>
-              <a:r>
-                <a:rPr lang="en-US" sz="2000" dirty="0">
-                  <a:solidFill>
-                    <a:schemeClr val="bg1">
-                      <a:lumMod val="50000"/>
-                    </a:schemeClr>
-                  </a:solidFill>
-                  <a:latin typeface="Optima"/>
-                  <a:cs typeface="Optima"/>
-                </a:rPr>
-                <a:t>1</a:t>
-              </a:r>
-              <a:endParaRPr lang="en-US" sz="2000" dirty="0" smtClean="0">
-                <a:solidFill>
-                  <a:schemeClr val="bg1">
-                    <a:lumMod val="50000"/>
-                  </a:schemeClr>
-                </a:solidFill>
-                <a:latin typeface="Optima"/>
-                <a:cs typeface="Optima"/>
-              </a:endParaRPr>
             </a:p>
           </p:txBody>
         </p:sp>
@@ -9494,7 +9196,7 @@
             <a:lstStyle/>
             <a:p>
               <a:r>
-                <a:rPr lang="en-US" sz="1600" dirty="0" smtClean="0">
+                <a:rPr lang="en-US" sz="1600" dirty="0">
                   <a:latin typeface="Optima"/>
                   <a:cs typeface="Optima"/>
                 </a:rPr>
@@ -9528,7 +9230,7 @@
                 <a:defRPr/>
               </a:pPr>
               <a:r>
-                <a:rPr lang="en-US" sz="3200" dirty="0" smtClean="0">
+                <a:rPr lang="en-US" sz="3200" dirty="0">
                   <a:solidFill>
                     <a:schemeClr val="bg1">
                       <a:lumMod val="65000"/>
@@ -9546,7 +9248,7 @@
                 <a:defRPr/>
               </a:pPr>
               <a:r>
-                <a:rPr lang="en-US" sz="3200" dirty="0" smtClean="0">
+                <a:rPr lang="en-US" sz="3200" dirty="0">
                   <a:solidFill>
                     <a:schemeClr val="bg1">
                       <a:lumMod val="65000"/>
@@ -9570,7 +9272,7 @@
                 <a:t> </a:t>
               </a:r>
               <a:r>
-                <a:rPr lang="en-US" sz="3200" dirty="0" smtClean="0">
+                <a:rPr lang="en-US" sz="3200" dirty="0">
                   <a:solidFill>
                     <a:schemeClr val="bg1">
                       <a:lumMod val="65000"/>
@@ -9790,18 +9492,13 @@
             </a:lstStyle>
             <a:p>
               <a:r>
-                <a:rPr lang="en-US" dirty="0" smtClean="0">
+                <a:rPr lang="en-US" dirty="0">
                   <a:solidFill>
                     <a:srgbClr val="000000"/>
                   </a:solidFill>
                 </a:rPr>
                 <a:t>Phenotype</a:t>
               </a:r>
-              <a:endParaRPr lang="en-US" dirty="0">
-                <a:solidFill>
-                  <a:srgbClr val="000000"/>
-                </a:solidFill>
-              </a:endParaRPr>
             </a:p>
           </p:txBody>
         </p:sp>
@@ -9830,7 +9527,7 @@
                 <a:defRPr/>
               </a:pPr>
               <a:r>
-                <a:rPr lang="en-US" dirty="0" smtClean="0">
+                <a:rPr lang="en-US" dirty="0">
                   <a:solidFill>
                     <a:srgbClr val="007700"/>
                   </a:solidFill>
@@ -9868,7 +9565,7 @@
                 <a:defRPr/>
               </a:pPr>
               <a:r>
-                <a:rPr lang="en-US" dirty="0" smtClean="0">
+                <a:rPr lang="en-US" dirty="0">
                   <a:solidFill>
                     <a:srgbClr val="007700"/>
                   </a:solidFill>
@@ -9906,7 +9603,7 @@
                 <a:defRPr/>
               </a:pPr>
               <a:r>
-                <a:rPr lang="en-US" dirty="0" smtClean="0">
+                <a:rPr lang="en-US" dirty="0">
                   <a:solidFill>
                     <a:srgbClr val="007700"/>
                   </a:solidFill>
@@ -9915,13 +9612,6 @@
                 </a:rPr>
                 <a:t>3</a:t>
               </a:r>
-              <a:endParaRPr lang="en-US" dirty="0">
-                <a:solidFill>
-                  <a:srgbClr val="007700"/>
-                </a:solidFill>
-                <a:ea typeface="ＭＳ Ｐゴシック" charset="-128"/>
-                <a:cs typeface="ＭＳ Ｐゴシック" charset="-128"/>
-              </a:endParaRPr>
             </a:p>
           </p:txBody>
         </p:sp>
@@ -9950,7 +9640,7 @@
                 <a:defRPr/>
               </a:pPr>
               <a:r>
-                <a:rPr lang="en-US" dirty="0" smtClean="0">
+                <a:rPr lang="en-US" dirty="0">
                   <a:solidFill>
                     <a:srgbClr val="007700"/>
                   </a:solidFill>
@@ -9988,7 +9678,7 @@
                 <a:defRPr/>
               </a:pPr>
               <a:r>
-                <a:rPr lang="en-US" dirty="0" smtClean="0">
+                <a:rPr lang="en-US" dirty="0">
                   <a:solidFill>
                     <a:srgbClr val="007700"/>
                   </a:solidFill>
@@ -10026,7 +9716,7 @@
                 <a:defRPr/>
               </a:pPr>
               <a:r>
-                <a:rPr lang="en-US" dirty="0" smtClean="0">
+                <a:rPr lang="en-US" dirty="0">
                   <a:solidFill>
                     <a:srgbClr val="007700"/>
                   </a:solidFill>
@@ -10071,7 +9761,7 @@
                 <a:defRPr/>
               </a:pPr>
               <a:r>
-                <a:rPr lang="en-US" dirty="0" smtClean="0">
+                <a:rPr lang="en-US" dirty="0">
                   <a:solidFill>
                     <a:srgbClr val="007700"/>
                   </a:solidFill>
@@ -10107,7 +9797,7 @@
             <a:lstStyle/>
             <a:p>
               <a:r>
-                <a:rPr lang="en-US" sz="1800" dirty="0" smtClean="0">
+                <a:rPr lang="en-US" sz="1800" dirty="0">
                   <a:solidFill>
                     <a:srgbClr val="007700"/>
                   </a:solidFill>
@@ -10156,7 +9846,7 @@
   <p:timing>
     <p:tnLst>
       <p:par>
-        <p:cTn xmlns:p14="http://schemas.microsoft.com/office/powerpoint/2010/main" id="1" dur="indefinite" restart="never" nodeType="tmRoot">
+        <p:cTn id="1" dur="indefinite" restart="never" nodeType="tmRoot">
           <p:childTnLst>
             <p:seq concurrent="1" nextAc="seek">
               <p:cTn id="2" dur="indefinite" nodeType="mainSeq">
@@ -10541,10 +10231,9 @@
           <a:lstStyle/>
           <a:p>
             <a:r>
-              <a:rPr lang="en-US" sz="3200" dirty="0" smtClean="0"/>
+              <a:rPr lang="en-US" sz="3200" dirty="0"/>
               <a:t>Approach 1: t-test or ANOVA</a:t>
             </a:r>
-            <a:endParaRPr lang="en-US" sz="3200" dirty="0"/>
           </a:p>
         </p:txBody>
       </p:sp>
@@ -10575,7 +10264,7 @@
               <a:buAutoNum type="arabicPeriod"/>
             </a:pPr>
             <a:r>
-              <a:rPr lang="en-US" sz="2400" dirty="0" smtClean="0"/>
+              <a:rPr lang="en-US" sz="2400" dirty="0"/>
               <a:t>Based on the genotype data, individuals are divided into groups</a:t>
             </a:r>
           </a:p>
@@ -10585,7 +10274,7 @@
               <a:buAutoNum type="arabicPeriod"/>
             </a:pPr>
             <a:r>
-              <a:rPr lang="en-US" sz="2400" dirty="0" smtClean="0"/>
+              <a:rPr lang="en-US" sz="2400" dirty="0"/>
               <a:t>Perform t-test or ANOVA</a:t>
             </a:r>
           </a:p>
@@ -10595,7 +10284,7 @@
               <a:buAutoNum type="arabicPeriod"/>
             </a:pPr>
             <a:r>
-              <a:rPr lang="en-US" sz="2400" dirty="0" smtClean="0"/>
+              <a:rPr lang="en-US" sz="2400" dirty="0"/>
               <a:t>Repeat for all markers</a:t>
             </a:r>
           </a:p>
@@ -10604,7 +10293,7 @@
               <a:buNone/>
             </a:pPr>
             <a:r>
-              <a:rPr lang="en-US" sz="2400" dirty="0" smtClean="0"/>
+              <a:rPr lang="en-US" sz="2400" dirty="0"/>
               <a:t>(use t-test if only two groups exist)</a:t>
             </a:r>
           </a:p>
@@ -10774,23 +10463,23 @@
               <a:buNone/>
             </a:pPr>
             <a:r>
-              <a:rPr lang="en-US" sz="2400" b="1" i="1" dirty="0" smtClean="0"/>
+              <a:rPr lang="en-US" sz="2400" b="1" i="1" dirty="0"/>
               <a:t>Pros</a:t>
             </a:r>
             <a:r>
-              <a:rPr lang="en-US" sz="2400" b="1" dirty="0" smtClean="0"/>
+              <a:rPr lang="en-US" sz="2400" b="1" dirty="0"/>
               <a:t>:</a:t>
             </a:r>
           </a:p>
           <a:p>
             <a:r>
-              <a:rPr lang="en-US" sz="2400" dirty="0" smtClean="0"/>
+              <a:rPr lang="en-US" sz="2400" dirty="0"/>
               <a:t>Simple</a:t>
             </a:r>
           </a:p>
           <a:p>
             <a:r>
-              <a:rPr lang="en-US" sz="2400" dirty="0" smtClean="0"/>
+              <a:rPr lang="en-US" sz="2400" dirty="0"/>
               <a:t>No genetic map required</a:t>
             </a:r>
           </a:p>
@@ -10800,23 +10489,23 @@
               <a:buNone/>
             </a:pPr>
             <a:r>
-              <a:rPr lang="en-US" sz="2400" b="1" i="1" dirty="0" smtClean="0"/>
+              <a:rPr lang="en-US" sz="2400" b="1" i="1" dirty="0"/>
               <a:t>Cons</a:t>
             </a:r>
             <a:r>
-              <a:rPr lang="en-US" sz="2400" b="1" dirty="0" smtClean="0"/>
+              <a:rPr lang="en-US" sz="2400" b="1" dirty="0"/>
               <a:t>:</a:t>
             </a:r>
           </a:p>
           <a:p>
             <a:r>
-              <a:rPr lang="en-US" sz="2400" dirty="0" smtClean="0"/>
+              <a:rPr lang="en-US" sz="2400" dirty="0"/>
               <a:t>Individuals with missing data are excluded</a:t>
             </a:r>
           </a:p>
           <a:p>
             <a:r>
-              <a:rPr lang="en-US" sz="2400" dirty="0" smtClean="0"/>
+              <a:rPr lang="en-US" sz="2400" dirty="0"/>
               <a:t>Suffers in low density markers</a:t>
             </a:r>
           </a:p>
@@ -10868,7 +10557,7 @@
                 <a:defRPr/>
               </a:pPr>
               <a:r>
-                <a:rPr lang="en-US" dirty="0" smtClean="0">
+                <a:rPr lang="en-US" dirty="0">
                   <a:solidFill>
                     <a:srgbClr val="008000"/>
                   </a:solidFill>
@@ -10906,7 +10595,7 @@
                 <a:defRPr/>
               </a:pPr>
               <a:r>
-                <a:rPr lang="en-US" dirty="0" smtClean="0">
+                <a:rPr lang="en-US" dirty="0">
                   <a:solidFill>
                     <a:srgbClr val="008000"/>
                   </a:solidFill>
@@ -10944,7 +10633,7 @@
                 <a:defRPr/>
               </a:pPr>
               <a:r>
-                <a:rPr lang="en-US" dirty="0" smtClean="0">
+                <a:rPr lang="en-US" dirty="0">
                   <a:solidFill>
                     <a:srgbClr val="008000"/>
                   </a:solidFill>
@@ -10989,7 +10678,7 @@
                 <a:defRPr/>
               </a:pPr>
               <a:r>
-                <a:rPr lang="en-US" dirty="0" smtClean="0">
+                <a:rPr lang="en-US" dirty="0">
                   <a:solidFill>
                     <a:srgbClr val="008000"/>
                   </a:solidFill>
@@ -11027,7 +10716,7 @@
                 <a:defRPr/>
               </a:pPr>
               <a:r>
-                <a:rPr lang="en-US" dirty="0" smtClean="0">
+                <a:rPr lang="en-US" dirty="0">
                   <a:solidFill>
                     <a:srgbClr val="FF0000"/>
                   </a:solidFill>
@@ -11065,7 +10754,7 @@
                 <a:defRPr/>
               </a:pPr>
               <a:r>
-                <a:rPr lang="en-US" dirty="0" smtClean="0">
+                <a:rPr lang="en-US" dirty="0">
                   <a:solidFill>
                     <a:srgbClr val="FF0000"/>
                   </a:solidFill>
@@ -11110,7 +10799,7 @@
                 <a:defRPr/>
               </a:pPr>
               <a:r>
-                <a:rPr lang="en-US" dirty="0" smtClean="0">
+                <a:rPr lang="en-US" dirty="0">
                   <a:solidFill>
                     <a:srgbClr val="FF0000"/>
                   </a:solidFill>
@@ -11146,13 +10835,13 @@
             <a:lstStyle/>
             <a:p>
               <a:r>
-                <a:rPr lang="en-US" dirty="0" smtClean="0">
+                <a:rPr lang="en-US" dirty="0">
                   <a:latin typeface="Optima"/>
                   <a:cs typeface="Optima"/>
                 </a:rPr>
                 <a:t>genotype</a:t>
               </a:r>
-              <a:endParaRPr lang="en-US" sz="1800" dirty="0" smtClean="0">
+              <a:endParaRPr lang="en-US" sz="1800" dirty="0">
                 <a:latin typeface="Optima"/>
                 <a:cs typeface="Optima"/>
               </a:endParaRPr>
@@ -11199,7 +10888,7 @@
                 <a:defRPr/>
               </a:pPr>
               <a:r>
-                <a:rPr lang="en-US" dirty="0" smtClean="0">
+                <a:rPr lang="en-US" dirty="0">
                   <a:solidFill>
                     <a:srgbClr val="008000"/>
                   </a:solidFill>
@@ -11237,7 +10926,7 @@
                 <a:defRPr/>
               </a:pPr>
               <a:r>
-                <a:rPr lang="en-US" dirty="0" smtClean="0">
+                <a:rPr lang="en-US" dirty="0">
                   <a:solidFill>
                     <a:srgbClr val="008000"/>
                   </a:solidFill>
@@ -11275,7 +10964,7 @@
                 <a:defRPr/>
               </a:pPr>
               <a:r>
-                <a:rPr lang="en-US" dirty="0" smtClean="0">
+                <a:rPr lang="en-US" dirty="0">
                   <a:solidFill>
                     <a:srgbClr val="008000"/>
                   </a:solidFill>
@@ -11284,13 +10973,6 @@
                 </a:rPr>
                 <a:t>24</a:t>
               </a:r>
-              <a:endParaRPr lang="en-US" dirty="0">
-                <a:solidFill>
-                  <a:srgbClr val="008000"/>
-                </a:solidFill>
-                <a:ea typeface="ＭＳ Ｐゴシック" charset="-128"/>
-                <a:cs typeface="ＭＳ Ｐゴシック" charset="-128"/>
-              </a:endParaRPr>
             </a:p>
           </p:txBody>
         </p:sp>
@@ -11319,7 +11001,7 @@
                 <a:defRPr/>
               </a:pPr>
               <a:r>
-                <a:rPr lang="en-US" dirty="0" smtClean="0">
+                <a:rPr lang="en-US" dirty="0">
                   <a:solidFill>
                     <a:srgbClr val="008000"/>
                   </a:solidFill>
@@ -11357,7 +11039,7 @@
                 <a:defRPr/>
               </a:pPr>
               <a:r>
-                <a:rPr lang="en-US" dirty="0" smtClean="0">
+                <a:rPr lang="en-US" dirty="0">
                   <a:solidFill>
                     <a:srgbClr val="FF0000"/>
                   </a:solidFill>
@@ -11395,7 +11077,7 @@
                 <a:defRPr/>
               </a:pPr>
               <a:r>
-                <a:rPr lang="en-US" dirty="0" smtClean="0">
+                <a:rPr lang="en-US" dirty="0">
                   <a:solidFill>
                     <a:srgbClr val="FF0000"/>
                   </a:solidFill>
@@ -11440,7 +11122,7 @@
                 <a:defRPr/>
               </a:pPr>
               <a:r>
-                <a:rPr lang="en-US" dirty="0" smtClean="0">
+                <a:rPr lang="en-US" dirty="0">
                   <a:solidFill>
                     <a:srgbClr val="FF0000"/>
                   </a:solidFill>
@@ -11476,7 +11158,7 @@
             <a:lstStyle/>
             <a:p>
               <a:r>
-                <a:rPr lang="en-US" dirty="0" smtClean="0">
+                <a:rPr lang="en-US" dirty="0">
                   <a:solidFill>
                     <a:srgbClr val="000000"/>
                   </a:solidFill>
@@ -11485,7 +11167,7 @@
                 </a:rPr>
                 <a:t>phenotype</a:t>
               </a:r>
-              <a:endParaRPr lang="en-US" sz="1800" dirty="0" smtClean="0">
+              <a:endParaRPr lang="en-US" sz="1800" dirty="0">
                 <a:solidFill>
                   <a:srgbClr val="000000"/>
                 </a:solidFill>
@@ -11532,7 +11214,7 @@
   <p:timing>
     <p:tnLst>
       <p:par>
-        <p:cTn xmlns:p14="http://schemas.microsoft.com/office/powerpoint/2010/main" id="1" dur="indefinite" restart="never" nodeType="tmRoot">
+        <p:cTn id="1" dur="indefinite" restart="never" nodeType="tmRoot">
           <p:childTnLst>
             <p:seq concurrent="1" nextAc="seek">
               <p:cTn id="2" dur="indefinite" nodeType="mainSeq">
@@ -11722,10 +11404,9 @@
           <a:lstStyle/>
           <a:p>
             <a:r>
-              <a:rPr lang="en-US" sz="3200" dirty="0" smtClean="0"/>
+              <a:rPr lang="en-US" sz="3200" dirty="0"/>
               <a:t>Approach 2: Interval mapping (IM)</a:t>
             </a:r>
-            <a:endParaRPr lang="en-US" sz="3200" dirty="0"/>
           </a:p>
         </p:txBody>
       </p:sp>
@@ -12450,10 +12131,9 @@
             <a:lstStyle/>
             <a:p>
               <a:r>
-                <a:rPr lang="en-US" dirty="0" smtClean="0"/>
+                <a:rPr lang="en-US" dirty="0"/>
                 <a:t>QTL</a:t>
               </a:r>
-              <a:endParaRPr lang="en-US" dirty="0"/>
             </a:p>
           </p:txBody>
         </p:sp>
@@ -12569,7 +12249,7 @@
               </a:lnSpc>
             </a:pPr>
             <a:r>
-              <a:rPr lang="en-US" sz="2800" dirty="0" smtClean="0"/>
+              <a:rPr lang="en-US" sz="2800" dirty="0"/>
               <a:t>Assume a single QTL model (QTL at a certain genetic position)</a:t>
             </a:r>
           </a:p>
@@ -12580,15 +12260,15 @@
               </a:lnSpc>
             </a:pPr>
             <a:r>
-              <a:rPr lang="en-US" sz="2800" dirty="0" smtClean="0"/>
+              <a:rPr lang="en-US" sz="2800" dirty="0"/>
               <a:t>Determine the </a:t>
             </a:r>
             <a:r>
-              <a:rPr lang="en-US" sz="2800" b="1" i="1" dirty="0" smtClean="0"/>
+              <a:rPr lang="en-US" sz="2800" b="1" i="1" dirty="0"/>
               <a:t>confidence</a:t>
             </a:r>
             <a:r>
-              <a:rPr lang="en-US" sz="2800" dirty="0" smtClean="0"/>
+              <a:rPr lang="en-US" sz="2800" dirty="0"/>
               <a:t> of each QTL model</a:t>
             </a:r>
           </a:p>
@@ -12599,7 +12279,7 @@
               </a:lnSpc>
             </a:pPr>
             <a:r>
-              <a:rPr lang="en-US" sz="2800" dirty="0" smtClean="0"/>
+              <a:rPr lang="en-US" sz="2800" dirty="0"/>
               <a:t>Scan the whole genome (interval by interval)</a:t>
             </a:r>
           </a:p>
@@ -12641,7 +12321,7 @@
   <p:timing>
     <p:tnLst>
       <p:par>
-        <p:cTn xmlns:p14="http://schemas.microsoft.com/office/powerpoint/2010/main" id="1" dur="indefinite" restart="never" nodeType="tmRoot">
+        <p:cTn id="1" dur="indefinite" restart="never" nodeType="tmRoot">
           <p:childTnLst>
             <p:seq concurrent="1" nextAc="seek">
               <p:cTn id="2" dur="indefinite" nodeType="mainSeq">
@@ -12799,10 +12479,9 @@
           <a:lstStyle/>
           <a:p>
             <a:r>
-              <a:rPr lang="en-US" sz="3200" dirty="0" smtClean="0"/>
+              <a:rPr lang="en-US" sz="3200" dirty="0"/>
               <a:t>Interval mapping – estimate genotypes</a:t>
             </a:r>
-            <a:endParaRPr lang="en-US" sz="3200" dirty="0"/>
           </a:p>
         </p:txBody>
       </p:sp>
@@ -12832,7 +12511,7 @@
               <a:buNone/>
             </a:pPr>
             <a:r>
-              <a:rPr lang="en-US" sz="2800" dirty="0" smtClean="0"/>
+              <a:rPr lang="en-US" sz="2800" dirty="0"/>
               <a:t>Assume a single QTL model (QTL at a certain genetic position)</a:t>
             </a:r>
           </a:p>
@@ -13013,10 +12692,9 @@
           <a:lstStyle/>
           <a:p>
             <a:r>
-              <a:rPr lang="en-US" dirty="0" smtClean="0"/>
+              <a:rPr lang="en-US" dirty="0"/>
               <a:t>M1</a:t>
             </a:r>
-            <a:endParaRPr lang="en-US" dirty="0"/>
           </a:p>
         </p:txBody>
       </p:sp>
@@ -13043,10 +12721,9 @@
           <a:lstStyle/>
           <a:p>
             <a:r>
-              <a:rPr lang="en-US" dirty="0" smtClean="0"/>
+              <a:rPr lang="en-US" dirty="0"/>
               <a:t>M2</a:t>
             </a:r>
-            <a:endParaRPr lang="en-US" dirty="0"/>
           </a:p>
         </p:txBody>
       </p:sp>
@@ -13073,10 +12750,9 @@
           <a:lstStyle/>
           <a:p>
             <a:r>
-              <a:rPr lang="en-US" dirty="0" smtClean="0"/>
+              <a:rPr lang="en-US" dirty="0"/>
               <a:t>QTL</a:t>
             </a:r>
-            <a:endParaRPr lang="en-US" dirty="0"/>
           </a:p>
         </p:txBody>
       </p:sp>
@@ -13103,11 +12779,11 @@
           <a:lstStyle/>
           <a:p>
             <a:r>
-              <a:rPr lang="en-US" dirty="0" smtClean="0"/>
+              <a:rPr lang="en-US" dirty="0"/>
               <a:t>10 </a:t>
             </a:r>
             <a:r>
-              <a:rPr lang="en-US" dirty="0" err="1" smtClean="0"/>
+              <a:rPr lang="en-US" dirty="0" err="1"/>
               <a:t>cM</a:t>
             </a:r>
             <a:endParaRPr lang="en-US" dirty="0"/>
@@ -13138,14 +12814,10 @@
           <a:p>
             <a:r>
               <a:rPr lang="en-US" dirty="0"/>
-              <a:t>3</a:t>
-            </a:r>
-            <a:r>
-              <a:rPr lang="en-US" dirty="0" smtClean="0"/>
-              <a:t>0 </a:t>
-            </a:r>
-            <a:r>
-              <a:rPr lang="en-US" dirty="0" err="1" smtClean="0"/>
+              <a:t>30 </a:t>
+            </a:r>
+            <a:r>
+              <a:rPr lang="en-US" dirty="0" err="1"/>
               <a:t>cM</a:t>
             </a:r>
             <a:endParaRPr lang="en-US" dirty="0"/>
@@ -13175,7 +12847,7 @@
           <a:lstStyle/>
           <a:p>
             <a:r>
-              <a:rPr lang="en-US" dirty="0" smtClean="0">
+              <a:rPr lang="en-US" dirty="0">
                 <a:solidFill>
                   <a:srgbClr val="FF0000"/>
                 </a:solidFill>
@@ -13185,50 +12857,49 @@
           </a:p>
           <a:p>
             <a:r>
-              <a:rPr lang="en-US" dirty="0" smtClean="0"/>
-              <a:t>0</a:t>
-            </a:r>
-          </a:p>
-          <a:p>
-            <a:r>
-              <a:rPr lang="en-US" dirty="0" smtClean="0"/>
-              <a:t>0</a:t>
-            </a:r>
-          </a:p>
-          <a:p>
-            <a:r>
               <a:rPr lang="en-US" dirty="0"/>
               <a:t>0</a:t>
             </a:r>
-            <a:endParaRPr lang="en-US" dirty="0" smtClean="0"/>
-          </a:p>
-          <a:p>
-            <a:r>
-              <a:rPr lang="en-US" dirty="0" smtClean="0"/>
+          </a:p>
+          <a:p>
+            <a:r>
+              <a:rPr lang="en-US" dirty="0"/>
+              <a:t>0</a:t>
+            </a:r>
+          </a:p>
+          <a:p>
+            <a:r>
+              <a:rPr lang="en-US" dirty="0"/>
+              <a:t>0</a:t>
+            </a:r>
+          </a:p>
+          <a:p>
+            <a:r>
+              <a:rPr lang="en-US" dirty="0"/>
               <a:t>1</a:t>
             </a:r>
           </a:p>
           <a:p>
             <a:r>
-              <a:rPr lang="en-US" dirty="0" smtClean="0"/>
+              <a:rPr lang="en-US" dirty="0"/>
               <a:t>1</a:t>
             </a:r>
           </a:p>
           <a:p>
             <a:r>
-              <a:rPr lang="en-US" dirty="0" smtClean="0"/>
+              <a:rPr lang="en-US" dirty="0"/>
               <a:t>1</a:t>
             </a:r>
           </a:p>
           <a:p>
             <a:r>
-              <a:rPr lang="en-US" dirty="0" smtClean="0"/>
+              <a:rPr lang="en-US" dirty="0"/>
               <a:t>1</a:t>
             </a:r>
           </a:p>
           <a:p>
             <a:r>
-              <a:rPr lang="en-US" dirty="0" smtClean="0">
+              <a:rPr lang="en-US" dirty="0">
                 <a:solidFill>
                   <a:srgbClr val="FF0000"/>
                 </a:solidFill>
@@ -13238,10 +12909,9 @@
           </a:p>
           <a:p>
             <a:r>
-              <a:rPr lang="en-US" dirty="0" smtClean="0"/>
+              <a:rPr lang="en-US" dirty="0"/>
               <a:t>…</a:t>
             </a:r>
-            <a:endParaRPr lang="en-US" dirty="0"/>
           </a:p>
         </p:txBody>
       </p:sp>
@@ -13268,19 +12938,19 @@
           <a:lstStyle/>
           <a:p>
             <a:r>
-              <a:rPr lang="en-US" dirty="0" smtClean="0"/>
+              <a:rPr lang="en-US" dirty="0"/>
               <a:t>0</a:t>
             </a:r>
           </a:p>
           <a:p>
             <a:r>
-              <a:rPr lang="en-US" dirty="0" smtClean="0"/>
+              <a:rPr lang="en-US" dirty="0"/>
               <a:t>0</a:t>
             </a:r>
           </a:p>
           <a:p>
             <a:r>
-              <a:rPr lang="en-US" dirty="0" smtClean="0">
+              <a:rPr lang="en-US" dirty="0">
                 <a:solidFill>
                   <a:srgbClr val="FF0000"/>
                 </a:solidFill>
@@ -13296,13 +12966,13 @@
           </a:p>
           <a:p>
             <a:r>
-              <a:rPr lang="en-US" dirty="0" smtClean="0"/>
+              <a:rPr lang="en-US" dirty="0"/>
               <a:t>1</a:t>
             </a:r>
           </a:p>
           <a:p>
             <a:r>
-              <a:rPr lang="en-US" dirty="0" smtClean="0">
+              <a:rPr lang="en-US" dirty="0">
                 <a:solidFill>
                   <a:srgbClr val="FF0000"/>
                 </a:solidFill>
@@ -13312,28 +12982,27 @@
           </a:p>
           <a:p>
             <a:r>
-              <a:rPr lang="en-US" dirty="0" smtClean="0"/>
+              <a:rPr lang="en-US" dirty="0"/>
               <a:t>1</a:t>
             </a:r>
           </a:p>
           <a:p>
             <a:r>
-              <a:rPr lang="en-US" dirty="0" smtClean="0"/>
+              <a:rPr lang="en-US" dirty="0"/>
               <a:t>0</a:t>
             </a:r>
           </a:p>
           <a:p>
             <a:r>
-              <a:rPr lang="en-US" dirty="0" smtClean="0"/>
+              <a:rPr lang="en-US" dirty="0"/>
               <a:t>0</a:t>
             </a:r>
           </a:p>
           <a:p>
             <a:r>
-              <a:rPr lang="en-US" dirty="0" smtClean="0"/>
+              <a:rPr lang="en-US" dirty="0"/>
               <a:t>…</a:t>
             </a:r>
-            <a:endParaRPr lang="en-US" dirty="0"/>
           </a:p>
         </p:txBody>
       </p:sp>
@@ -13360,84 +13029,6 @@
           <a:lstStyle/>
           <a:p>
             <a:r>
-              <a:rPr lang="en-US" b="1" dirty="0" smtClean="0">
-                <a:solidFill>
-                  <a:srgbClr val="FF0000"/>
-                </a:solidFill>
-              </a:rPr>
-              <a:t>?</a:t>
-            </a:r>
-          </a:p>
-          <a:p>
-            <a:r>
-              <a:rPr lang="en-US" b="1" dirty="0" smtClean="0"/>
-              <a:t>0 w/high </a:t>
-            </a:r>
-            <a:r>
-              <a:rPr lang="en-US" b="1" dirty="0" err="1" smtClean="0"/>
-              <a:t>prob</a:t>
-            </a:r>
-            <a:endParaRPr lang="en-US" b="1" dirty="0" smtClean="0"/>
-          </a:p>
-          <a:p>
-            <a:r>
-              <a:rPr lang="en-US" b="1" dirty="0" smtClean="0">
-                <a:solidFill>
-                  <a:srgbClr val="FF0000"/>
-                </a:solidFill>
-              </a:rPr>
-              <a:t>?</a:t>
-            </a:r>
-          </a:p>
-          <a:p>
-            <a:r>
-              <a:rPr lang="en-US" b="1" dirty="0" smtClean="0">
-                <a:solidFill>
-                  <a:srgbClr val="FF0000"/>
-                </a:solidFill>
-              </a:rPr>
-              <a:t>?</a:t>
-            </a:r>
-            <a:endParaRPr lang="en-US" b="1" dirty="0">
-              <a:solidFill>
-                <a:srgbClr val="FF0000"/>
-              </a:solidFill>
-            </a:endParaRPr>
-          </a:p>
-          <a:p>
-            <a:r>
-              <a:rPr lang="en-US" b="1" dirty="0"/>
-              <a:t>1 w/high </a:t>
-            </a:r>
-            <a:r>
-              <a:rPr lang="en-US" b="1" dirty="0" err="1" smtClean="0"/>
-              <a:t>prob</a:t>
-            </a:r>
-            <a:endParaRPr lang="en-US" b="1" dirty="0" smtClean="0"/>
-          </a:p>
-          <a:p>
-            <a:r>
-              <a:rPr lang="en-US" b="1" dirty="0" smtClean="0">
-                <a:solidFill>
-                  <a:srgbClr val="FF0000"/>
-                </a:solidFill>
-              </a:rPr>
-              <a:t>?</a:t>
-            </a:r>
-          </a:p>
-          <a:p>
-            <a:r>
-              <a:rPr lang="en-US" b="1" dirty="0"/>
-              <a:t>1 w/high </a:t>
-            </a:r>
-            <a:r>
-              <a:rPr lang="en-US" b="1" dirty="0" err="1" smtClean="0"/>
-              <a:t>prob</a:t>
-            </a:r>
-            <a:endParaRPr lang="en-US" b="1" dirty="0" smtClean="0"/>
-          </a:p>
-          <a:p>
-            <a:r>
               <a:rPr lang="en-US" b="1" dirty="0">
                 <a:solidFill>
                   <a:srgbClr val="FF0000"/>
@@ -13445,11 +13036,17 @@
               </a:rPr>
               <a:t>?</a:t>
             </a:r>
-            <a:endParaRPr lang="en-US" b="1" dirty="0" smtClean="0">
-              <a:solidFill>
-                <a:srgbClr val="FF0000"/>
-              </a:solidFill>
-            </a:endParaRPr>
+          </a:p>
+          <a:p>
+            <a:r>
+              <a:rPr lang="en-US" b="1" dirty="0"/>
+              <a:t>0 w/high </a:t>
+            </a:r>
+            <a:r>
+              <a:rPr lang="en-US" b="1" dirty="0" err="1"/>
+              <a:t>prob</a:t>
+            </a:r>
+            <a:endParaRPr lang="en-US" b="1" dirty="0"/>
           </a:p>
           <a:p>
             <a:r>
@@ -13460,18 +13057,74 @@
               </a:rPr>
               <a:t>?</a:t>
             </a:r>
-            <a:endParaRPr lang="en-US" b="1" dirty="0" smtClean="0">
-              <a:solidFill>
-                <a:srgbClr val="FF0000"/>
-              </a:solidFill>
-            </a:endParaRPr>
-          </a:p>
-          <a:p>
-            <a:r>
-              <a:rPr lang="en-US" b="1" dirty="0" smtClean="0"/>
+          </a:p>
+          <a:p>
+            <a:r>
+              <a:rPr lang="en-US" b="1" dirty="0">
+                <a:solidFill>
+                  <a:srgbClr val="FF0000"/>
+                </a:solidFill>
+              </a:rPr>
+              <a:t>?</a:t>
+            </a:r>
+          </a:p>
+          <a:p>
+            <a:r>
+              <a:rPr lang="en-US" b="1" dirty="0"/>
+              <a:t>1 w/high </a:t>
+            </a:r>
+            <a:r>
+              <a:rPr lang="en-US" b="1" dirty="0" err="1"/>
+              <a:t>prob</a:t>
+            </a:r>
+            <a:endParaRPr lang="en-US" b="1" dirty="0"/>
+          </a:p>
+          <a:p>
+            <a:r>
+              <a:rPr lang="en-US" b="1" dirty="0">
+                <a:solidFill>
+                  <a:srgbClr val="FF0000"/>
+                </a:solidFill>
+              </a:rPr>
+              <a:t>?</a:t>
+            </a:r>
+          </a:p>
+          <a:p>
+            <a:r>
+              <a:rPr lang="en-US" b="1" dirty="0"/>
+              <a:t>1 w/high </a:t>
+            </a:r>
+            <a:r>
+              <a:rPr lang="en-US" b="1" dirty="0" err="1"/>
+              <a:t>prob</a:t>
+            </a:r>
+            <a:endParaRPr lang="en-US" b="1" dirty="0"/>
+          </a:p>
+          <a:p>
+            <a:r>
+              <a:rPr lang="en-US" b="1" dirty="0">
+                <a:solidFill>
+                  <a:srgbClr val="FF0000"/>
+                </a:solidFill>
+              </a:rPr>
+              <a:t>?</a:t>
+            </a:r>
+          </a:p>
+          <a:p>
+            <a:r>
+              <a:rPr lang="en-US" b="1" dirty="0">
+                <a:solidFill>
+                  <a:srgbClr val="FF0000"/>
+                </a:solidFill>
+              </a:rPr>
+              <a:t>?</a:t>
+            </a:r>
+          </a:p>
+          <a:p>
+            <a:r>
+              <a:rPr lang="en-US" b="1" dirty="0"/>
               <a:t>…</a:t>
             </a:r>
-            <a:endParaRPr lang="en-US" b="1" dirty="0"/>
           </a:p>
         </p:txBody>
       </p:sp>
@@ -13498,7 +13151,7 @@
           <a:lstStyle/>
           <a:p>
             <a:r>
-              <a:rPr lang="en-US" sz="2400" dirty="0" smtClean="0"/>
+              <a:rPr lang="en-US" sz="2400" dirty="0"/>
               <a:t>Genotype</a:t>
             </a:r>
           </a:p>
@@ -13527,17 +13180,17 @@
           <a:lstStyle/>
           <a:p>
             <a:r>
-              <a:rPr lang="en-US" sz="2800" b="1" dirty="0" smtClean="0"/>
+              <a:rPr lang="en-US" sz="2800" b="1" dirty="0"/>
               <a:t>Estimate genotypes</a:t>
             </a:r>
             <a:r>
-              <a:rPr lang="en-US" sz="2800" dirty="0" smtClean="0"/>
+              <a:rPr lang="en-US" sz="2800" dirty="0"/>
               <a:t>:</a:t>
             </a:r>
           </a:p>
           <a:p>
             <a:r>
-              <a:rPr lang="en-US" sz="2800" dirty="0" smtClean="0"/>
+              <a:rPr lang="en-US" sz="2800" dirty="0"/>
               <a:t>each estimated genotype is associated with a certain probability</a:t>
             </a:r>
           </a:p>
@@ -13551,11 +13204,7 @@
             </a:pPr>
             <a:r>
               <a:rPr lang="en-US" sz="2800" dirty="0"/>
-              <a:t>Genetic </a:t>
-            </a:r>
-            <a:r>
-              <a:rPr lang="en-US" sz="2800" dirty="0" smtClean="0"/>
-              <a:t>linkage map</a:t>
+              <a:t>Genetic linkage map</a:t>
             </a:r>
           </a:p>
         </p:txBody>
@@ -13641,7 +13290,7 @@
   <p:timing>
     <p:tnLst>
       <p:par>
-        <p:cTn xmlns:p14="http://schemas.microsoft.com/office/powerpoint/2010/main" id="1" dur="indefinite" restart="never" nodeType="tmRoot">
+        <p:cTn id="1" dur="indefinite" restart="never" nodeType="tmRoot">
           <p:childTnLst>
             <p:seq concurrent="1" nextAc="seek">
               <p:cTn id="2" dur="indefinite" nodeType="mainSeq">
@@ -13813,10 +13462,9 @@
           <a:lstStyle/>
           <a:p>
             <a:r>
-              <a:rPr lang="en-US" sz="3200" dirty="0" smtClean="0"/>
+              <a:rPr lang="en-US" sz="3200" dirty="0"/>
               <a:t>Genetic linkage map</a:t>
             </a:r>
-            <a:endParaRPr lang="en-US" sz="3200" dirty="0"/>
           </a:p>
         </p:txBody>
       </p:sp>
@@ -13843,24 +13491,8 @@
           <a:lstStyle/>
           <a:p>
             <a:r>
-              <a:rPr lang="en-US" sz="2400" dirty="0" smtClean="0"/>
-              <a:t>Describe the </a:t>
-            </a:r>
-            <a:r>
               <a:rPr lang="en-US" sz="2400" dirty="0"/>
-              <a:t>linear order of markers </a:t>
-            </a:r>
-            <a:r>
-              <a:rPr lang="en-US" sz="2400" dirty="0" smtClean="0"/>
-              <a:t>within </a:t>
-            </a:r>
-            <a:r>
-              <a:rPr lang="en-US" sz="2400" dirty="0"/>
-              <a:t>a linkage </a:t>
-            </a:r>
-            <a:r>
-              <a:rPr lang="en-US" sz="2400" dirty="0" smtClean="0"/>
-              <a:t>group</a:t>
+              <a:t>Describe the linear order of markers within a linkage group</a:t>
             </a:r>
           </a:p>
           <a:p>
@@ -14122,13 +13754,8 @@
           <a:p>
             <a:r>
               <a:rPr lang="en-US" sz="1200" dirty="0"/>
-              <a:t>M1     0 1 0 1 1 1 0 1 0 0 1 1 ..</a:t>
-            </a:r>
-            <a:r>
-              <a:rPr lang="en-US" sz="1200" dirty="0" smtClean="0"/>
-              <a:t>.</a:t>
-            </a:r>
-            <a:endParaRPr lang="en-US" sz="1200" dirty="0"/>
+              <a:t>M1     0 1 0 1 1 1 0 1 0 0 1 1 ...</a:t>
+            </a:r>
           </a:p>
         </p:txBody>
       </p:sp>
@@ -14155,10 +13782,9 @@
           <a:lstStyle/>
           <a:p>
             <a:r>
-              <a:rPr lang="en-US" sz="1200" dirty="0" smtClean="0"/>
+              <a:rPr lang="en-US" sz="1200" dirty="0"/>
               <a:t>2cM</a:t>
             </a:r>
-            <a:endParaRPr lang="en-US" sz="1200" dirty="0"/>
           </a:p>
         </p:txBody>
       </p:sp>
@@ -14185,10 +13811,9 @@
           <a:lstStyle/>
           <a:p>
             <a:r>
-              <a:rPr lang="en-US" sz="1200" dirty="0" smtClean="0"/>
+              <a:rPr lang="en-US" sz="1200" dirty="0"/>
               <a:t>1cM</a:t>
             </a:r>
-            <a:endParaRPr lang="en-US" sz="1200" dirty="0"/>
           </a:p>
         </p:txBody>
       </p:sp>
@@ -14215,10 +13840,9 @@
           <a:lstStyle/>
           <a:p>
             <a:r>
-              <a:rPr lang="en-US" sz="1200" dirty="0" smtClean="0"/>
+              <a:rPr lang="en-US" sz="1200" dirty="0"/>
               <a:t>2.5cM</a:t>
             </a:r>
-            <a:endParaRPr lang="en-US" sz="1200" dirty="0"/>
           </a:p>
         </p:txBody>
       </p:sp>
@@ -14245,10 +13869,9 @@
           <a:lstStyle/>
           <a:p>
             <a:r>
-              <a:rPr lang="en-US" sz="1200" dirty="0" smtClean="0"/>
+              <a:rPr lang="en-US" sz="1200" dirty="0"/>
               <a:t>1cM</a:t>
             </a:r>
-            <a:endParaRPr lang="en-US" sz="1200" dirty="0"/>
           </a:p>
         </p:txBody>
       </p:sp>
@@ -14275,7 +13898,7 @@
           <a:lstStyle/>
           <a:p>
             <a:r>
-              <a:rPr lang="en-US" dirty="0" smtClean="0"/>
+              <a:rPr lang="en-US" dirty="0"/>
               <a:t>Linkage Group</a:t>
             </a:r>
           </a:p>
@@ -14441,7 +14064,7 @@
           </a:lstStyle>
           <a:p>
             <a:r>
-              <a:rPr lang="en-IN" sz="2400" b="1" dirty="0" smtClean="0">
+              <a:rPr lang="en-IN" sz="2400" b="1" dirty="0">
                 <a:solidFill>
                   <a:srgbClr val="17375E"/>
                 </a:solidFill>
@@ -14449,7 +14072,7 @@
               <a:t>Recombination frequency</a:t>
             </a:r>
             <a:r>
-              <a:rPr lang="en-IN" sz="2400" dirty="0" smtClean="0"/>
+              <a:rPr lang="en-IN" sz="2400" dirty="0"/>
               <a:t>: the percentage of recombinant gametes produced in a cross</a:t>
             </a:r>
           </a:p>
@@ -14459,11 +14082,11 @@
               <a:buNone/>
             </a:pPr>
             <a:r>
-              <a:rPr lang="en-IN" sz="2400" dirty="0" smtClean="0"/>
+              <a:rPr lang="en-IN" sz="2400" dirty="0"/>
               <a:t>     </a:t>
             </a:r>
             <a:r>
-              <a:rPr lang="en-IN" sz="2400" b="1" dirty="0" smtClean="0">
+              <a:rPr lang="en-IN" sz="2400" b="1" dirty="0">
                 <a:solidFill>
                   <a:srgbClr val="660066"/>
                 </a:solidFill>
@@ -14471,7 +14094,7 @@
               <a:t>Recombination frequency (</a:t>
             </a:r>
             <a:r>
-              <a:rPr lang="en-IN" sz="2400" b="1" i="1" dirty="0" smtClean="0">
+              <a:rPr lang="en-IN" sz="2400" b="1" i="1" dirty="0">
                 <a:solidFill>
                   <a:srgbClr val="660066"/>
                 </a:solidFill>
@@ -14479,7 +14102,7 @@
               <a:t>r</a:t>
             </a:r>
             <a:r>
-              <a:rPr lang="en-IN" sz="2400" b="1" dirty="0" smtClean="0">
+              <a:rPr lang="en-IN" sz="2400" b="1" dirty="0">
                 <a:solidFill>
                   <a:srgbClr val="660066"/>
                 </a:solidFill>
@@ -14488,15 +14111,15 @@
             </a:r>
           </a:p>
           <a:p>
-            <a:endParaRPr lang="en-IN" sz="2400" b="1" dirty="0" smtClean="0"/>
-          </a:p>
-          <a:p>
-            <a:r>
-              <a:rPr lang="en-IN" sz="2400" dirty="0" smtClean="0"/>
+            <a:endParaRPr lang="en-IN" sz="2400" b="1" dirty="0"/>
+          </a:p>
+          <a:p>
+            <a:r>
+              <a:rPr lang="en-IN" sz="2400" dirty="0"/>
               <a:t>1 </a:t>
             </a:r>
             <a:r>
-              <a:rPr lang="en-IN" sz="2400" b="1" dirty="0" smtClean="0">
+              <a:rPr lang="en-IN" sz="2400" b="1" dirty="0">
                 <a:solidFill>
                   <a:schemeClr val="tx2">
                     <a:lumMod val="75000"/>
@@ -14506,7 +14129,7 @@
               <a:t>centimorgan</a:t>
             </a:r>
             <a:r>
-              <a:rPr lang="en-IN" sz="2400" dirty="0" smtClean="0">
+              <a:rPr lang="en-IN" sz="2400" dirty="0">
                 <a:solidFill>
                   <a:schemeClr val="tx2">
                     <a:lumMod val="75000"/>
@@ -14516,7 +14139,7 @@
               <a:t> (</a:t>
             </a:r>
             <a:r>
-              <a:rPr lang="en-IN" sz="2400" b="1" dirty="0" smtClean="0">
+              <a:rPr lang="en-IN" sz="2400" b="1" dirty="0">
                 <a:solidFill>
                   <a:schemeClr val="tx2">
                     <a:lumMod val="75000"/>
@@ -14526,7 +14149,7 @@
               <a:t>cM</a:t>
             </a:r>
             <a:r>
-              <a:rPr lang="en-IN" sz="2400" dirty="0" smtClean="0">
+              <a:rPr lang="en-IN" sz="2400" dirty="0">
                 <a:solidFill>
                   <a:schemeClr val="tx2">
                     <a:lumMod val="75000"/>
@@ -14536,10 +14159,9 @@
               <a:t>) </a:t>
             </a:r>
             <a:r>
-              <a:rPr lang="en-IN" sz="2400" dirty="0" smtClean="0"/>
+              <a:rPr lang="en-IN" sz="2400" dirty="0"/>
               <a:t>apart on a genetic map indicates approximately 1% of recombination events.</a:t>
             </a:r>
-            <a:endParaRPr lang="en-IN" sz="2400" dirty="0"/>
           </a:p>
         </p:txBody>
       </p:sp>
@@ -14566,15 +14188,11 @@
           <a:lstStyle/>
           <a:p>
             <a:r>
-              <a:rPr lang="en-US" sz="1200" dirty="0" smtClean="0"/>
-              <a:t>M2     </a:t>
-            </a:r>
-            <a:r>
               <a:rPr lang="en-US" sz="1200" dirty="0"/>
-              <a:t>0 1 0 1 1 1 0 1 0 </a:t>
-            </a:r>
-            <a:r>
-              <a:rPr lang="en-US" sz="1200" dirty="0" smtClean="0">
+              <a:t>M2     0 1 0 1 1 1 0 1 0 </a:t>
+            </a:r>
+            <a:r>
+              <a:rPr lang="en-US" sz="1200" dirty="0">
                 <a:solidFill>
                   <a:srgbClr val="FF0000"/>
                 </a:solidFill>
@@ -14582,18 +14200,9 @@
               <a:t>1</a:t>
             </a:r>
             <a:r>
-              <a:rPr lang="en-US" sz="1200" dirty="0" smtClean="0"/>
-              <a:t> </a:t>
-            </a:r>
-            <a:r>
               <a:rPr lang="en-US" sz="1200" dirty="0"/>
-              <a:t>1 1 ..</a:t>
-            </a:r>
-            <a:r>
-              <a:rPr lang="en-US" sz="1200" dirty="0" smtClean="0"/>
-              <a:t>.</a:t>
-            </a:r>
-            <a:endParaRPr lang="en-US" sz="1200" dirty="0"/>
+              <a:t> 1 1 ...</a:t>
+            </a:r>
           </a:p>
         </p:txBody>
       </p:sp>
@@ -14620,15 +14229,11 @@
           <a:lstStyle/>
           <a:p>
             <a:r>
-              <a:rPr lang="en-US" sz="1200" dirty="0" smtClean="0"/>
-              <a:t>M3     </a:t>
-            </a:r>
-            <a:r>
               <a:rPr lang="en-US" sz="1200" dirty="0"/>
-              <a:t>0 1 0 1 </a:t>
-            </a:r>
-            <a:r>
-              <a:rPr lang="en-US" sz="1200" dirty="0" smtClean="0">
+              <a:t>M3     0 1 0 1 </a:t>
+            </a:r>
+            <a:r>
+              <a:rPr lang="en-US" sz="1200" dirty="0">
                 <a:solidFill>
                   <a:srgbClr val="FF0000"/>
                 </a:solidFill>
@@ -14636,19 +14241,11 @@
               <a:t>0</a:t>
             </a:r>
             <a:r>
-              <a:rPr lang="en-US" sz="1200" dirty="0" smtClean="0"/>
-              <a:t> </a:t>
-            </a:r>
-            <a:r>
               <a:rPr lang="en-US" sz="1200" dirty="0"/>
-              <a:t>1 </a:t>
-            </a:r>
-            <a:r>
-              <a:rPr lang="en-US" sz="1200" dirty="0" smtClean="0"/>
-              <a:t>0 </a:t>
-            </a:r>
-            <a:r>
-              <a:rPr lang="en-US" sz="1200" dirty="0" smtClean="0">
+              <a:t> 1 0 </a:t>
+            </a:r>
+            <a:r>
+              <a:rPr lang="en-US" sz="1200" dirty="0">
                 <a:solidFill>
                   <a:srgbClr val="FF0000"/>
                 </a:solidFill>
@@ -14656,11 +14253,11 @@
               <a:t>0</a:t>
             </a:r>
             <a:r>
-              <a:rPr lang="en-US" sz="1200" dirty="0" smtClean="0"/>
+              <a:rPr lang="en-US" sz="1200" dirty="0"/>
               <a:t> 0 </a:t>
             </a:r>
             <a:r>
-              <a:rPr lang="en-US" sz="1200" dirty="0" smtClean="0">
+              <a:rPr lang="en-US" sz="1200" dirty="0">
                 <a:solidFill>
                   <a:srgbClr val="FF0000"/>
                 </a:solidFill>
@@ -14668,18 +14265,9 @@
               <a:t>1</a:t>
             </a:r>
             <a:r>
-              <a:rPr lang="en-US" sz="1200" dirty="0" smtClean="0"/>
-              <a:t> </a:t>
-            </a:r>
-            <a:r>
               <a:rPr lang="en-US" sz="1200" dirty="0"/>
-              <a:t>1 1 ..</a:t>
-            </a:r>
-            <a:r>
-              <a:rPr lang="en-US" sz="1200" dirty="0" smtClean="0"/>
-              <a:t>.</a:t>
-            </a:r>
-            <a:endParaRPr lang="en-US" sz="1200" dirty="0"/>
+              <a:t> 1 1 ...</a:t>
+            </a:r>
           </a:p>
         </p:txBody>
       </p:sp>
@@ -14706,44 +14294,8 @@
           <a:lstStyle/>
           <a:p>
             <a:r>
-              <a:rPr lang="en-US" sz="1200" dirty="0" smtClean="0"/>
-              <a:t>M4     </a:t>
-            </a:r>
-            <a:r>
               <a:rPr lang="en-US" sz="1200" dirty="0"/>
-              <a:t>0 1 </a:t>
-            </a:r>
-            <a:r>
-              <a:rPr lang="en-US" sz="1200" dirty="0" smtClean="0">
-                <a:solidFill>
-                  <a:srgbClr val="FF0000"/>
-                </a:solidFill>
-              </a:rPr>
-              <a:t>1</a:t>
-            </a:r>
-            <a:r>
-              <a:rPr lang="en-US" sz="1200" dirty="0" smtClean="0"/>
-              <a:t> </a:t>
-            </a:r>
-            <a:r>
-              <a:rPr lang="en-US" sz="1200" dirty="0"/>
-              <a:t>1 </a:t>
-            </a:r>
-            <a:r>
-              <a:rPr lang="en-US" sz="1200" dirty="0" smtClean="0">
-                <a:solidFill>
-                  <a:srgbClr val="FF0000"/>
-                </a:solidFill>
-              </a:rPr>
-              <a:t>0</a:t>
-            </a:r>
-            <a:r>
-              <a:rPr lang="en-US" sz="1200" dirty="0" smtClean="0"/>
-              <a:t> 1 </a:t>
-            </a:r>
-            <a:r>
-              <a:rPr lang="en-US" sz="1200" dirty="0"/>
-              <a:t>0 </a:t>
+              <a:t>M4     0 1 </a:t>
             </a:r>
             <a:r>
               <a:rPr lang="en-US" sz="1200" dirty="0">
@@ -14755,10 +14307,22 @@
             </a:r>
             <a:r>
               <a:rPr lang="en-US" sz="1200" dirty="0"/>
-              <a:t> 0 </a:t>
-            </a:r>
-            <a:r>
-              <a:rPr lang="en-US" sz="1200" dirty="0" smtClean="0">
+              <a:t> 1 </a:t>
+            </a:r>
+            <a:r>
+              <a:rPr lang="en-US" sz="1200" dirty="0">
+                <a:solidFill>
+                  <a:srgbClr val="FF0000"/>
+                </a:solidFill>
+              </a:rPr>
+              <a:t>0</a:t>
+            </a:r>
+            <a:r>
+              <a:rPr lang="en-US" sz="1200" dirty="0"/>
+              <a:t> 1 0 </a:t>
+            </a:r>
+            <a:r>
+              <a:rPr lang="en-US" sz="1200" dirty="0">
                 <a:solidFill>
                   <a:srgbClr val="FF0000"/>
                 </a:solidFill>
@@ -14766,15 +14330,23 @@
               <a:t>1</a:t>
             </a:r>
             <a:r>
-              <a:rPr lang="en-US" sz="1200" dirty="0" smtClean="0"/>
-              <a:t> </a:t>
-            </a:r>
-            <a:r>
               <a:rPr lang="en-US" sz="1200" dirty="0"/>
-              <a:t>1 </a:t>
-            </a:r>
-            <a:r>
-              <a:rPr lang="en-US" sz="1200" dirty="0" smtClean="0">
+              <a:t> 0 </a:t>
+            </a:r>
+            <a:r>
+              <a:rPr lang="en-US" sz="1200" dirty="0">
+                <a:solidFill>
+                  <a:srgbClr val="FF0000"/>
+                </a:solidFill>
+              </a:rPr>
+              <a:t>1</a:t>
+            </a:r>
+            <a:r>
+              <a:rPr lang="en-US" sz="1200" dirty="0"/>
+              <a:t> 1 </a:t>
+            </a:r>
+            <a:r>
+              <a:rPr lang="en-US" sz="1200" dirty="0">
                 <a:solidFill>
                   <a:srgbClr val="FF0000"/>
                 </a:solidFill>
@@ -14782,18 +14354,9 @@
               <a:t>0</a:t>
             </a:r>
             <a:r>
-              <a:rPr lang="en-US" sz="1200" dirty="0" smtClean="0"/>
-              <a:t> </a:t>
-            </a:r>
-            <a:r>
               <a:rPr lang="en-US" sz="1200" dirty="0"/>
-              <a:t>..</a:t>
-            </a:r>
-            <a:r>
-              <a:rPr lang="en-US" sz="1200" dirty="0" smtClean="0"/>
-              <a:t>.</a:t>
-            </a:r>
-            <a:endParaRPr lang="en-US" sz="1200" dirty="0"/>
+              <a:t> ...</a:t>
+            </a:r>
           </a:p>
         </p:txBody>
       </p:sp>
@@ -14820,12 +14383,8 @@
           <a:lstStyle/>
           <a:p>
             <a:r>
-              <a:rPr lang="en-US" sz="1200" dirty="0" smtClean="0"/>
-              <a:t>M5     </a:t>
-            </a:r>
-            <a:r>
               <a:rPr lang="en-US" sz="1200" dirty="0"/>
-              <a:t>0 1 </a:t>
+              <a:t>M5     0 1 </a:t>
             </a:r>
             <a:r>
               <a:rPr lang="en-US" sz="1200" dirty="0">
@@ -14852,7 +14411,7 @@
               <a:t> 1 </a:t>
             </a:r>
             <a:r>
-              <a:rPr lang="en-US" sz="1200" dirty="0" smtClean="0">
+              <a:rPr lang="en-US" sz="1200" dirty="0">
                 <a:solidFill>
                   <a:srgbClr val="FF0000"/>
                 </a:solidFill>
@@ -14860,7 +14419,7 @@
               <a:t>1</a:t>
             </a:r>
             <a:r>
-              <a:rPr lang="en-US" sz="1200" dirty="0" smtClean="0"/>
+              <a:rPr lang="en-US" sz="1200" dirty="0"/>
               <a:t> </a:t>
             </a:r>
             <a:r>
@@ -14925,18 +14484,13 @@
           <a:lstStyle/>
           <a:p>
             <a:r>
-              <a:rPr lang="en-US" dirty="0" smtClean="0">
+              <a:rPr lang="en-US" dirty="0">
                 <a:solidFill>
                   <a:srgbClr val="008000"/>
                 </a:solidFill>
               </a:rPr>
               <a:t>Marker distance</a:t>
             </a:r>
-            <a:endParaRPr lang="en-US" dirty="0">
-              <a:solidFill>
-                <a:srgbClr val="008000"/>
-              </a:solidFill>
-            </a:endParaRPr>
           </a:p>
         </p:txBody>
       </p:sp>
@@ -14963,18 +14517,13 @@
           <a:lstStyle/>
           <a:p>
             <a:r>
-              <a:rPr lang="en-US" dirty="0" smtClean="0">
+              <a:rPr lang="en-US" dirty="0">
                 <a:solidFill>
                   <a:srgbClr val="008000"/>
                 </a:solidFill>
               </a:rPr>
               <a:t>Marker score</a:t>
             </a:r>
-            <a:endParaRPr lang="en-US" dirty="0">
-              <a:solidFill>
-                <a:srgbClr val="008000"/>
-              </a:solidFill>
-            </a:endParaRPr>
           </a:p>
         </p:txBody>
       </p:sp>
@@ -15014,7 +14563,7 @@
   <p:timing>
     <p:tnLst>
       <p:par>
-        <p:cTn xmlns:p14="http://schemas.microsoft.com/office/powerpoint/2010/main" id="1" dur="indefinite" restart="never" nodeType="tmRoot">
+        <p:cTn id="1" dur="indefinite" restart="never" nodeType="tmRoot">
           <p:childTnLst>
             <p:seq concurrent="1" nextAc="seek">
               <p:cTn id="2" dur="indefinite" nodeType="mainSeq">
@@ -15206,17 +14755,17 @@
           <a:lstStyle/>
           <a:p>
             <a:r>
-              <a:rPr lang="en-IN" sz="3200" dirty="0" smtClean="0">
+              <a:rPr lang="en-IN" sz="3200" dirty="0">
                 <a:effectLst/>
               </a:rPr>
               <a:t>Mapping</a:t>
             </a:r>
             <a:r>
-              <a:rPr lang="en-IN" sz="3200" dirty="0" smtClean="0"/>
+              <a:rPr lang="en-IN" sz="3200" dirty="0"/>
               <a:t> </a:t>
             </a:r>
             <a:r>
-              <a:rPr lang="en-IN" sz="3200" dirty="0" smtClean="0">
+              <a:rPr lang="en-IN" sz="3200" dirty="0">
                 <a:effectLst/>
               </a:rPr>
               <a:t>function</a:t>
@@ -15248,40 +14797,20 @@
           <a:lstStyle/>
           <a:p>
             <a:r>
-              <a:rPr lang="en-IN" sz="2800" dirty="0" smtClean="0"/>
-              <a:t>Conversion </a:t>
-            </a:r>
-            <a:r>
               <a:rPr lang="en-IN" sz="2800" dirty="0"/>
-              <a:t>between </a:t>
-            </a:r>
-            <a:r>
-              <a:rPr lang="en-IN" sz="2800" dirty="0" smtClean="0"/>
-              <a:t>recombination frequencies </a:t>
-            </a:r>
+              <a:t>Conversion between recombination frequencies and genetic distances</a:t>
+            </a:r>
+          </a:p>
+          <a:p>
             <a:r>
               <a:rPr lang="en-IN" sz="2800" dirty="0"/>
-              <a:t>and genetic </a:t>
-            </a:r>
-            <a:r>
-              <a:rPr lang="en-IN" sz="2800" dirty="0" smtClean="0"/>
-              <a:t>distances</a:t>
-            </a:r>
-          </a:p>
-          <a:p>
-            <a:r>
-              <a:rPr lang="en-IN" sz="2800" dirty="0" smtClean="0"/>
               <a:t>Different formula (Haldane and Kosambi)</a:t>
             </a:r>
           </a:p>
           <a:p>
             <a:r>
-              <a:rPr lang="en-IN" sz="2800" dirty="0" smtClean="0"/>
-              <a:t>Haldane’s </a:t>
-            </a:r>
-            <a:r>
               <a:rPr lang="en-IN" sz="2800" dirty="0"/>
-              <a:t>mapping function </a:t>
+              <a:t>Haldane’s mapping function </a:t>
             </a:r>
             <a:endParaRPr lang="en-US" sz="2800" dirty="0"/>
           </a:p>
@@ -15309,7 +14838,7 @@
           <a:graphicData uri="http://schemas.openxmlformats.org/presentationml/2006/ole">
             <mc:AlternateContent xmlns:mc="http://schemas.openxmlformats.org/markup-compatibility/2006">
               <mc:Choice xmlns:v="urn:schemas-microsoft-com:vml" Requires="v">
-                <p:oleObj spid="_x0000_s2190" name="Equation" r:id="rId4" imgW="1054100" imgH="800100" progId="Equation.3">
+                <p:oleObj spid="_x0000_s2191" name="Equation" r:id="rId4" imgW="1054100" imgH="800100" progId="Equation.3">
                   <p:embed/>
                 </p:oleObj>
               </mc:Choice>
@@ -15367,25 +14896,25 @@
           <a:lstStyle/>
           <a:p>
             <a:r>
-              <a:rPr lang="en-US" sz="2400" i="1" dirty="0" smtClean="0"/>
+              <a:rPr lang="en-US" sz="2400" i="1" dirty="0"/>
               <a:t>r</a:t>
             </a:r>
             <a:r>
-              <a:rPr lang="en-US" sz="2400" dirty="0" smtClean="0"/>
+              <a:rPr lang="en-US" sz="2400" dirty="0"/>
               <a:t> = recombination rate (0-0.5)</a:t>
             </a:r>
           </a:p>
           <a:p>
             <a:r>
-              <a:rPr lang="en-US" sz="2400" i="1" dirty="0" smtClean="0"/>
+              <a:rPr lang="en-US" sz="2400" i="1" dirty="0"/>
               <a:t>d</a:t>
             </a:r>
             <a:r>
-              <a:rPr lang="en-US" sz="2400" dirty="0" smtClean="0"/>
+              <a:rPr lang="en-US" sz="2400" dirty="0"/>
               <a:t> = distance in </a:t>
             </a:r>
             <a:r>
-              <a:rPr lang="en-US" sz="2400" dirty="0" err="1" smtClean="0"/>
+              <a:rPr lang="en-US" sz="2400" dirty="0" err="1"/>
               <a:t>Morgans</a:t>
             </a:r>
             <a:endParaRPr lang="en-US" sz="2400" dirty="0"/>
@@ -15425,13 +14954,6 @@
   <p:clrMapOvr>
     <a:masterClrMapping/>
   </p:clrMapOvr>
-  <p:timing>
-    <p:tnLst>
-      <p:par>
-        <p:cTn xmlns:p14="http://schemas.microsoft.com/office/powerpoint/2010/main" id="1" dur="indefinite" restart="never" nodeType="tmRoot"/>
-      </p:par>
-    </p:tnLst>
-  </p:timing>
 </p:sld>
 </file>
 
@@ -15523,10 +15045,9 @@
           <a:lstStyle/>
           <a:p>
             <a:r>
-              <a:rPr lang="en-US" sz="3200" dirty="0" smtClean="0"/>
+              <a:rPr lang="en-US" sz="3200" dirty="0"/>
               <a:t>Interval mapping – estimate genotypes</a:t>
             </a:r>
-            <a:endParaRPr lang="en-US" sz="3200" dirty="0"/>
           </a:p>
         </p:txBody>
       </p:sp>
@@ -15705,10 +15226,9 @@
           <a:lstStyle/>
           <a:p>
             <a:r>
-              <a:rPr lang="en-US" dirty="0" smtClean="0"/>
+              <a:rPr lang="en-US" dirty="0"/>
               <a:t>M1</a:t>
             </a:r>
-            <a:endParaRPr lang="en-US" dirty="0"/>
           </a:p>
         </p:txBody>
       </p:sp>
@@ -15735,10 +15255,9 @@
           <a:lstStyle/>
           <a:p>
             <a:r>
-              <a:rPr lang="en-US" dirty="0" smtClean="0"/>
+              <a:rPr lang="en-US" dirty="0"/>
               <a:t>M2</a:t>
             </a:r>
-            <a:endParaRPr lang="en-US" dirty="0"/>
           </a:p>
         </p:txBody>
       </p:sp>
@@ -15765,10 +15284,9 @@
           <a:lstStyle/>
           <a:p>
             <a:r>
-              <a:rPr lang="en-US" dirty="0" smtClean="0"/>
+              <a:rPr lang="en-US" dirty="0"/>
               <a:t>QTL</a:t>
             </a:r>
-            <a:endParaRPr lang="en-US" dirty="0"/>
           </a:p>
         </p:txBody>
       </p:sp>
@@ -15795,11 +15313,11 @@
           <a:lstStyle/>
           <a:p>
             <a:r>
-              <a:rPr lang="en-US" dirty="0" smtClean="0"/>
+              <a:rPr lang="en-US" dirty="0"/>
               <a:t>10 </a:t>
             </a:r>
             <a:r>
-              <a:rPr lang="en-US" dirty="0" err="1" smtClean="0"/>
+              <a:rPr lang="en-US" dirty="0" err="1"/>
               <a:t>cM</a:t>
             </a:r>
             <a:endParaRPr lang="en-US" dirty="0"/>
@@ -15830,14 +15348,10 @@
           <a:p>
             <a:r>
               <a:rPr lang="en-US" dirty="0"/>
-              <a:t>3</a:t>
-            </a:r>
-            <a:r>
-              <a:rPr lang="en-US" dirty="0" smtClean="0"/>
-              <a:t>0 </a:t>
-            </a:r>
-            <a:r>
-              <a:rPr lang="en-US" dirty="0" err="1" smtClean="0"/>
+              <a:t>30 </a:t>
+            </a:r>
+            <a:r>
+              <a:rPr lang="en-US" dirty="0" err="1"/>
               <a:t>cM</a:t>
             </a:r>
             <a:endParaRPr lang="en-US" dirty="0"/>
@@ -15867,7 +15381,7 @@
           <a:lstStyle/>
           <a:p>
             <a:r>
-              <a:rPr lang="en-US" dirty="0" smtClean="0">
+              <a:rPr lang="en-US" dirty="0">
                 <a:solidFill>
                   <a:srgbClr val="FF0000"/>
                 </a:solidFill>
@@ -15877,50 +15391,49 @@
           </a:p>
           <a:p>
             <a:r>
-              <a:rPr lang="en-US" dirty="0" smtClean="0"/>
-              <a:t>0</a:t>
-            </a:r>
-          </a:p>
-          <a:p>
-            <a:r>
-              <a:rPr lang="en-US" dirty="0" smtClean="0"/>
-              <a:t>0</a:t>
-            </a:r>
-          </a:p>
-          <a:p>
-            <a:r>
               <a:rPr lang="en-US" dirty="0"/>
               <a:t>0</a:t>
             </a:r>
-            <a:endParaRPr lang="en-US" dirty="0" smtClean="0"/>
-          </a:p>
-          <a:p>
-            <a:r>
-              <a:rPr lang="en-US" dirty="0" smtClean="0"/>
+          </a:p>
+          <a:p>
+            <a:r>
+              <a:rPr lang="en-US" dirty="0"/>
+              <a:t>0</a:t>
+            </a:r>
+          </a:p>
+          <a:p>
+            <a:r>
+              <a:rPr lang="en-US" dirty="0"/>
+              <a:t>0</a:t>
+            </a:r>
+          </a:p>
+          <a:p>
+            <a:r>
+              <a:rPr lang="en-US" dirty="0"/>
               <a:t>1</a:t>
             </a:r>
           </a:p>
           <a:p>
             <a:r>
-              <a:rPr lang="en-US" dirty="0" smtClean="0"/>
+              <a:rPr lang="en-US" dirty="0"/>
               <a:t>1</a:t>
             </a:r>
           </a:p>
           <a:p>
             <a:r>
-              <a:rPr lang="en-US" dirty="0" smtClean="0"/>
+              <a:rPr lang="en-US" dirty="0"/>
               <a:t>1</a:t>
             </a:r>
           </a:p>
           <a:p>
             <a:r>
-              <a:rPr lang="en-US" dirty="0" smtClean="0"/>
+              <a:rPr lang="en-US" dirty="0"/>
               <a:t>1</a:t>
             </a:r>
           </a:p>
           <a:p>
             <a:r>
-              <a:rPr lang="en-US" dirty="0" smtClean="0">
+              <a:rPr lang="en-US" dirty="0">
                 <a:solidFill>
                   <a:srgbClr val="FF0000"/>
                 </a:solidFill>
@@ -15930,10 +15443,9 @@
           </a:p>
           <a:p>
             <a:r>
-              <a:rPr lang="en-US" dirty="0" smtClean="0"/>
+              <a:rPr lang="en-US" dirty="0"/>
               <a:t>…</a:t>
             </a:r>
-            <a:endParaRPr lang="en-US" dirty="0"/>
           </a:p>
         </p:txBody>
       </p:sp>
@@ -15960,19 +15472,19 @@
           <a:lstStyle/>
           <a:p>
             <a:r>
-              <a:rPr lang="en-US" dirty="0" smtClean="0"/>
+              <a:rPr lang="en-US" dirty="0"/>
               <a:t>0</a:t>
             </a:r>
           </a:p>
           <a:p>
             <a:r>
-              <a:rPr lang="en-US" dirty="0" smtClean="0"/>
+              <a:rPr lang="en-US" dirty="0"/>
               <a:t>0</a:t>
             </a:r>
           </a:p>
           <a:p>
             <a:r>
-              <a:rPr lang="en-US" dirty="0" smtClean="0">
+              <a:rPr lang="en-US" dirty="0">
                 <a:solidFill>
                   <a:srgbClr val="FF0000"/>
                 </a:solidFill>
@@ -15988,13 +15500,13 @@
           </a:p>
           <a:p>
             <a:r>
-              <a:rPr lang="en-US" dirty="0" smtClean="0"/>
+              <a:rPr lang="en-US" dirty="0"/>
               <a:t>1</a:t>
             </a:r>
           </a:p>
           <a:p>
             <a:r>
-              <a:rPr lang="en-US" dirty="0" smtClean="0">
+              <a:rPr lang="en-US" dirty="0">
                 <a:solidFill>
                   <a:srgbClr val="FF0000"/>
                 </a:solidFill>
@@ -16004,28 +15516,27 @@
           </a:p>
           <a:p>
             <a:r>
-              <a:rPr lang="en-US" dirty="0" smtClean="0"/>
+              <a:rPr lang="en-US" dirty="0"/>
               <a:t>1</a:t>
             </a:r>
           </a:p>
           <a:p>
             <a:r>
-              <a:rPr lang="en-US" dirty="0" smtClean="0"/>
+              <a:rPr lang="en-US" dirty="0"/>
               <a:t>0</a:t>
             </a:r>
           </a:p>
           <a:p>
             <a:r>
-              <a:rPr lang="en-US" dirty="0" smtClean="0"/>
+              <a:rPr lang="en-US" dirty="0"/>
               <a:t>0</a:t>
             </a:r>
           </a:p>
           <a:p>
             <a:r>
-              <a:rPr lang="en-US" dirty="0" smtClean="0"/>
+              <a:rPr lang="en-US" dirty="0"/>
               <a:t>…</a:t>
             </a:r>
-            <a:endParaRPr lang="en-US" dirty="0"/>
           </a:p>
         </p:txBody>
       </p:sp>
@@ -16052,22 +15563,6 @@
           <a:lstStyle/>
           <a:p>
             <a:r>
-              <a:rPr lang="en-US" b="1" dirty="0" smtClean="0">
-                <a:solidFill>
-                  <a:srgbClr val="FF0000"/>
-                </a:solidFill>
-              </a:rPr>
-              <a:t>0</a:t>
-            </a:r>
-          </a:p>
-          <a:p>
-            <a:r>
-              <a:rPr lang="en-US" b="1" dirty="0" smtClean="0"/>
-              <a:t>0</a:t>
-            </a:r>
-          </a:p>
-          <a:p>
-            <a:r>
               <a:rPr lang="en-US" b="1" dirty="0">
                 <a:solidFill>
                   <a:srgbClr val="FF0000"/>
@@ -16075,11 +15570,12 @@
               </a:rPr>
               <a:t>0</a:t>
             </a:r>
-            <a:endParaRPr lang="en-US" b="1" dirty="0" smtClean="0">
-              <a:solidFill>
-                <a:srgbClr val="FF0000"/>
-              </a:solidFill>
-            </a:endParaRPr>
+          </a:p>
+          <a:p>
+            <a:r>
+              <a:rPr lang="en-US" b="1" dirty="0"/>
+              <a:t>0</a:t>
+            </a:r>
           </a:p>
           <a:p>
             <a:r>
@@ -16093,23 +15589,17 @@
           </a:p>
           <a:p>
             <a:r>
-              <a:rPr lang="en-US" b="1" dirty="0" smtClean="0"/>
-              <a:t>1</a:t>
-            </a:r>
-          </a:p>
-          <a:p>
-            <a:r>
-              <a:rPr lang="en-US" b="1" dirty="0" smtClean="0">
+              <a:rPr lang="en-US" b="1" dirty="0">
                 <a:solidFill>
                   <a:srgbClr val="FF0000"/>
                 </a:solidFill>
               </a:rPr>
-              <a:t>1</a:t>
-            </a:r>
-          </a:p>
-          <a:p>
-            <a:r>
-              <a:rPr lang="en-US" b="1" dirty="0" smtClean="0"/>
+              <a:t>0</a:t>
+            </a:r>
+          </a:p>
+          <a:p>
+            <a:r>
+              <a:rPr lang="en-US" b="1" dirty="0"/>
               <a:t>1</a:t>
             </a:r>
           </a:p>
@@ -16122,11 +15612,22 @@
               </a:rPr>
               <a:t>1</a:t>
             </a:r>
-            <a:endParaRPr lang="en-US" b="1" dirty="0" smtClean="0">
-              <a:solidFill>
-                <a:srgbClr val="FF0000"/>
-              </a:solidFill>
-            </a:endParaRPr>
+          </a:p>
+          <a:p>
+            <a:r>
+              <a:rPr lang="en-US" b="1" dirty="0"/>
+              <a:t>1</a:t>
+            </a:r>
+          </a:p>
+          <a:p>
+            <a:r>
+              <a:rPr lang="en-US" b="1" dirty="0">
+                <a:solidFill>
+                  <a:srgbClr val="FF0000"/>
+                </a:solidFill>
+              </a:rPr>
+              <a:t>1</a:t>
+            </a:r>
           </a:p>
           <a:p>
             <a:r>
@@ -16137,18 +15638,12 @@
               </a:rPr>
               <a:t>0</a:t>
             </a:r>
-            <a:endParaRPr lang="en-US" b="1" dirty="0" smtClean="0">
-              <a:solidFill>
-                <a:srgbClr val="FF0000"/>
-              </a:solidFill>
-            </a:endParaRPr>
-          </a:p>
-          <a:p>
-            <a:r>
-              <a:rPr lang="en-US" b="1" dirty="0" smtClean="0"/>
+          </a:p>
+          <a:p>
+            <a:r>
+              <a:rPr lang="en-US" b="1" dirty="0"/>
               <a:t>…</a:t>
             </a:r>
-            <a:endParaRPr lang="en-US" b="1" dirty="0"/>
           </a:p>
         </p:txBody>
       </p:sp>
@@ -16175,7 +15670,7 @@
           <a:lstStyle/>
           <a:p>
             <a:r>
-              <a:rPr lang="en-US" sz="2400" dirty="0" smtClean="0"/>
+              <a:rPr lang="en-US" sz="2400" dirty="0"/>
               <a:t>Genotype</a:t>
             </a:r>
           </a:p>
@@ -16204,7 +15699,7 @@
           <a:lstStyle/>
           <a:p>
             <a:r>
-              <a:rPr lang="en-US" sz="2400" dirty="0" smtClean="0"/>
+              <a:rPr lang="en-US" sz="2400" dirty="0"/>
               <a:t>each estimated genotype is associated with a certain probability</a:t>
             </a:r>
           </a:p>
@@ -16246,7 +15741,7 @@
   <p:timing>
     <p:tnLst>
       <p:par>
-        <p:cTn xmlns:p14="http://schemas.microsoft.com/office/powerpoint/2010/main" id="1" dur="indefinite" restart="never" nodeType="tmRoot">
+        <p:cTn id="1" dur="indefinite" restart="never" nodeType="tmRoot">
           <p:childTnLst>
             <p:seq concurrent="1" nextAc="seek">
               <p:cTn id="2" dur="indefinite" nodeType="mainSeq">
@@ -16364,10 +15859,9 @@
           <a:lstStyle/>
           <a:p>
             <a:r>
-              <a:rPr lang="en-US" sz="3200" dirty="0" smtClean="0"/>
+              <a:rPr lang="en-US" sz="3200" dirty="0"/>
               <a:t>Estimate likelihood of a QTL model</a:t>
             </a:r>
-            <a:endParaRPr lang="en-US" sz="3200" dirty="0"/>
           </a:p>
         </p:txBody>
       </p:sp>
@@ -16395,11 +15889,7 @@
           <a:p>
             <a:r>
               <a:rPr lang="en-US" sz="2800" b="1" i="1" dirty="0"/>
-              <a:t>Maximum likelihood </a:t>
-            </a:r>
-            <a:r>
-              <a:rPr lang="en-US" sz="2800" b="1" i="1" dirty="0" smtClean="0"/>
-              <a:t>estimates (MLE)</a:t>
+              <a:t>Maximum likelihood estimates (MLE)</a:t>
             </a:r>
           </a:p>
           <a:p>
@@ -16407,59 +15897,28 @@
               <a:buNone/>
             </a:pPr>
             <a:r>
-              <a:rPr lang="en-US" sz="2800" i="1" dirty="0" err="1" smtClean="0"/>
+              <a:rPr lang="en-US" sz="2800" i="1" dirty="0" err="1"/>
               <a:t>Prob</a:t>
             </a:r>
             <a:r>
-              <a:rPr lang="en-US" sz="2800" dirty="0" smtClean="0"/>
+              <a:rPr lang="en-US" sz="2800" dirty="0"/>
               <a:t>(</a:t>
             </a:r>
             <a:r>
-              <a:rPr lang="en-US" sz="2800" dirty="0" err="1" smtClean="0"/>
+              <a:rPr lang="en-US" sz="2800" dirty="0" err="1"/>
               <a:t>pheno</a:t>
             </a:r>
             <a:r>
-              <a:rPr lang="en-US" sz="2800" dirty="0" smtClean="0"/>
+              <a:rPr lang="en-US" sz="2800" dirty="0"/>
               <a:t> data | </a:t>
             </a:r>
             <a:r>
-              <a:rPr lang="en-US" sz="2800" dirty="0" err="1" smtClean="0"/>
+              <a:rPr lang="en-US" sz="2800" dirty="0" err="1"/>
               <a:t>geno</a:t>
             </a:r>
             <a:r>
-              <a:rPr lang="en-US" sz="2800" dirty="0" smtClean="0"/>
+              <a:rPr lang="en-US" sz="2800" dirty="0"/>
               <a:t> data; a QTL at a given position)</a:t>
-            </a:r>
-          </a:p>
-          <a:p>
-            <a:pPr marL="0" indent="0">
-              <a:buNone/>
-            </a:pPr>
-            <a:endParaRPr lang="en-US" sz="2800" dirty="0" smtClean="0"/>
-          </a:p>
-          <a:p>
-            <a:pPr marL="0" indent="0">
-              <a:buNone/>
-            </a:pPr>
-            <a:r>
-              <a:rPr lang="en-US" sz="2800" dirty="0" smtClean="0"/>
-              <a:t>e.g., EM </a:t>
-            </a:r>
-            <a:r>
-              <a:rPr lang="en-US" sz="2800" dirty="0"/>
-              <a:t>algorithm</a:t>
-            </a:r>
-            <a:r>
-              <a:rPr lang="en-US" sz="2800" dirty="0" smtClean="0"/>
-              <a:t>,</a:t>
-            </a:r>
-            <a:r>
-              <a:rPr lang="en-US" sz="2800" dirty="0"/>
-              <a:t> Haley-Knott </a:t>
-            </a:r>
-            <a:r>
-              <a:rPr lang="en-US" sz="2800" dirty="0" smtClean="0"/>
-              <a:t>regression (HK)</a:t>
             </a:r>
           </a:p>
           <a:p>
@@ -16469,21 +15928,36 @@
             <a:endParaRPr lang="en-US" sz="2800" dirty="0"/>
           </a:p>
           <a:p>
-            <a:r>
-              <a:rPr lang="en-US" sz="2800" b="1" i="1" dirty="0" smtClean="0"/>
-              <a:t>No QTL Likelihood</a:t>
-            </a:r>
-          </a:p>
-          <a:p>
             <a:pPr marL="0" indent="0">
               <a:buNone/>
             </a:pPr>
             <a:r>
-              <a:rPr lang="en-US" sz="2800" i="1" dirty="0" err="1" smtClean="0"/>
+              <a:rPr lang="en-US" sz="2800" dirty="0"/>
+              <a:t>e.g., EM algorithm, Haley-Knott regression (HK)</a:t>
+            </a:r>
+          </a:p>
+          <a:p>
+            <a:pPr marL="0" indent="0">
+              <a:buNone/>
+            </a:pPr>
+            <a:endParaRPr lang="en-US" sz="2800" dirty="0"/>
+          </a:p>
+          <a:p>
+            <a:r>
+              <a:rPr lang="en-US" sz="2800" b="1" i="1" dirty="0"/>
+              <a:t>No QTL Likelihood</a:t>
+            </a:r>
+          </a:p>
+          <a:p>
+            <a:pPr marL="0" indent="0">
+              <a:buNone/>
+            </a:pPr>
+            <a:r>
+              <a:rPr lang="en-US" sz="2800" i="1" dirty="0" err="1"/>
               <a:t>Prob</a:t>
             </a:r>
             <a:r>
-              <a:rPr lang="en-US" sz="2800" dirty="0" smtClean="0"/>
+              <a:rPr lang="en-US" sz="2800" dirty="0"/>
               <a:t>(</a:t>
             </a:r>
             <a:r>
@@ -16500,15 +15974,7 @@
             </a:r>
             <a:r>
               <a:rPr lang="en-US" sz="2800" dirty="0"/>
-              <a:t> data; </a:t>
-            </a:r>
-            <a:r>
-              <a:rPr lang="en-US" sz="2800" dirty="0" smtClean="0"/>
-              <a:t>no QTL</a:t>
-            </a:r>
-            <a:r>
-              <a:rPr lang="en-US" sz="2800" dirty="0"/>
-              <a:t>)</a:t>
+              <a:t> data; no QTL)</a:t>
             </a:r>
           </a:p>
         </p:txBody>
@@ -16546,13 +16012,6 @@
   <p:clrMapOvr>
     <a:masterClrMapping/>
   </p:clrMapOvr>
-  <p:timing>
-    <p:tnLst>
-      <p:par>
-        <p:cTn xmlns:p14="http://schemas.microsoft.com/office/powerpoint/2010/main" id="1" dur="indefinite" restart="never" nodeType="tmRoot"/>
-      </p:par>
-    </p:tnLst>
-  </p:timing>
 </p:sld>
 </file>
 
@@ -16596,10 +16055,9 @@
           <a:lstStyle/>
           <a:p>
             <a:r>
-              <a:rPr lang="en-US" sz="3200" dirty="0" smtClean="0"/>
+              <a:rPr lang="en-US" sz="3200" dirty="0"/>
               <a:t>LOD (logarithm of the odds)</a:t>
             </a:r>
-            <a:endParaRPr lang="en-US" sz="3200" dirty="0"/>
           </a:p>
         </p:txBody>
       </p:sp>
@@ -16646,13 +16104,8 @@
             </a:r>
             <a:r>
               <a:rPr lang="en-US" sz="2400" dirty="0"/>
-              <a:t>, comparing a single-QTL model to the “no QTL anywhere</a:t>
-            </a:r>
-            <a:r>
-              <a:rPr lang="en-US" sz="2400" dirty="0" smtClean="0"/>
-              <a:t>”.</a:t>
-            </a:r>
-            <a:endParaRPr lang="en-US" sz="2400" dirty="0"/>
+              <a:t>, comparing a single-QTL model to the “no QTL anywhere”.</a:t>
+            </a:r>
           </a:p>
         </p:txBody>
       </p:sp>
@@ -16683,11 +16136,11 @@
               </a:lnSpc>
             </a:pPr>
             <a:r>
-              <a:rPr lang="en-US" sz="2400" i="1" dirty="0" err="1" smtClean="0"/>
+              <a:rPr lang="en-US" sz="2400" i="1" dirty="0" err="1"/>
               <a:t>Prob</a:t>
             </a:r>
             <a:r>
-              <a:rPr lang="en-US" sz="2400" dirty="0" smtClean="0"/>
+              <a:rPr lang="en-US" sz="2400" dirty="0"/>
               <a:t>(</a:t>
             </a:r>
             <a:r>
@@ -16714,11 +16167,11 @@
               </a:lnSpc>
             </a:pPr>
             <a:r>
-              <a:rPr lang="en-US" sz="2400" i="1" dirty="0" err="1" smtClean="0"/>
+              <a:rPr lang="en-US" sz="2400" i="1" dirty="0" err="1"/>
               <a:t>Prob</a:t>
             </a:r>
             <a:r>
-              <a:rPr lang="en-US" sz="2400" dirty="0" smtClean="0"/>
+              <a:rPr lang="en-US" sz="2400" dirty="0"/>
               <a:t>(</a:t>
             </a:r>
             <a:r>
@@ -16801,22 +16254,21 @@
           <a:lstStyle/>
           <a:p>
             <a:r>
-              <a:rPr lang="en-US" sz="2400" i="1" dirty="0" smtClean="0"/>
+              <a:rPr lang="en-US" sz="2400" i="1" dirty="0"/>
               <a:t>LOD</a:t>
             </a:r>
             <a:r>
-              <a:rPr lang="en-US" sz="2400" dirty="0" smtClean="0"/>
+              <a:rPr lang="en-US" sz="2400" dirty="0"/>
               <a:t> = </a:t>
             </a:r>
             <a:r>
-              <a:rPr lang="en-US" sz="2400" i="1" dirty="0" smtClean="0"/>
+              <a:rPr lang="en-US" sz="2400" i="1" dirty="0"/>
               <a:t>log</a:t>
             </a:r>
             <a:r>
-              <a:rPr lang="en-US" sz="2400" baseline="-25000" dirty="0" smtClean="0"/>
+              <a:rPr lang="en-US" sz="2400" baseline="-25000" dirty="0"/>
               <a:t>10</a:t>
             </a:r>
-            <a:endParaRPr lang="en-US" sz="2400" baseline="-25000" dirty="0"/>
           </a:p>
         </p:txBody>
       </p:sp>
@@ -16984,11 +16436,11 @@
               <a:buNone/>
             </a:pPr>
             <a:r>
-              <a:rPr lang="en-US" sz="2400" dirty="0" smtClean="0"/>
+              <a:rPr lang="en-US" sz="2400" dirty="0"/>
               <a:t>The </a:t>
             </a:r>
             <a:r>
-              <a:rPr lang="en-US" sz="2400" b="1" dirty="0" smtClean="0">
+              <a:rPr lang="en-US" sz="2400" b="1" dirty="0">
                 <a:solidFill>
                   <a:schemeClr val="tx2">
                     <a:lumMod val="75000"/>
@@ -16998,10 +16450,9 @@
               <a:t>LOD score </a:t>
             </a:r>
             <a:r>
-              <a:rPr lang="en-US" sz="2400" dirty="0" smtClean="0"/>
+              <a:rPr lang="en-US" sz="2400" dirty="0"/>
               <a:t>is a measure of the strength of evidence for the presence of a QTL at a particular location.</a:t>
             </a:r>
-            <a:endParaRPr lang="en-US" sz="2400" dirty="0"/>
           </a:p>
         </p:txBody>
       </p:sp>
@@ -17028,38 +16479,13 @@
           <a:lstStyle/>
           <a:p>
             <a:r>
-              <a:rPr lang="en-US" sz="2400" dirty="0" smtClean="0"/>
-              <a:t>LOD scores must </a:t>
-            </a:r>
-            <a:r>
               <a:rPr lang="en-US" sz="2400" dirty="0"/>
-              <a:t>be closer to 3 before they will generally be deemed interesting</a:t>
-            </a:r>
-            <a:r>
-              <a:rPr lang="en-US" sz="2400" dirty="0" smtClean="0"/>
-              <a:t>.  </a:t>
-            </a:r>
-            <a:r>
-              <a:rPr lang="en-US" sz="1600" dirty="0" smtClean="0"/>
-              <a:t>-</a:t>
+              <a:t>LOD scores must be closer to 3 before they will generally be deemed interesting.  </a:t>
             </a:r>
             <a:r>
               <a:rPr lang="en-US" sz="1600" dirty="0"/>
-              <a:t> </a:t>
-            </a:r>
-            <a:r>
-              <a:rPr lang="en-US" sz="1600" dirty="0" smtClean="0"/>
-              <a:t>Broman, Lab Animal, 30</a:t>
-            </a:r>
-            <a:r>
-              <a:rPr lang="en-US" sz="1600" dirty="0"/>
-              <a:t>(7):44–52, </a:t>
-            </a:r>
-            <a:r>
-              <a:rPr lang="en-US" sz="1600" dirty="0" smtClean="0"/>
-              <a:t>2001</a:t>
-            </a:r>
-            <a:endParaRPr lang="en-US" sz="1600" dirty="0"/>
+              <a:t>- Broman, Lab Animal, 30(7):44–52, 2001</a:t>
+            </a:r>
           </a:p>
         </p:txBody>
       </p:sp>
@@ -17099,7 +16525,7 @@
   <p:timing>
     <p:tnLst>
       <p:par>
-        <p:cTn xmlns:p14="http://schemas.microsoft.com/office/powerpoint/2010/main" id="1" dur="indefinite" restart="never" nodeType="tmRoot">
+        <p:cTn id="1" dur="indefinite" restart="never" nodeType="tmRoot">
           <p:childTnLst>
             <p:seq concurrent="1" nextAc="seek">
               <p:cTn id="2" dur="indefinite" nodeType="mainSeq">
@@ -17313,10 +16739,9 @@
           <a:lstStyle/>
           <a:p>
             <a:r>
-              <a:rPr lang="en-US" sz="3200" dirty="0" smtClean="0"/>
+              <a:rPr lang="en-US" sz="3200" dirty="0"/>
               <a:t>Phylogenic trees</a:t>
             </a:r>
-            <a:endParaRPr lang="en-US" sz="3200" dirty="0"/>
           </a:p>
         </p:txBody>
       </p:sp>
@@ -17365,18 +16790,13 @@
           <a:p>
             <a:pPr algn="ctr"/>
             <a:r>
-              <a:rPr lang="en-US" sz="2400" dirty="0" smtClean="0">
+              <a:rPr lang="en-US" sz="2400" dirty="0">
                 <a:solidFill>
                   <a:srgbClr val="17375E"/>
                 </a:solidFill>
               </a:rPr>
               <a:t>Phylogenetic methods</a:t>
             </a:r>
-            <a:endParaRPr lang="en-US" sz="2400" dirty="0">
-              <a:solidFill>
-                <a:srgbClr val="17375E"/>
-              </a:solidFill>
-            </a:endParaRPr>
           </a:p>
         </p:txBody>
       </p:sp>
@@ -17425,18 +16845,13 @@
           <a:p>
             <a:pPr algn="ctr"/>
             <a:r>
-              <a:rPr lang="en-US" sz="2400" dirty="0" smtClean="0">
+              <a:rPr lang="en-US" sz="2400" dirty="0">
                 <a:solidFill>
                   <a:srgbClr val="17375E"/>
                 </a:solidFill>
               </a:rPr>
               <a:t>Distance-based</a:t>
             </a:r>
-            <a:endParaRPr lang="en-US" sz="2400" dirty="0">
-              <a:solidFill>
-                <a:srgbClr val="17375E"/>
-              </a:solidFill>
-            </a:endParaRPr>
           </a:p>
         </p:txBody>
       </p:sp>
@@ -17485,18 +16900,13 @@
           <a:p>
             <a:pPr algn="ctr"/>
             <a:r>
-              <a:rPr lang="en-US" sz="2400" dirty="0" smtClean="0">
+              <a:rPr lang="en-US" sz="2400" dirty="0">
                 <a:solidFill>
                   <a:srgbClr val="17375E"/>
                 </a:solidFill>
               </a:rPr>
               <a:t>Character-based</a:t>
             </a:r>
-            <a:endParaRPr lang="en-US" sz="2400" dirty="0">
-              <a:solidFill>
-                <a:srgbClr val="17375E"/>
-              </a:solidFill>
-            </a:endParaRPr>
           </a:p>
         </p:txBody>
       </p:sp>
@@ -17545,18 +16955,13 @@
           <a:p>
             <a:pPr algn="ctr"/>
             <a:r>
-              <a:rPr lang="en-US" sz="1600" dirty="0" smtClean="0">
+              <a:rPr lang="en-US" sz="1600" dirty="0">
                 <a:solidFill>
                   <a:srgbClr val="17375E"/>
                 </a:solidFill>
               </a:rPr>
               <a:t>least square</a:t>
             </a:r>
-            <a:endParaRPr lang="en-US" sz="1600" dirty="0">
-              <a:solidFill>
-                <a:srgbClr val="17375E"/>
-              </a:solidFill>
-            </a:endParaRPr>
           </a:p>
         </p:txBody>
       </p:sp>
@@ -17660,7 +17065,7 @@
           <a:p>
             <a:pPr algn="ctr"/>
             <a:r>
-              <a:rPr lang="en-US" sz="1600" b="1" dirty="0" smtClean="0">
+              <a:rPr lang="en-US" sz="1600" b="1" dirty="0">
                 <a:solidFill>
                   <a:schemeClr val="tx2">
                     <a:lumMod val="75000"/>
@@ -17669,13 +17074,6 @@
               </a:rPr>
               <a:t>neighbor joining</a:t>
             </a:r>
-            <a:endParaRPr lang="en-US" sz="1600" b="1" dirty="0">
-              <a:solidFill>
-                <a:schemeClr val="tx2">
-                  <a:lumMod val="75000"/>
-                </a:schemeClr>
-              </a:solidFill>
-            </a:endParaRPr>
           </a:p>
         </p:txBody>
       </p:sp>
@@ -17724,18 +17122,13 @@
           <a:p>
             <a:pPr algn="ctr"/>
             <a:r>
-              <a:rPr lang="en-US" sz="1600" dirty="0" smtClean="0">
+              <a:rPr lang="en-US" sz="1600" dirty="0">
                 <a:solidFill>
                   <a:srgbClr val="17375E"/>
                 </a:solidFill>
               </a:rPr>
               <a:t>maximum parsimony</a:t>
             </a:r>
-            <a:endParaRPr lang="en-US" sz="1600" dirty="0">
-              <a:solidFill>
-                <a:srgbClr val="17375E"/>
-              </a:solidFill>
-            </a:endParaRPr>
           </a:p>
         </p:txBody>
       </p:sp>
@@ -17784,18 +17177,13 @@
           <a:p>
             <a:pPr algn="ctr"/>
             <a:r>
-              <a:rPr lang="en-US" sz="1600" dirty="0" smtClean="0">
+              <a:rPr lang="en-US" sz="1600" dirty="0">
                 <a:solidFill>
                   <a:srgbClr val="17375E"/>
                 </a:solidFill>
               </a:rPr>
               <a:t>maximum likelihood</a:t>
             </a:r>
-            <a:endParaRPr lang="en-US" sz="1600" dirty="0">
-              <a:solidFill>
-                <a:srgbClr val="17375E"/>
-              </a:solidFill>
-            </a:endParaRPr>
           </a:p>
         </p:txBody>
       </p:sp>
@@ -17844,18 +17232,13 @@
           <a:p>
             <a:pPr algn="ctr"/>
             <a:r>
-              <a:rPr lang="en-US" sz="1600" dirty="0" smtClean="0">
+              <a:rPr lang="en-US" sz="1600" dirty="0">
                 <a:solidFill>
                   <a:srgbClr val="17375E"/>
                 </a:solidFill>
               </a:rPr>
               <a:t>Bayesian inference</a:t>
             </a:r>
-            <a:endParaRPr lang="en-US" sz="1600" dirty="0">
-              <a:solidFill>
-                <a:srgbClr val="17375E"/>
-              </a:solidFill>
-            </a:endParaRPr>
           </a:p>
         </p:txBody>
       </p:sp>
@@ -18234,10 +17617,9 @@
           <a:lstStyle/>
           <a:p>
             <a:r>
-              <a:rPr lang="en-US" dirty="0" smtClean="0"/>
+              <a:rPr lang="en-US" dirty="0"/>
               <a:t>(tip)</a:t>
             </a:r>
-            <a:endParaRPr lang="en-US" dirty="0"/>
           </a:p>
         </p:txBody>
       </p:sp>
@@ -18264,10 +17646,9 @@
           <a:lstStyle/>
           <a:p>
             <a:r>
-              <a:rPr lang="en-US" dirty="0" smtClean="0"/>
+              <a:rPr lang="en-US" dirty="0"/>
               <a:t>(edge)</a:t>
             </a:r>
-            <a:endParaRPr lang="en-US" dirty="0"/>
           </a:p>
         </p:txBody>
       </p:sp>
@@ -18304,13 +17685,6 @@
   <p:clrMapOvr>
     <a:masterClrMapping/>
   </p:clrMapOvr>
-  <p:timing>
-    <p:tnLst>
-      <p:par>
-        <p:cTn xmlns:p14="http://schemas.microsoft.com/office/powerpoint/2010/main" id="1" dur="indefinite" restart="never" nodeType="tmRoot"/>
-      </p:par>
-    </p:tnLst>
-  </p:timing>
 </p:sld>
 </file>
 
@@ -18357,10 +17731,9 @@
               <a:buNone/>
             </a:pPr>
             <a:r>
-              <a:rPr lang="en-US" sz="9600" dirty="0" smtClean="0"/>
+              <a:rPr lang="en-US" sz="9600" dirty="0"/>
               <a:t>LOD = 3?</a:t>
             </a:r>
-            <a:endParaRPr lang="en-US" sz="9600" dirty="0"/>
           </a:p>
         </p:txBody>
       </p:sp>
@@ -18397,13 +17770,6 @@
   <p:clrMapOvr>
     <a:masterClrMapping/>
   </p:clrMapOvr>
-  <p:timing>
-    <p:tnLst>
-      <p:par>
-        <p:cTn xmlns:p14="http://schemas.microsoft.com/office/powerpoint/2010/main" id="1" dur="indefinite" restart="never" nodeType="tmRoot"/>
-      </p:par>
-    </p:tnLst>
-  </p:timing>
 </p:sld>
 </file>
 
@@ -18447,18 +17813,17 @@
           <a:lstStyle/>
           <a:p>
             <a:r>
-              <a:rPr lang="en-US" sz="3200" dirty="0" smtClean="0"/>
+              <a:rPr lang="en-US" sz="3200" dirty="0"/>
               <a:t>Permutation tests to infer a </a:t>
             </a:r>
             <a:r>
-              <a:rPr lang="en-US" sz="3200" i="1" dirty="0" smtClean="0"/>
+              <a:rPr lang="en-US" sz="3200" i="1" dirty="0"/>
               <a:t>LOD</a:t>
             </a:r>
             <a:r>
-              <a:rPr lang="en-US" sz="3200" dirty="0" smtClean="0"/>
+              <a:rPr lang="en-US" sz="3200" dirty="0"/>
               <a:t> threshold</a:t>
             </a:r>
-            <a:endParaRPr lang="en-US" sz="3200" dirty="0"/>
           </a:p>
         </p:txBody>
       </p:sp>
@@ -18491,78 +17856,69 @@
           </a:p>
           <a:p>
             <a:r>
-              <a:rPr lang="en-US" sz="2400" dirty="0" smtClean="0"/>
+              <a:rPr lang="en-US" sz="2400" dirty="0"/>
               <a:t>QTL analysis and get the max(LOD) (maxLOD</a:t>
             </a:r>
             <a:r>
-              <a:rPr lang="en-US" sz="2400" baseline="-25000" dirty="0" smtClean="0"/>
+              <a:rPr lang="en-US" sz="2400" baseline="-25000" dirty="0"/>
               <a:t>1</a:t>
             </a:r>
             <a:r>
-              <a:rPr lang="en-US" sz="2400" dirty="0" smtClean="0"/>
+              <a:rPr lang="en-US" sz="2400" dirty="0"/>
               <a:t>)</a:t>
             </a:r>
           </a:p>
           <a:p>
             <a:r>
-              <a:rPr lang="en-US" sz="2400" dirty="0" smtClean="0"/>
+              <a:rPr lang="en-US" sz="2400" dirty="0"/>
               <a:t>Repeat 1000 times to have (maxLOD</a:t>
             </a:r>
             <a:r>
-              <a:rPr lang="en-US" sz="2400" baseline="-25000" dirty="0" smtClean="0"/>
+              <a:rPr lang="en-US" sz="2400" baseline="-25000" dirty="0"/>
               <a:t>1</a:t>
             </a:r>
             <a:r>
-              <a:rPr lang="en-US" sz="2400" dirty="0" smtClean="0"/>
+              <a:rPr lang="en-US" sz="2400" dirty="0"/>
               <a:t>, maxLOD</a:t>
             </a:r>
             <a:r>
-              <a:rPr lang="en-US" sz="2400" baseline="-25000" dirty="0" smtClean="0"/>
+              <a:rPr lang="en-US" sz="2400" baseline="-25000" dirty="0"/>
               <a:t>2</a:t>
             </a:r>
             <a:r>
-              <a:rPr lang="en-US" sz="2400" dirty="0" smtClean="0"/>
+              <a:rPr lang="en-US" sz="2400" dirty="0"/>
               <a:t>, … maxLOD</a:t>
             </a:r>
             <a:r>
-              <a:rPr lang="en-US" sz="2400" baseline="-25000" dirty="0" smtClean="0"/>
+              <a:rPr lang="en-US" sz="2400" baseline="-25000" dirty="0"/>
               <a:t>1000</a:t>
             </a:r>
             <a:r>
-              <a:rPr lang="en-US" sz="2400" dirty="0" smtClean="0"/>
+              <a:rPr lang="en-US" sz="2400" dirty="0"/>
               <a:t>)</a:t>
             </a:r>
           </a:p>
           <a:p>
             <a:r>
-              <a:rPr lang="en-US" sz="2400" dirty="0" smtClean="0"/>
+              <a:rPr lang="en-US" sz="2400" dirty="0"/>
               <a:t>The 95</a:t>
             </a:r>
             <a:r>
-              <a:rPr lang="en-US" sz="2400" baseline="30000" dirty="0" smtClean="0"/>
+              <a:rPr lang="en-US" sz="2400" baseline="30000" dirty="0"/>
               <a:t>th</a:t>
             </a:r>
             <a:r>
-              <a:rPr lang="en-US" sz="2400" dirty="0" smtClean="0"/>
+              <a:rPr lang="en-US" sz="2400" dirty="0"/>
               <a:t> percentile of </a:t>
             </a:r>
             <a:r>
-              <a:rPr lang="en-US" sz="2400" dirty="0" err="1" smtClean="0"/>
+              <a:rPr lang="en-US" sz="2400" dirty="0" err="1"/>
               <a:t>MaxLOD</a:t>
             </a:r>
             <a:r>
-              <a:rPr lang="en-US" sz="2400" dirty="0" smtClean="0"/>
-              <a:t> </a:t>
-            </a:r>
-            <a:r>
               <a:rPr lang="en-US" sz="2400" dirty="0"/>
-              <a:t>is a genome-wide LOD threshold</a:t>
-            </a:r>
-            <a:r>
-              <a:rPr lang="en-US" sz="2400" dirty="0" smtClean="0"/>
-              <a:t>.</a:t>
-            </a:r>
-            <a:endParaRPr lang="en-US" sz="2400" dirty="0"/>
+              <a:t> is a genome-wide LOD threshold.</a:t>
+            </a:r>
           </a:p>
         </p:txBody>
       </p:sp>
@@ -18629,13 +17985,6 @@
   <p:clrMapOvr>
     <a:masterClrMapping/>
   </p:clrMapOvr>
-  <p:timing>
-    <p:tnLst>
-      <p:par>
-        <p:cTn xmlns:p14="http://schemas.microsoft.com/office/powerpoint/2010/main" id="1" dur="indefinite" restart="never" nodeType="tmRoot"/>
-      </p:par>
-    </p:tnLst>
-  </p:timing>
 </p:sld>
 </file>
 
@@ -18672,10 +18021,9 @@
           <a:lstStyle/>
           <a:p>
             <a:r>
-              <a:rPr lang="en-US" dirty="0" smtClean="0"/>
+              <a:rPr lang="en-US" dirty="0"/>
               <a:t>Question</a:t>
             </a:r>
-            <a:endParaRPr lang="en-US" dirty="0"/>
           </a:p>
         </p:txBody>
       </p:sp>
@@ -18703,10 +18051,9 @@
               <a:buNone/>
             </a:pPr>
             <a:r>
-              <a:rPr lang="en-US" dirty="0" smtClean="0"/>
+              <a:rPr lang="en-US" dirty="0"/>
               <a:t>Can we perform a QTL study on a human population?</a:t>
             </a:r>
-            <a:endParaRPr lang="en-US" dirty="0"/>
           </a:p>
         </p:txBody>
       </p:sp>
@@ -18743,13 +18090,6 @@
   <p:clrMapOvr>
     <a:masterClrMapping/>
   </p:clrMapOvr>
-  <p:timing>
-    <p:tnLst>
-      <p:par>
-        <p:cTn xmlns:p14="http://schemas.microsoft.com/office/powerpoint/2010/main" id="1" dur="indefinite" restart="never" nodeType="tmRoot"/>
-      </p:par>
-    </p:tnLst>
-  </p:timing>
 </p:sld>
 </file>
 
@@ -18794,13 +18134,8 @@
           <a:p>
             <a:r>
               <a:rPr lang="en-US" sz="3200" dirty="0"/>
-              <a:t>Genome-wide association </a:t>
-            </a:r>
-            <a:r>
-              <a:rPr lang="en-US" sz="3200" dirty="0" smtClean="0"/>
-              <a:t>study (GWAS)</a:t>
-            </a:r>
-            <a:endParaRPr lang="en-US" sz="3200" dirty="0"/>
+              <a:t>Genome-wide association study (GWAS)</a:t>
+            </a:r>
           </a:p>
         </p:txBody>
       </p:sp>
@@ -18830,11 +18165,11 @@
               <a:buNone/>
             </a:pPr>
             <a:r>
-              <a:rPr lang="en-US" sz="2800" dirty="0" smtClean="0"/>
+              <a:rPr lang="en-US" sz="2800" dirty="0"/>
               <a:t>GWAS is the study to correlate a great number of </a:t>
             </a:r>
             <a:r>
-              <a:rPr lang="en-US" sz="2800" b="1" dirty="0" smtClean="0">
+              <a:rPr lang="en-US" sz="2800" b="1" dirty="0">
                 <a:solidFill>
                   <a:schemeClr val="tx2">
                     <a:lumMod val="75000"/>
@@ -18844,36 +18179,8 @@
               <a:t>genomic variants </a:t>
             </a:r>
             <a:r>
-              <a:rPr lang="en-US" sz="2800" dirty="0" smtClean="0"/>
-              <a:t>with a </a:t>
-            </a:r>
-            <a:r>
               <a:rPr lang="en-US" sz="2800" dirty="0"/>
-              <a:t>large number of individuals </a:t>
-            </a:r>
-            <a:r>
-              <a:rPr lang="en-US" sz="2800" dirty="0" smtClean="0"/>
-              <a:t>to identify variants </a:t>
-            </a:r>
-            <a:r>
-              <a:rPr lang="en-US" sz="2800" dirty="0"/>
-              <a:t>that are significantly </a:t>
-            </a:r>
-            <a:r>
-              <a:rPr lang="en-US" sz="2800" dirty="0" smtClean="0"/>
-              <a:t>associated </a:t>
-            </a:r>
-            <a:r>
-              <a:rPr lang="en-US" sz="2800" dirty="0"/>
-              <a:t>with </a:t>
-            </a:r>
-            <a:r>
-              <a:rPr lang="en-US" sz="2800" b="1" dirty="0" smtClean="0">
-                <a:solidFill>
-                  <a:srgbClr val="17375E"/>
-                </a:solidFill>
-              </a:rPr>
-              <a:t>the phenotype </a:t>
+              <a:t>with a large number of individuals to identify variants that are significantly associated with </a:t>
             </a:r>
             <a:r>
               <a:rPr lang="en-US" sz="2800" b="1" dirty="0">
@@ -18881,21 +18188,12 @@
                   <a:srgbClr val="17375E"/>
                 </a:solidFill>
               </a:rPr>
-              <a:t>of </a:t>
-            </a:r>
-            <a:r>
-              <a:rPr lang="en-US" sz="2800" b="1" dirty="0" smtClean="0">
-                <a:solidFill>
-                  <a:srgbClr val="17375E"/>
-                </a:solidFill>
-              </a:rPr>
-              <a:t>interest</a:t>
-            </a:r>
-            <a:r>
-              <a:rPr lang="en-US" sz="2800" dirty="0" smtClean="0"/>
+              <a:t>the phenotype of interest</a:t>
+            </a:r>
+            <a:r>
+              <a:rPr lang="en-US" sz="2800" dirty="0"/>
               <a:t>.</a:t>
             </a:r>
-            <a:endParaRPr lang="en-US" sz="2800" dirty="0"/>
           </a:p>
         </p:txBody>
       </p:sp>
@@ -18922,7 +18220,7 @@
           <a:lstStyle/>
           <a:p>
             <a:r>
-              <a:rPr lang="en-US" sz="3600" dirty="0" smtClean="0"/>
+              <a:rPr lang="en-US" sz="3600" dirty="0"/>
               <a:t>Goal: to identify causal variants</a:t>
             </a:r>
           </a:p>
@@ -18964,7 +18262,7 @@
   <p:timing>
     <p:tnLst>
       <p:par>
-        <p:cTn xmlns:p14="http://schemas.microsoft.com/office/powerpoint/2010/main" id="1" dur="indefinite" restart="never" nodeType="tmRoot">
+        <p:cTn id="1" dur="indefinite" restart="never" nodeType="tmRoot">
           <p:childTnLst>
             <p:seq concurrent="1" nextAc="seek">
               <p:cTn id="2" dur="indefinite" nodeType="mainSeq">
@@ -19082,10 +18380,9 @@
           <a:lstStyle/>
           <a:p>
             <a:r>
-              <a:rPr lang="en-US" sz="3200" dirty="0" smtClean="0"/>
+              <a:rPr lang="en-US" sz="3200" dirty="0"/>
               <a:t>Linkage disequilibrium (LD)</a:t>
             </a:r>
-            <a:endParaRPr lang="en-US" sz="3200" dirty="0"/>
           </a:p>
         </p:txBody>
       </p:sp>
@@ -19165,10 +18462,9 @@
           <a:lstStyle/>
           <a:p>
             <a:r>
-              <a:rPr lang="en-US" sz="1600" dirty="0" smtClean="0"/>
+              <a:rPr lang="en-US" sz="1600" dirty="0"/>
               <a:t>Balding et al., Nature Review Genetics, 2006, 7:781  </a:t>
             </a:r>
-            <a:endParaRPr lang="en-US" sz="1600" dirty="0"/>
           </a:p>
         </p:txBody>
       </p:sp>
@@ -19235,7 +18531,7 @@
   <p:timing>
     <p:tnLst>
       <p:par>
-        <p:cTn xmlns:p14="http://schemas.microsoft.com/office/powerpoint/2010/main" id="1" dur="indefinite" restart="never" nodeType="tmRoot">
+        <p:cTn id="1" dur="indefinite" restart="never" nodeType="tmRoot">
           <p:childTnLst>
             <p:seq concurrent="1" nextAc="seek">
               <p:cTn id="2" dur="indefinite" nodeType="mainSeq">
@@ -19426,18 +18722,10 @@
           <a:lstStyle/>
           <a:p>
             <a:r>
-              <a:rPr lang="en-US" sz="2800" dirty="0" smtClean="0"/>
-              <a:t>Typically only bi-allelic </a:t>
-            </a:r>
-            <a:r>
               <a:rPr lang="en-US" sz="2800" dirty="0"/>
-              <a:t>markers </a:t>
-            </a:r>
-            <a:r>
-              <a:rPr lang="en-US" sz="2800" dirty="0" smtClean="0"/>
-              <a:t>are used.</a:t>
-            </a:r>
-            <a:endParaRPr lang="en-US" sz="2800" dirty="0" smtClean="0">
+              <a:t>Typically only bi-allelic markers are used.</a:t>
+            </a:r>
+            <a:endParaRPr lang="en-US" sz="2800" dirty="0">
               <a:solidFill>
                 <a:schemeClr val="tx1">
                   <a:lumMod val="95000"/>
@@ -19448,18 +18736,6 @@
             </a:endParaRPr>
           </a:p>
           <a:p>
-            <a:r>
-              <a:rPr lang="en-US" sz="2800" dirty="0" smtClean="0">
-                <a:solidFill>
-                  <a:schemeClr val="tx1">
-                    <a:lumMod val="95000"/>
-                    <a:lumOff val="5000"/>
-                  </a:schemeClr>
-                </a:solidFill>
-                <a:cs typeface="Times New Roman" pitchFamily="18" charset="0"/>
-              </a:rPr>
-              <a:t>Of two alleles</a:t>
-            </a:r>
             <a:r>
               <a:rPr lang="en-US" sz="2800" dirty="0">
                 <a:solidFill>
@@ -19470,19 +18746,7 @@
                 </a:solidFill>
                 <a:cs typeface="Times New Roman" pitchFamily="18" charset="0"/>
               </a:rPr>
-              <a:t>, </a:t>
-            </a:r>
-            <a:r>
-              <a:rPr lang="en-US" sz="2800" dirty="0" smtClean="0">
-                <a:solidFill>
-                  <a:schemeClr val="tx1">
-                    <a:lumMod val="95000"/>
-                    <a:lumOff val="5000"/>
-                  </a:schemeClr>
-                </a:solidFill>
-                <a:cs typeface="Times New Roman" pitchFamily="18" charset="0"/>
-              </a:rPr>
-              <a:t>the allele with a smaller </a:t>
+              <a:t>Of two alleles, the allele with a smaller </a:t>
             </a:r>
             <a:r>
               <a:rPr lang="en-US" sz="2800" dirty="0">
@@ -19491,16 +18755,7 @@
                 </a:solidFill>
                 <a:cs typeface="Times New Roman" pitchFamily="18" charset="0"/>
               </a:rPr>
-              <a:t>frequency </a:t>
-            </a:r>
-            <a:r>
-              <a:rPr lang="en-US" sz="2800" dirty="0" smtClean="0">
-                <a:solidFill>
-                  <a:prstClr val="black"/>
-                </a:solidFill>
-                <a:cs typeface="Times New Roman" pitchFamily="18" charset="0"/>
-              </a:rPr>
-              <a:t>is the minor allele. Its frequency is </a:t>
+              <a:t>frequency is the minor allele. Its frequency is </a:t>
             </a:r>
             <a:r>
               <a:rPr lang="en-US" sz="2800" b="1" dirty="0">
@@ -19511,65 +18766,10 @@
                 </a:solidFill>
                 <a:cs typeface="Times New Roman" pitchFamily="18" charset="0"/>
               </a:rPr>
-              <a:t>m</a:t>
-            </a:r>
-            <a:r>
-              <a:rPr lang="en-US" sz="2800" b="1" dirty="0" smtClean="0">
-                <a:solidFill>
-                  <a:schemeClr val="tx2">
-                    <a:lumMod val="75000"/>
-                  </a:schemeClr>
-                </a:solidFill>
-                <a:cs typeface="Times New Roman" pitchFamily="18" charset="0"/>
-              </a:rPr>
-              <a:t>inor </a:t>
-            </a:r>
-            <a:r>
-              <a:rPr lang="en-US" sz="2800" b="1" dirty="0">
-                <a:solidFill>
-                  <a:schemeClr val="tx2">
-                    <a:lumMod val="75000"/>
-                  </a:schemeClr>
-                </a:solidFill>
-                <a:cs typeface="Times New Roman" pitchFamily="18" charset="0"/>
-              </a:rPr>
-              <a:t>allele </a:t>
-            </a:r>
-            <a:r>
-              <a:rPr lang="en-US" sz="2800" b="1" dirty="0" smtClean="0">
-                <a:solidFill>
-                  <a:schemeClr val="tx2">
-                    <a:lumMod val="75000"/>
-                  </a:schemeClr>
-                </a:solidFill>
-                <a:cs typeface="Times New Roman" pitchFamily="18" charset="0"/>
-              </a:rPr>
-              <a:t>frequency (</a:t>
-            </a:r>
-            <a:r>
-              <a:rPr lang="en-US" sz="2800" b="1" dirty="0">
-                <a:solidFill>
-                  <a:schemeClr val="tx2">
-                    <a:lumMod val="75000"/>
-                  </a:schemeClr>
-                </a:solidFill>
-                <a:cs typeface="Times New Roman" pitchFamily="18" charset="0"/>
-              </a:rPr>
-              <a:t>MAF</a:t>
-            </a:r>
-            <a:r>
-              <a:rPr lang="en-US" sz="2800" b="1" dirty="0" smtClean="0">
-                <a:solidFill>
-                  <a:schemeClr val="tx2">
-                    <a:lumMod val="75000"/>
-                  </a:schemeClr>
-                </a:solidFill>
-                <a:cs typeface="Times New Roman" pitchFamily="18" charset="0"/>
-              </a:rPr>
-              <a:t>)</a:t>
-            </a:r>
-            <a:r>
-              <a:rPr lang="en-US" sz="2800" dirty="0" smtClean="0">
+              <a:t>minor allele frequency (MAF)</a:t>
+            </a:r>
+            <a:r>
+              <a:rPr lang="en-US" sz="2800" dirty="0">
                 <a:solidFill>
                   <a:prstClr val="black"/>
                 </a:solidFill>
@@ -19581,21 +18781,9 @@
           <a:p>
             <a:r>
               <a:rPr lang="en-US" sz="2800" dirty="0"/>
-              <a:t>Filter out markers with </a:t>
-            </a:r>
-            <a:r>
-              <a:rPr lang="en-US" sz="2800" dirty="0" smtClean="0"/>
-              <a:t>high missing </a:t>
-            </a:r>
-            <a:r>
-              <a:rPr lang="en-US" sz="2800" dirty="0"/>
-              <a:t>data </a:t>
-            </a:r>
-            <a:r>
-              <a:rPr lang="en-US" sz="2800" dirty="0" smtClean="0"/>
-              <a:t>(e.g., 30%).</a:t>
-            </a:r>
-            <a:endParaRPr lang="en-US" sz="2800" dirty="0" smtClean="0">
+              <a:t>Filter out markers with high missing data (e.g., 30%).</a:t>
+            </a:r>
+            <a:endParaRPr lang="en-US" sz="2800" dirty="0">
               <a:solidFill>
                 <a:prstClr val="black"/>
               </a:solidFill>
@@ -19604,7 +18792,7 @@
           </a:p>
           <a:p>
             <a:r>
-              <a:rPr lang="en-US" sz="2800" dirty="0" smtClean="0"/>
+              <a:rPr lang="en-US" sz="2800" dirty="0"/>
               <a:t>Imputation can reduce missing data.</a:t>
             </a:r>
           </a:p>
@@ -19633,10 +18821,9 @@
           <a:lstStyle/>
           <a:p>
             <a:r>
-              <a:rPr lang="en-US" sz="3200" dirty="0" smtClean="0"/>
+              <a:rPr lang="en-US" sz="3200" dirty="0"/>
               <a:t>Genotyping data and filtering</a:t>
             </a:r>
-            <a:endParaRPr lang="en-US" sz="3200" dirty="0"/>
           </a:p>
         </p:txBody>
       </p:sp>
@@ -19663,10 +18850,9 @@
           <a:lstStyle/>
           <a:p>
             <a:r>
-              <a:rPr lang="en-US" dirty="0" smtClean="0"/>
+              <a:rPr lang="en-US" dirty="0"/>
               <a:t>MAF</a:t>
             </a:r>
-            <a:endParaRPr lang="en-US" dirty="0"/>
           </a:p>
         </p:txBody>
       </p:sp>
@@ -19815,16 +19001,15 @@
           <a:lstStyle/>
           <a:p>
             <a:r>
-              <a:rPr lang="en-US" dirty="0" smtClean="0"/>
+              <a:rPr lang="en-US" dirty="0"/>
               <a:t>Estimated</a:t>
             </a:r>
           </a:p>
           <a:p>
             <a:r>
-              <a:rPr lang="en-US" dirty="0" smtClean="0"/>
+              <a:rPr lang="en-US" dirty="0"/>
               <a:t>power</a:t>
             </a:r>
-            <a:endParaRPr lang="en-US" dirty="0"/>
           </a:p>
         </p:txBody>
       </p:sp>
@@ -19861,13 +19046,6 @@
   <p:clrMapOvr>
     <a:masterClrMapping/>
   </p:clrMapOvr>
-  <p:timing>
-    <p:tnLst>
-      <p:par>
-        <p:cTn xmlns:p14="http://schemas.microsoft.com/office/powerpoint/2010/main" id="1" dur="indefinite" restart="never" nodeType="tmRoot"/>
-      </p:par>
-    </p:tnLst>
-  </p:timing>
 </p:sld>
 </file>
 
@@ -20048,7 +19226,7 @@
           </a:lstStyle>
           <a:p>
             <a:r>
-              <a:rPr lang="en-US" sz="2400" b="1" dirty="0" smtClean="0"/>
+              <a:rPr lang="en-US" sz="2400" b="1" dirty="0"/>
               <a:t>Natural population</a:t>
             </a:r>
           </a:p>
@@ -20057,14 +19235,14 @@
               <a:buNone/>
             </a:pPr>
             <a:r>
-              <a:rPr lang="en-US" sz="2400" dirty="0" smtClean="0"/>
+              <a:rPr lang="en-US" sz="2400" dirty="0"/>
               <a:t>Diverse individual plant lines/animals/human beings.</a:t>
             </a:r>
-            <a:endParaRPr lang="en-US" sz="2400" b="1" dirty="0" smtClean="0"/>
-          </a:p>
-          <a:p>
-            <a:r>
-              <a:rPr lang="en-US" sz="2400" b="1" dirty="0" smtClean="0"/>
+            <a:endParaRPr lang="en-US" sz="2400" b="1" dirty="0"/>
+          </a:p>
+          <a:p>
+            <a:r>
+              <a:rPr lang="en-US" sz="2400" b="1" dirty="0"/>
               <a:t>Multi-parent crosses</a:t>
             </a:r>
           </a:p>
@@ -20074,7 +19252,7 @@
               <a:buAutoNum type="arabicPeriod"/>
             </a:pPr>
             <a:r>
-              <a:rPr lang="en-US" sz="2400" dirty="0" smtClean="0"/>
+              <a:rPr lang="en-US" sz="2400" dirty="0"/>
               <a:t>Nested association mapping lines (NAM)</a:t>
             </a:r>
           </a:p>
@@ -20084,16 +19262,12 @@
               <a:buAutoNum type="arabicPeriod"/>
             </a:pPr>
             <a:r>
-              <a:rPr lang="en-US" sz="2400" dirty="0" err="1" smtClean="0"/>
+              <a:rPr lang="en-US" sz="2400" dirty="0" err="1"/>
               <a:t>Multiparent</a:t>
             </a:r>
             <a:r>
-              <a:rPr lang="en-US" sz="2400" dirty="0" smtClean="0"/>
-              <a:t> </a:t>
-            </a:r>
-            <a:r>
               <a:rPr lang="en-US" sz="2400" dirty="0"/>
-              <a:t>Advanced Generation Inter-Cross (MAGIC)</a:t>
+              <a:t> Advanced Generation Inter-Cross (MAGIC)</a:t>
             </a:r>
           </a:p>
         </p:txBody>
@@ -20121,10 +19295,9 @@
           <a:lstStyle/>
           <a:p>
             <a:r>
-              <a:rPr lang="en-US" sz="3200" dirty="0" smtClean="0"/>
+              <a:rPr lang="en-US" sz="3200" dirty="0"/>
               <a:t>Mapping populations</a:t>
             </a:r>
-            <a:endParaRPr lang="en-US" sz="3200" dirty="0"/>
           </a:p>
         </p:txBody>
       </p:sp>
@@ -20164,7 +19337,7 @@
           <a:effectLst/>
           <a:extLst>
             <a:ext uri="{909E8E84-426E-40dd-AFC4-6F175D3DCCD1}">
-              <a14:hiddenFill xmlns:a14="http://schemas.microsoft.com/office/drawing/2010/main">
+              <a14:hiddenFill xmlns:a14="http://schemas.microsoft.com/office/drawing/2010/main" xmlns="">
                 <a:blipFill dpi="0" rotWithShape="0">
                   <a:blip/>
                   <a:srcRect/>
@@ -20175,7 +19348,7 @@
               </a14:hiddenFill>
             </a:ext>
             <a:ext uri="{91240B29-F687-4f45-9708-019B960494DF}">
-              <a14:hiddenLine xmlns:a14="http://schemas.microsoft.com/office/drawing/2010/main" w="9525">
+              <a14:hiddenLine xmlns:a14="http://schemas.microsoft.com/office/drawing/2010/main" xmlns="" w="9525">
                 <a:solidFill>
                   <a:srgbClr val="FFFFFF"/>
                 </a:solidFill>
@@ -20185,7 +19358,7 @@
               </a14:hiddenLine>
             </a:ext>
             <a:ext uri="{AF507438-7753-43e0-B8FC-AC1667EBCBE1}">
-              <a14:hiddenEffects xmlns:a14="http://schemas.microsoft.com/office/drawing/2010/main">
+              <a14:hiddenEffects xmlns:a14="http://schemas.microsoft.com/office/drawing/2010/main" xmlns="">
                 <a:effectLst>
                   <a:outerShdw blurRad="63500" dist="38099" dir="2700000" algn="ctr" rotWithShape="0">
                     <a:srgbClr val="000000">
@@ -20221,14 +19394,14 @@
           <a:effectLst/>
           <a:extLst>
             <a:ext uri="{909E8E84-426E-40dd-AFC4-6F175D3DCCD1}">
-              <a14:hiddenFill xmlns:a14="http://schemas.microsoft.com/office/drawing/2010/main">
+              <a14:hiddenFill xmlns:a14="http://schemas.microsoft.com/office/drawing/2010/main" xmlns="">
                 <a:solidFill>
                   <a:srgbClr val="FFFFFF"/>
                 </a:solidFill>
               </a14:hiddenFill>
             </a:ext>
             <a:ext uri="{91240B29-F687-4f45-9708-019B960494DF}">
-              <a14:hiddenLine xmlns:a14="http://schemas.microsoft.com/office/drawing/2010/main" w="9525">
+              <a14:hiddenLine xmlns:a14="http://schemas.microsoft.com/office/drawing/2010/main" xmlns="" w="9525">
                 <a:solidFill>
                   <a:srgbClr val="FFFFFF"/>
                 </a:solidFill>
@@ -20238,7 +19411,7 @@
               </a14:hiddenLine>
             </a:ext>
             <a:ext uri="{AF507438-7753-43e0-B8FC-AC1667EBCBE1}">
-              <a14:hiddenEffects xmlns:a14="http://schemas.microsoft.com/office/drawing/2010/main">
+              <a14:hiddenEffects xmlns:a14="http://schemas.microsoft.com/office/drawing/2010/main" xmlns="">
                 <a:effectLst>
                   <a:outerShdw blurRad="63500" dist="38099" dir="2700000" algn="ctr" rotWithShape="0">
                     <a:srgbClr val="000000">
@@ -20465,16 +19638,10 @@
           </a:lstStyle>
           <a:p>
             <a:r>
-              <a:rPr lang="en-GB" sz="1000" dirty="0" smtClean="0">
-                <a:latin typeface="Arial" charset="0"/>
-              </a:rPr>
-              <a:t>Yu et al., Genetics </a:t>
-            </a:r>
-            <a:r>
               <a:rPr lang="en-GB" sz="1000" dirty="0">
                 <a:latin typeface="Arial" charset="0"/>
               </a:rPr>
-              <a:t>2008;178:539-551</a:t>
+              <a:t>Yu et al., Genetics 2008;178:539-551</a:t>
             </a:r>
           </a:p>
         </p:txBody>
@@ -20532,20 +19699,8 @@
           <a:lstStyle/>
           <a:p>
             <a:r>
-              <a:rPr lang="en-US" sz="1000" dirty="0" smtClean="0"/>
-              <a:t>Huang et al., Plant </a:t>
-            </a:r>
-            <a:r>
               <a:rPr lang="en-US" sz="1000" dirty="0"/>
-              <a:t>Biotechnology Journal </a:t>
-            </a:r>
-            <a:r>
-              <a:rPr lang="en-US" sz="1000" dirty="0" smtClean="0"/>
-              <a:t>2012; 10:826</a:t>
-            </a:r>
-            <a:r>
-              <a:rPr lang="en-US" sz="1000" dirty="0"/>
-              <a:t>–839</a:t>
+              <a:t>Huang et al., Plant Biotechnology Journal 2012; 10:826–839</a:t>
             </a:r>
           </a:p>
         </p:txBody>
@@ -20583,13 +19738,6 @@
   <p:clrMapOvr>
     <a:masterClrMapping/>
   </p:clrMapOvr>
-  <p:timing>
-    <p:tnLst>
-      <p:par>
-        <p:cTn xmlns:p14="http://schemas.microsoft.com/office/powerpoint/2010/main" id="1" dur="indefinite" restart="never" nodeType="tmRoot"/>
-      </p:par>
-    </p:tnLst>
-  </p:timing>
 </p:sld>
 </file>
 
@@ -20633,10 +19781,9 @@
           <a:lstStyle/>
           <a:p>
             <a:r>
-              <a:rPr lang="en-US" sz="3200" dirty="0" smtClean="0"/>
+              <a:rPr lang="en-US" sz="3200" dirty="0"/>
               <a:t>Statistical test for each SNP</a:t>
             </a:r>
-            <a:endParaRPr lang="en-US" sz="3200" dirty="0"/>
           </a:p>
         </p:txBody>
       </p:sp>
@@ -20663,7 +19810,7 @@
           <a:graphicData uri="http://schemas.openxmlformats.org/presentationml/2006/ole">
             <mc:AlternateContent xmlns:mc="http://schemas.openxmlformats.org/markup-compatibility/2006">
               <mc:Choice xmlns:v="urn:schemas-microsoft-com:vml" Requires="v">
-                <p:oleObj spid="_x0000_s3392" name="Equation" r:id="rId3" imgW="990600" imgH="203200" progId="Equation.3">
+                <p:oleObj spid="_x0000_s3395" name="Equation" r:id="rId3" imgW="990600" imgH="203200" progId="Equation.3">
                   <p:embed/>
                 </p:oleObj>
               </mc:Choice>
@@ -20740,11 +19887,11 @@
                 </a:lnSpc>
               </a:pPr>
               <a:r>
-                <a:rPr lang="en-US" sz="2800" i="1" dirty="0" smtClean="0"/>
+                <a:rPr lang="en-US" sz="2800" i="1" dirty="0"/>
                 <a:t>y</a:t>
               </a:r>
               <a:r>
-                <a:rPr lang="en-US" sz="2800" dirty="0" smtClean="0"/>
+                <a:rPr lang="en-US" sz="2800" dirty="0"/>
                 <a:t>: trait data</a:t>
               </a:r>
             </a:p>
@@ -20755,7 +19902,7 @@
                 </a:lnSpc>
               </a:pPr>
               <a:r>
-                <a:rPr lang="en-US" sz="2800" dirty="0" smtClean="0"/>
+                <a:rPr lang="en-US" sz="2800" dirty="0"/>
                 <a:t>     : all non-variant fixed effect</a:t>
               </a:r>
             </a:p>
@@ -20766,10 +19913,9 @@
                 </a:lnSpc>
               </a:pPr>
               <a:r>
-                <a:rPr lang="en-US" sz="2800" dirty="0" smtClean="0"/>
+                <a:rPr lang="en-US" sz="2800" dirty="0"/>
                 <a:t>     : variant effects</a:t>
               </a:r>
-              <a:endParaRPr lang="en-US" sz="2800" dirty="0"/>
             </a:p>
           </p:txBody>
         </p:sp>
@@ -20795,7 +19941,7 @@
             <a:graphicData uri="http://schemas.openxmlformats.org/presentationml/2006/ole">
               <mc:AlternateContent xmlns:mc="http://schemas.openxmlformats.org/markup-compatibility/2006">
                 <mc:Choice xmlns:v="urn:schemas-microsoft-com:vml" Requires="v">
-                  <p:oleObj spid="_x0000_s3393" name="Equation" r:id="rId5" imgW="254000" imgH="203200" progId="Equation.3">
+                  <p:oleObj spid="_x0000_s3396" name="Equation" r:id="rId5" imgW="254000" imgH="203200" progId="Equation.3">
                     <p:embed/>
                   </p:oleObj>
                 </mc:Choice>
@@ -20852,7 +19998,7 @@
             <a:graphicData uri="http://schemas.openxmlformats.org/presentationml/2006/ole">
               <mc:AlternateContent xmlns:mc="http://schemas.openxmlformats.org/markup-compatibility/2006">
                 <mc:Choice xmlns:v="urn:schemas-microsoft-com:vml" Requires="v">
-                  <p:oleObj spid="_x0000_s3394" name="Equation" r:id="rId7" imgW="228600" imgH="165100" progId="Equation.3">
+                  <p:oleObj spid="_x0000_s3397" name="Equation" r:id="rId7" imgW="228600" imgH="165100" progId="Equation.3">
                     <p:embed/>
                   </p:oleObj>
                 </mc:Choice>
@@ -20911,18 +20057,9 @@
           <a:lstStyle/>
           <a:p>
             <a:r>
-              <a:rPr lang="en-US" sz="2800" dirty="0" smtClean="0"/>
-              <a:t>This </a:t>
-            </a:r>
-            <a:r>
-              <a:rPr lang="en-US" sz="2800" dirty="0" smtClean="0"/>
-              <a:t>model </a:t>
-            </a:r>
-            <a:r>
-              <a:rPr lang="en-US" sz="2800" dirty="0" smtClean="0"/>
-              <a:t>is not sufficient to explain phenotypic data.</a:t>
-            </a:r>
-            <a:endParaRPr lang="en-US" sz="2800" dirty="0"/>
+              <a:rPr lang="en-US" sz="2800" dirty="0"/>
+              <a:t>This model is not sufficient to explain phenotypic data.</a:t>
+            </a:r>
           </a:p>
         </p:txBody>
       </p:sp>
@@ -20959,13 +20096,6 @@
   <p:clrMapOvr>
     <a:masterClrMapping/>
   </p:clrMapOvr>
-  <p:timing>
-    <p:tnLst>
-      <p:par>
-        <p:cTn xmlns:p14="http://schemas.microsoft.com/office/powerpoint/2010/main" id="1" dur="indefinite" restart="never" nodeType="tmRoot"/>
-      </p:par>
-    </p:tnLst>
-  </p:timing>
 </p:sld>
 </file>
 
@@ -21009,10 +20139,9 @@
           <a:lstStyle/>
           <a:p>
             <a:r>
-              <a:rPr lang="en-US" sz="3200" dirty="0" smtClean="0"/>
+              <a:rPr lang="en-US" sz="3200" dirty="0"/>
               <a:t>Spurious associations</a:t>
             </a:r>
-            <a:endParaRPr lang="en-US" sz="3200" dirty="0"/>
           </a:p>
         </p:txBody>
       </p:sp>
@@ -21039,10 +20168,9 @@
           <a:lstStyle/>
           <a:p>
             <a:r>
-              <a:rPr lang="en-US" sz="2400" dirty="0" smtClean="0"/>
+              <a:rPr lang="en-US" sz="2400" dirty="0"/>
               <a:t>Early flowering</a:t>
             </a:r>
-            <a:endParaRPr lang="en-US" sz="2400" dirty="0"/>
           </a:p>
         </p:txBody>
       </p:sp>
@@ -21069,10 +20197,9 @@
           <a:lstStyle/>
           <a:p>
             <a:r>
-              <a:rPr lang="en-US" sz="2400" dirty="0" smtClean="0"/>
+              <a:rPr lang="en-US" sz="2400" dirty="0"/>
               <a:t>Later flowering</a:t>
             </a:r>
-            <a:endParaRPr lang="en-US" sz="2400" dirty="0"/>
           </a:p>
         </p:txBody>
       </p:sp>
@@ -21099,10 +20226,9 @@
           <a:lstStyle/>
           <a:p>
             <a:r>
-              <a:rPr lang="en-US" sz="2800" dirty="0" smtClean="0"/>
+              <a:rPr lang="en-US" sz="2800" dirty="0"/>
               <a:t>Flowering time is confounded with Populations </a:t>
             </a:r>
-            <a:endParaRPr lang="en-US" sz="2800" dirty="0"/>
           </a:p>
         </p:txBody>
       </p:sp>
@@ -21130,13 +20256,8 @@
           <a:p>
             <a:r>
               <a:rPr lang="en-US" dirty="0"/>
-              <a:t>Modified </a:t>
-            </a:r>
-            <a:r>
-              <a:rPr lang="en-US" dirty="0" smtClean="0"/>
-              <a:t>from Balding et al., Nature Review Genetics, 2006, 7:781  </a:t>
-            </a:r>
-            <a:endParaRPr lang="en-US" dirty="0"/>
+              <a:t>Modified from Balding et al., Nature Review Genetics, 2006, 7:781  </a:t>
+            </a:r>
           </a:p>
         </p:txBody>
       </p:sp>
@@ -23194,10 +22315,9 @@
           <a:lstStyle/>
           <a:p>
             <a:r>
-              <a:rPr lang="en-US" dirty="0" smtClean="0"/>
+              <a:rPr lang="en-US" dirty="0"/>
               <a:t>population 1</a:t>
             </a:r>
-            <a:endParaRPr lang="en-US" dirty="0"/>
           </a:p>
         </p:txBody>
       </p:sp>
@@ -23224,10 +22344,9 @@
           <a:lstStyle/>
           <a:p>
             <a:r>
-              <a:rPr lang="en-US" dirty="0" smtClean="0"/>
+              <a:rPr lang="en-US" dirty="0"/>
               <a:t>population 2</a:t>
             </a:r>
-            <a:endParaRPr lang="en-US" dirty="0"/>
           </a:p>
         </p:txBody>
       </p:sp>
@@ -23244,7 +22363,7 @@
   <p:timing>
     <p:tnLst>
       <p:par>
-        <p:cTn xmlns:p14="http://schemas.microsoft.com/office/powerpoint/2010/main" id="1" dur="indefinite" restart="never" nodeType="tmRoot">
+        <p:cTn id="1" dur="indefinite" restart="never" nodeType="tmRoot">
           <p:childTnLst>
             <p:seq concurrent="1" nextAc="seek">
               <p:cTn id="2" dur="indefinite" nodeType="mainSeq">
@@ -23463,14 +22582,13 @@
           <a:lstStyle/>
           <a:p>
             <a:r>
-              <a:rPr lang="en-US" sz="3200" dirty="0" err="1" smtClean="0"/>
+              <a:rPr lang="en-US" sz="3200" dirty="0" err="1"/>
               <a:t>quantile-quantile</a:t>
             </a:r>
             <a:r>
-              <a:rPr lang="en-US" sz="3200" dirty="0" smtClean="0"/>
+              <a:rPr lang="en-US" sz="3200" dirty="0"/>
               <a:t> (Q-Q) p-value plot</a:t>
             </a:r>
-            <a:endParaRPr lang="en-US" sz="3200" dirty="0"/>
           </a:p>
         </p:txBody>
       </p:sp>
@@ -23557,10 +22675,9 @@
           <a:lstStyle/>
           <a:p>
             <a:r>
-              <a:rPr lang="en-US" dirty="0" smtClean="0"/>
+              <a:rPr lang="en-US" dirty="0"/>
               <a:t>Balding et al., Nature Review Genetics, 2006, 7:781  </a:t>
             </a:r>
-            <a:endParaRPr lang="en-US" dirty="0"/>
           </a:p>
         </p:txBody>
       </p:sp>
@@ -23597,13 +22714,6 @@
   <p:clrMapOvr>
     <a:masterClrMapping/>
   </p:clrMapOvr>
-  <p:timing>
-    <p:tnLst>
-      <p:par>
-        <p:cTn xmlns:p14="http://schemas.microsoft.com/office/powerpoint/2010/main" id="1" dur="indefinite" restart="never" nodeType="tmRoot"/>
-      </p:par>
-    </p:tnLst>
-  </p:timing>
 </p:sld>
 </file>
 
@@ -23647,14 +22757,13 @@
           <a:lstStyle/>
           <a:p>
             <a:r>
-              <a:rPr lang="en-US" sz="3200" dirty="0" err="1" smtClean="0"/>
+              <a:rPr lang="en-US" sz="3200" dirty="0" err="1"/>
               <a:t>Outgroup</a:t>
             </a:r>
             <a:r>
-              <a:rPr lang="en-US" sz="3200" dirty="0" smtClean="0"/>
+              <a:rPr lang="en-US" sz="3200" dirty="0"/>
               <a:t> rooting</a:t>
             </a:r>
-            <a:endParaRPr lang="en-US" sz="3200" dirty="0"/>
           </a:p>
         </p:txBody>
       </p:sp>
@@ -23681,28 +22790,16 @@
           <a:lstStyle/>
           <a:p>
             <a:r>
-              <a:rPr lang="en-US" sz="2800" dirty="0" smtClean="0"/>
+              <a:rPr lang="en-US" sz="2800" dirty="0"/>
               <a:t>Many methods (e.g., NJ) construct </a:t>
             </a:r>
             <a:r>
-              <a:rPr lang="en-US" sz="2800" dirty="0" err="1" smtClean="0"/>
+              <a:rPr lang="en-US" sz="2800" dirty="0" err="1"/>
               <a:t>unrooted</a:t>
             </a:r>
             <a:r>
-              <a:rPr lang="en-US" sz="2800" dirty="0" smtClean="0"/>
+              <a:rPr lang="en-US" sz="2800" dirty="0"/>
               <a:t> tree. An </a:t>
-            </a:r>
-            <a:r>
-              <a:rPr lang="en-US" sz="2800" dirty="0" err="1" smtClean="0"/>
-              <a:t>outgroup</a:t>
-            </a:r>
-            <a:r>
-              <a:rPr lang="en-US" sz="2800" dirty="0" smtClean="0"/>
-              <a:t> can be introduced to identify the “root”. This </a:t>
-            </a:r>
-            <a:r>
-              <a:rPr lang="en-US" sz="2800" dirty="0"/>
-              <a:t>strategy is called </a:t>
             </a:r>
             <a:r>
               <a:rPr lang="en-US" sz="2800" dirty="0" err="1"/>
@@ -23710,9 +22807,16 @@
             </a:r>
             <a:r>
               <a:rPr lang="en-US" sz="2800" dirty="0"/>
+              <a:t> can be introduced to identify the “root”. This strategy is called </a:t>
+            </a:r>
+            <a:r>
+              <a:rPr lang="en-US" sz="2800" dirty="0" err="1"/>
+              <a:t>outgroup</a:t>
+            </a:r>
+            <a:r>
+              <a:rPr lang="en-US" sz="2800" dirty="0"/>
               <a:t> rooting. </a:t>
             </a:r>
-            <a:endParaRPr lang="en-US" sz="2800" dirty="0" smtClean="0"/>
           </a:p>
           <a:p>
             <a:pPr marL="0" indent="0">
@@ -23722,15 +22826,15 @@
           </a:p>
           <a:p>
             <a:r>
-              <a:rPr lang="en-US" sz="2800" dirty="0" smtClean="0"/>
+              <a:rPr lang="en-US" sz="2800" dirty="0"/>
               <a:t>A good </a:t>
             </a:r>
             <a:r>
-              <a:rPr lang="en-US" sz="2800" dirty="0" err="1" smtClean="0"/>
+              <a:rPr lang="en-US" sz="2800" dirty="0" err="1"/>
               <a:t>outgroup</a:t>
             </a:r>
             <a:r>
-              <a:rPr lang="en-US" sz="2800" dirty="0" smtClean="0"/>
+              <a:rPr lang="en-US" sz="2800" dirty="0"/>
               <a:t> needs to satisfy:</a:t>
             </a:r>
           </a:p>
@@ -23740,14 +22844,14 @@
               <a:buAutoNum type="arabicPeriod"/>
             </a:pPr>
             <a:r>
-              <a:rPr lang="en-US" sz="2800" dirty="0" smtClean="0"/>
+              <a:rPr lang="en-US" sz="2800" dirty="0"/>
               <a:t>not a member of the </a:t>
             </a:r>
             <a:r>
-              <a:rPr lang="en-US" sz="2800" dirty="0" err="1" smtClean="0"/>
+              <a:rPr lang="en-US" sz="2800" dirty="0" err="1"/>
               <a:t>ingroup</a:t>
             </a:r>
-            <a:endParaRPr lang="en-US" sz="2800" dirty="0" smtClean="0"/>
+            <a:endParaRPr lang="en-US" sz="2800" dirty="0"/>
           </a:p>
           <a:p>
             <a:pPr marL="457200" indent="-457200">
@@ -23755,15 +22859,11 @@
               <a:buAutoNum type="arabicPeriod"/>
             </a:pPr>
             <a:r>
-              <a:rPr lang="en-US" sz="2800" dirty="0" smtClean="0"/>
-              <a:t>close related </a:t>
-            </a:r>
-            <a:r>
               <a:rPr lang="en-US" sz="2800" dirty="0"/>
-              <a:t>to the </a:t>
-            </a:r>
-            <a:r>
-              <a:rPr lang="en-US" sz="2800" dirty="0" err="1" smtClean="0"/>
+              <a:t>close related to the </a:t>
+            </a:r>
+            <a:r>
+              <a:rPr lang="en-US" sz="2800" dirty="0" err="1"/>
               <a:t>ingroup</a:t>
             </a:r>
             <a:endParaRPr lang="en-US" sz="2800" dirty="0"/>
@@ -23780,13 +22880,6 @@
   <p:clrMapOvr>
     <a:masterClrMapping/>
   </p:clrMapOvr>
-  <p:timing>
-    <p:tnLst>
-      <p:par>
-        <p:cTn xmlns:p14="http://schemas.microsoft.com/office/powerpoint/2010/main" id="1" dur="indefinite" restart="never" nodeType="tmRoot"/>
-      </p:par>
-    </p:tnLst>
-  </p:timing>
 </p:sld>
 </file>
 
@@ -23830,28 +22923,16 @@
           <a:lstStyle/>
           <a:p>
             <a:r>
-              <a:rPr lang="en-US" sz="2800" b="1" dirty="0" smtClean="0"/>
-              <a:t>Population </a:t>
-            </a:r>
-            <a:r>
               <a:rPr lang="en-US" sz="2800" b="1" dirty="0"/>
-              <a:t>structure </a:t>
-            </a:r>
-            <a:r>
-              <a:rPr lang="en-US" sz="2800" b="1" dirty="0" smtClean="0"/>
-              <a:t>(Q)</a:t>
+              <a:t>Population structure (Q)</a:t>
             </a:r>
           </a:p>
           <a:p>
             <a:r>
               <a:rPr lang="en-US" sz="2800" dirty="0"/>
-              <a:t>Confounding structure leads to false positive</a:t>
-            </a:r>
-            <a:r>
-              <a:rPr lang="en-US" sz="2800" dirty="0" smtClean="0"/>
-              <a:t>.</a:t>
-            </a:r>
-            <a:endParaRPr lang="en-US" sz="2800" b="1" dirty="0" smtClean="0"/>
+              <a:t>Confounding structure leads to false positive.</a:t>
+            </a:r>
+            <a:endParaRPr lang="en-US" sz="2800" b="1" dirty="0"/>
           </a:p>
           <a:p>
             <a:pPr marL="342900" indent="-342900">
@@ -23859,7 +22940,7 @@
               <a:buChar char="•"/>
             </a:pPr>
             <a:r>
-              <a:rPr lang="en-US" sz="2800" dirty="0" smtClean="0"/>
+              <a:rPr lang="en-US" sz="2800" dirty="0"/>
               <a:t>Define a set of markers</a:t>
             </a:r>
           </a:p>
@@ -23869,7 +22950,7 @@
               <a:buChar char="•"/>
             </a:pPr>
             <a:r>
-              <a:rPr lang="en-US" sz="2800" dirty="0" smtClean="0"/>
+              <a:rPr lang="en-US" sz="2800" dirty="0"/>
               <a:t>Population structure:</a:t>
             </a:r>
           </a:p>
@@ -23879,12 +22960,8 @@
               <a:buAutoNum type="arabicPeriod"/>
             </a:pPr>
             <a:r>
-              <a:rPr lang="en-US" sz="2800" dirty="0" smtClean="0"/>
-              <a:t>Principal Component Analysis (PCA) </a:t>
-            </a:r>
-            <a:r>
               <a:rPr lang="en-US" sz="2800" dirty="0"/>
-              <a:t>(</a:t>
+              <a:t>Principal Component Analysis (PCA) (</a:t>
             </a:r>
             <a:r>
               <a:rPr lang="en-US" sz="2800" dirty="0">
@@ -23895,10 +22972,9 @@
               <a:t>EIGENSOFT</a:t>
             </a:r>
             <a:r>
-              <a:rPr lang="en-US" sz="2800" dirty="0" smtClean="0"/>
+              <a:rPr lang="en-US" sz="2800" dirty="0"/>
               <a:t>)</a:t>
             </a:r>
-            <a:endParaRPr lang="en-US" sz="2800" dirty="0"/>
           </a:p>
           <a:p>
             <a:pPr marL="457200" indent="-457200">
@@ -23906,11 +22982,11 @@
               <a:buAutoNum type="arabicPeriod"/>
             </a:pPr>
             <a:r>
-              <a:rPr lang="en-US" sz="2800" dirty="0" smtClean="0"/>
+              <a:rPr lang="en-US" sz="2800" dirty="0"/>
               <a:t>Distance-based cluster (</a:t>
             </a:r>
             <a:r>
-              <a:rPr lang="en-US" sz="2800" dirty="0" smtClean="0">
+              <a:rPr lang="en-US" sz="2800" dirty="0">
                 <a:solidFill>
                   <a:srgbClr val="3366FF"/>
                 </a:solidFill>
@@ -23918,7 +22994,7 @@
               <a:t>R/stats</a:t>
             </a:r>
             <a:r>
-              <a:rPr lang="en-US" sz="2800" dirty="0" smtClean="0"/>
+              <a:rPr lang="en-US" sz="2800" dirty="0"/>
               <a:t>)</a:t>
             </a:r>
           </a:p>
@@ -23928,7 +23004,7 @@
               <a:buAutoNum type="arabicPeriod"/>
             </a:pPr>
             <a:r>
-              <a:rPr lang="en-US" sz="2800" dirty="0" smtClean="0"/>
+              <a:rPr lang="en-US" sz="2800" dirty="0"/>
               <a:t>Model-based clustering (</a:t>
             </a:r>
             <a:r>
@@ -23941,11 +23017,7 @@
             </a:r>
             <a:r>
               <a:rPr lang="en-US" sz="2800" dirty="0"/>
-              <a:t> </a:t>
-            </a:r>
-            <a:r>
-              <a:rPr lang="en-US" sz="2800" dirty="0" smtClean="0"/>
-              <a:t>) </a:t>
+              <a:t> ) </a:t>
             </a:r>
           </a:p>
         </p:txBody>
@@ -23972,7 +23044,7 @@
           <a:graphicData uri="http://schemas.openxmlformats.org/presentationml/2006/ole">
             <mc:AlternateContent xmlns:mc="http://schemas.openxmlformats.org/markup-compatibility/2006">
               <mc:Choice xmlns:v="urn:schemas-microsoft-com:vml" Requires="v">
-                <p:oleObj spid="_x0000_s6265" name="Equation" r:id="rId4" imgW="1282700" imgH="203200" progId="Equation.3">
+                <p:oleObj spid="_x0000_s6266" name="Equation" r:id="rId4" imgW="1282700" imgH="203200" progId="Equation.3">
                   <p:embed/>
                 </p:oleObj>
               </mc:Choice>
@@ -24030,10 +23102,9 @@
           <a:lstStyle/>
           <a:p>
             <a:r>
-              <a:rPr lang="en-US" sz="3200" dirty="0" smtClean="0"/>
+              <a:rPr lang="en-US" sz="3200" dirty="0"/>
               <a:t>Population structure (Q)</a:t>
             </a:r>
-            <a:endParaRPr lang="en-US" sz="3200" dirty="0"/>
           </a:p>
         </p:txBody>
       </p:sp>
@@ -24060,18 +23131,13 @@
           <a:lstStyle/>
           <a:p>
             <a:r>
-              <a:rPr lang="en-US" sz="2400" dirty="0" smtClean="0">
+              <a:rPr lang="en-US" sz="2400" dirty="0">
                 <a:solidFill>
                   <a:srgbClr val="FF0000"/>
                 </a:solidFill>
               </a:rPr>
               <a:t>Fixed effect</a:t>
             </a:r>
-            <a:endParaRPr lang="en-US" sz="2400" dirty="0">
-              <a:solidFill>
-                <a:srgbClr val="FF0000"/>
-              </a:solidFill>
-            </a:endParaRPr>
           </a:p>
         </p:txBody>
       </p:sp>
@@ -24161,13 +23227,6 @@
   <p:clrMapOvr>
     <a:masterClrMapping/>
   </p:clrMapOvr>
-  <p:timing>
-    <p:tnLst>
-      <p:par>
-        <p:cTn xmlns:p14="http://schemas.microsoft.com/office/powerpoint/2010/main" id="1" dur="indefinite" restart="never" nodeType="tmRoot"/>
-      </p:par>
-    </p:tnLst>
-  </p:timing>
 </p:sld>
 </file>
 
@@ -24215,16 +23274,8 @@
               <a:buChar char="•"/>
             </a:pPr>
             <a:r>
-              <a:rPr lang="en-US" sz="2800" b="1" dirty="0" smtClean="0"/>
-              <a:t>Population </a:t>
-            </a:r>
-            <a:r>
               <a:rPr lang="en-US" sz="2800" b="1" dirty="0"/>
-              <a:t>structure </a:t>
-            </a:r>
-            <a:r>
-              <a:rPr lang="en-US" sz="2800" b="1" dirty="0" smtClean="0"/>
-              <a:t>(Q)</a:t>
+              <a:t>Population structure (Q)</a:t>
             </a:r>
           </a:p>
           <a:p>
@@ -24232,7 +23283,7 @@
               <a:buFont typeface="Arial"/>
               <a:buChar char="•"/>
             </a:pPr>
-            <a:endParaRPr lang="en-US" sz="2800" dirty="0" smtClean="0"/>
+            <a:endParaRPr lang="en-US" sz="2800" dirty="0"/>
           </a:p>
           <a:p>
             <a:pPr marL="342900" indent="-342900">
@@ -24240,46 +23291,14 @@
               <a:buChar char="•"/>
             </a:pPr>
             <a:r>
-              <a:rPr lang="en-US" sz="2800" b="1" dirty="0" smtClean="0"/>
-              <a:t>Kinship </a:t>
-            </a:r>
-            <a:r>
-              <a:rPr lang="en-US" sz="2800" b="1" dirty="0" smtClean="0"/>
-              <a:t>(</a:t>
-            </a:r>
-            <a:r>
-              <a:rPr lang="en-US" sz="2800" b="1" dirty="0" smtClean="0"/>
-              <a:t>K</a:t>
-            </a:r>
-            <a:r>
               <a:rPr lang="en-US" sz="2800" b="1" dirty="0"/>
-              <a:t>) - cryptic relatedness: </a:t>
+              <a:t>Kinship (K) - cryptic relatedness: </a:t>
             </a:r>
             <a:r>
               <a:rPr lang="en-US" sz="2800" dirty="0"/>
-              <a:t>T</a:t>
-            </a:r>
-            <a:r>
-              <a:rPr lang="en-US" sz="2800" dirty="0" smtClean="0"/>
-              <a:t>he probability that two </a:t>
-            </a:r>
-            <a:r>
-              <a:rPr lang="en-US" sz="2800" dirty="0" smtClean="0"/>
-              <a:t>homologous genes </a:t>
-            </a:r>
-            <a:r>
-              <a:rPr lang="en-US" sz="2800" dirty="0" smtClean="0"/>
-              <a:t>are identical by descent, estimated </a:t>
-            </a:r>
-            <a:r>
-              <a:rPr lang="en-US" sz="2800" dirty="0"/>
-              <a:t>by using all genotyped </a:t>
-            </a:r>
-            <a:r>
-              <a:rPr lang="en-US" sz="2800" dirty="0" smtClean="0"/>
-              <a:t>markers.</a:t>
-            </a:r>
-            <a:endParaRPr lang="en-US" sz="2800" b="1" dirty="0" smtClean="0"/>
+              <a:t>The probability that two homologous genes are identical by descent, estimated by using all genotyped markers.</a:t>
+            </a:r>
+            <a:endParaRPr lang="en-US" sz="2800" b="1" dirty="0"/>
           </a:p>
         </p:txBody>
       </p:sp>
@@ -24335,7 +23354,7 @@
           <a:lstStyle/>
           <a:p>
             <a:r>
-              <a:rPr lang="en-US" sz="2800" b="1" dirty="0" smtClean="0">
+              <a:rPr lang="en-US" sz="2800" b="1" dirty="0">
                 <a:solidFill>
                   <a:srgbClr val="17375E"/>
                 </a:solidFill>
@@ -24343,12 +23362,8 @@
               <a:t>Mixed</a:t>
             </a:r>
             <a:r>
-              <a:rPr lang="en-US" sz="2800" dirty="0" smtClean="0"/>
-              <a:t> </a:t>
-            </a:r>
-            <a:r>
               <a:rPr lang="en-US" sz="2800" dirty="0"/>
-              <a:t>linear model (MLM)</a:t>
+              <a:t> linear model (MLM)</a:t>
             </a:r>
           </a:p>
         </p:txBody>
@@ -24375,7 +23390,7 @@
           <a:graphicData uri="http://schemas.openxmlformats.org/presentationml/2006/ole">
             <mc:AlternateContent xmlns:mc="http://schemas.openxmlformats.org/markup-compatibility/2006">
               <mc:Choice xmlns:v="urn:schemas-microsoft-com:vml" Requires="v">
-                <p:oleObj spid="_x0000_s7282" name="Equation" r:id="rId4" imgW="1574800" imgH="203200" progId="Equation.3">
+                <p:oleObj spid="_x0000_s7283" name="Equation" r:id="rId4" imgW="1574800" imgH="203200" progId="Equation.3">
                   <p:embed/>
                 </p:oleObj>
               </mc:Choice>
@@ -24478,18 +23493,13 @@
           <a:lstStyle/>
           <a:p>
             <a:r>
-              <a:rPr lang="en-US" sz="2400" dirty="0" smtClean="0">
+              <a:rPr lang="en-US" sz="2400" dirty="0">
                 <a:solidFill>
                   <a:srgbClr val="FF0000"/>
                 </a:solidFill>
               </a:rPr>
               <a:t>Random effect</a:t>
             </a:r>
-            <a:endParaRPr lang="en-US" sz="2400" dirty="0">
-              <a:solidFill>
-                <a:srgbClr val="FF0000"/>
-              </a:solidFill>
-            </a:endParaRPr>
           </a:p>
         </p:txBody>
       </p:sp>
@@ -24526,13 +23536,6 @@
   <p:clrMapOvr>
     <a:masterClrMapping/>
   </p:clrMapOvr>
-  <p:timing>
-    <p:tnLst>
-      <p:par>
-        <p:cTn xmlns:p14="http://schemas.microsoft.com/office/powerpoint/2010/main" id="1" dur="indefinite" restart="never" nodeType="tmRoot"/>
-      </p:par>
-    </p:tnLst>
-  </p:timing>
 </p:sld>
 </file>
 
@@ -24569,14 +23572,9 @@
           <a:lstStyle/>
           <a:p>
             <a:r>
-              <a:rPr lang="en-US" dirty="0" smtClean="0"/>
-              <a:t>Mixed linear model (Q+</a:t>
-            </a:r>
-            <a:r>
-              <a:rPr lang="en-US" dirty="0" smtClean="0"/>
-              <a:t>K MLM)</a:t>
-            </a:r>
-            <a:endParaRPr lang="en-US" dirty="0"/>
+              <a:rPr lang="en-US" dirty="0"/>
+              <a:t>Mixed linear model (Q+K MLM)</a:t>
+            </a:r>
           </a:p>
         </p:txBody>
       </p:sp>
@@ -24657,14 +23655,10 @@
           <a:p>
             <a:r>
               <a:rPr lang="en-US" sz="2800" dirty="0"/>
-              <a:t>The mixed </a:t>
-            </a:r>
-            <a:r>
-              <a:rPr lang="en-US" sz="2800" dirty="0" smtClean="0"/>
-              <a:t>model (</a:t>
-            </a:r>
-            <a:r>
-              <a:rPr lang="en-US" sz="2800" dirty="0" smtClean="0">
+              <a:t>The mixed model (</a:t>
+            </a:r>
+            <a:r>
+              <a:rPr lang="en-US" sz="2800" dirty="0">
                 <a:solidFill>
                   <a:srgbClr val="1453E3"/>
                 </a:solidFill>
@@ -24672,20 +23666,8 @@
               <a:t>blue</a:t>
             </a:r>
             <a:r>
-              <a:rPr lang="en-US" sz="2800" dirty="0" smtClean="0"/>
-              <a:t>) </a:t>
-            </a:r>
-            <a:r>
               <a:rPr lang="en-US" sz="2800" dirty="0"/>
-              <a:t>dramatically reduces inflation </a:t>
-            </a:r>
-            <a:r>
-              <a:rPr lang="en-US" sz="2800" dirty="0" smtClean="0"/>
-              <a:t>of p</a:t>
-            </a:r>
-            <a:r>
-              <a:rPr lang="en-US" sz="2800" dirty="0"/>
-              <a:t>-values</a:t>
+              <a:t>) dramatically reduces inflation of p-values</a:t>
             </a:r>
           </a:p>
         </p:txBody>
@@ -24700,13 +23682,6 @@
   <p:clrMapOvr>
     <a:masterClrMapping/>
   </p:clrMapOvr>
-  <p:timing>
-    <p:tnLst>
-      <p:par>
-        <p:cTn xmlns:p14="http://schemas.microsoft.com/office/powerpoint/2010/main" id="1" dur="indefinite" restart="never" nodeType="tmRoot"/>
-      </p:par>
-    </p:tnLst>
-  </p:timing>
 </p:sld>
 </file>
 
@@ -24750,10 +23725,9 @@
           <a:lstStyle/>
           <a:p>
             <a:r>
-              <a:rPr lang="en-US" sz="3200" dirty="0" smtClean="0"/>
+              <a:rPr lang="en-US" sz="3200" dirty="0"/>
               <a:t>GWAS w/o accounting for population structure</a:t>
             </a:r>
-            <a:endParaRPr lang="en-US" sz="3200" dirty="0"/>
           </a:p>
         </p:txBody>
       </p:sp>
@@ -24833,28 +23807,27 @@
           <a:lstStyle/>
           <a:p>
             <a:r>
-              <a:rPr lang="en-US" sz="1200" dirty="0" smtClean="0"/>
+              <a:rPr lang="en-US" sz="1200" dirty="0"/>
               <a:t>Bernardo, 2010, Breeding for quantitative traits in plants</a:t>
             </a:r>
           </a:p>
           <a:p>
             <a:r>
-              <a:rPr lang="en-US" sz="1200" dirty="0" err="1" smtClean="0"/>
+              <a:rPr lang="en-US" sz="1200" dirty="0" err="1"/>
               <a:t>Eathington</a:t>
             </a:r>
             <a:r>
-              <a:rPr lang="en-US" sz="1200" dirty="0" smtClean="0"/>
+              <a:rPr lang="en-US" sz="1200" dirty="0"/>
               <a:t> </a:t>
             </a:r>
             <a:r>
-              <a:rPr lang="en-US" sz="1200" i="1" dirty="0" smtClean="0"/>
+              <a:rPr lang="en-US" sz="1200" i="1" dirty="0"/>
               <a:t>et al</a:t>
             </a:r>
             <a:r>
-              <a:rPr lang="en-US" sz="1200" dirty="0" smtClean="0"/>
+              <a:rPr lang="en-US" sz="1200" dirty="0"/>
               <a:t>., 2007</a:t>
             </a:r>
-            <a:endParaRPr lang="en-US" sz="1200" dirty="0"/>
           </a:p>
         </p:txBody>
       </p:sp>
@@ -24881,7 +23854,7 @@
           <a:lstStyle/>
           <a:p>
             <a:r>
-              <a:rPr lang="en-US" sz="2400" dirty="0" smtClean="0"/>
+              <a:rPr lang="en-US" sz="2400" dirty="0"/>
               <a:t>750 soybean inbred lines</a:t>
             </a:r>
           </a:p>
@@ -24890,10 +23863,9 @@
           </a:p>
           <a:p>
             <a:r>
-              <a:rPr lang="en-US" sz="2400" dirty="0" smtClean="0"/>
+              <a:rPr lang="en-US" sz="2400" dirty="0"/>
               <a:t>49 markers on 15 chromosomes</a:t>
             </a:r>
-            <a:endParaRPr lang="en-US" sz="2400" dirty="0"/>
           </a:p>
         </p:txBody>
       </p:sp>
@@ -24907,13 +23879,6 @@
   <p:clrMapOvr>
     <a:masterClrMapping/>
   </p:clrMapOvr>
-  <p:timing>
-    <p:tnLst>
-      <p:par>
-        <p:cTn xmlns:p14="http://schemas.microsoft.com/office/powerpoint/2010/main" id="1" dur="indefinite" restart="never" nodeType="tmRoot"/>
-      </p:par>
-    </p:tnLst>
-  </p:timing>
 </p:sld>
 </file>
 
@@ -24987,10 +23952,9 @@
           <a:lstStyle/>
           <a:p>
             <a:r>
-              <a:rPr lang="en-US" sz="1200" dirty="0" smtClean="0"/>
+              <a:rPr lang="en-US" sz="1200" dirty="0"/>
               <a:t>McCarthy et al., Nature Review Genetics, 2008: 9:356-369</a:t>
             </a:r>
-            <a:endParaRPr lang="en-US" sz="1200" dirty="0"/>
           </a:p>
         </p:txBody>
       </p:sp>
@@ -25012,11 +23976,11 @@
           <a:lstStyle/>
           <a:p>
             <a:r>
-              <a:rPr lang="en-US" sz="3200" dirty="0" smtClean="0"/>
+              <a:rPr lang="en-US" sz="3200" dirty="0"/>
               <a:t>Manhattan</a:t>
             </a:r>
             <a:r>
-              <a:rPr lang="en-US" sz="3200" baseline="0" dirty="0" smtClean="0"/>
+              <a:rPr lang="en-US" sz="3200" baseline="0" dirty="0"/>
               <a:t> plot</a:t>
             </a:r>
             <a:endParaRPr lang="en-US" sz="3200" dirty="0"/>
@@ -25045,10 +24009,9 @@
           <a:lstStyle/>
           <a:p>
             <a:r>
-              <a:rPr lang="en-US" sz="2800" dirty="0" smtClean="0"/>
+              <a:rPr lang="en-US" sz="2800" dirty="0"/>
               <a:t>association does not imply causation</a:t>
             </a:r>
-            <a:endParaRPr lang="en-US" sz="2800" dirty="0"/>
           </a:p>
         </p:txBody>
       </p:sp>
@@ -25085,13 +24048,6 @@
   <p:clrMapOvr>
     <a:masterClrMapping/>
   </p:clrMapOvr>
-  <p:timing>
-    <p:tnLst>
-      <p:par>
-        <p:cTn xmlns:p14="http://schemas.microsoft.com/office/powerpoint/2010/main" id="1" dur="indefinite" restart="never" nodeType="tmRoot"/>
-      </p:par>
-    </p:tnLst>
-  </p:timing>
 </p:sld>
 </file>
 
@@ -25135,10 +24091,9 @@
           <a:lstStyle/>
           <a:p>
             <a:r>
-              <a:rPr lang="en-US" sz="3200" dirty="0" smtClean="0"/>
+              <a:rPr lang="en-US" sz="3200" dirty="0"/>
               <a:t>GWAS p-value threshold</a:t>
             </a:r>
-            <a:endParaRPr lang="en-US" sz="3200" dirty="0"/>
           </a:p>
         </p:txBody>
       </p:sp>
@@ -25165,7 +24120,7 @@
           <a:lstStyle/>
           <a:p>
             <a:r>
-              <a:rPr lang="en-US" sz="2800" dirty="0" smtClean="0"/>
+              <a:rPr lang="en-US" sz="2800" dirty="0"/>
               <a:t>5×10</a:t>
             </a:r>
             <a:r>
@@ -25174,20 +24129,12 @@
             </a:r>
             <a:r>
               <a:rPr lang="en-US" sz="2800" dirty="0"/>
-              <a:t> has become a </a:t>
-            </a:r>
-            <a:r>
-              <a:rPr lang="en-US" sz="2800" dirty="0" smtClean="0"/>
-              <a:t>standard (Human GWAS</a:t>
-            </a:r>
+              <a:t> has become a standard (Human GWAS)</a:t>
+            </a:r>
+          </a:p>
+          <a:p>
             <a:r>
               <a:rPr lang="en-US" sz="2800" dirty="0"/>
-              <a:t>)</a:t>
-            </a:r>
-          </a:p>
-          <a:p>
-            <a:r>
-              <a:rPr lang="en-US" sz="2800" dirty="0" smtClean="0"/>
               <a:t>naive </a:t>
             </a:r>
             <a:r>
@@ -25196,56 +24143,26 @@
             </a:r>
             <a:r>
               <a:rPr lang="en-US" sz="2800" dirty="0"/>
-              <a:t> </a:t>
-            </a:r>
-            <a:r>
-              <a:rPr lang="en-US" sz="2800" dirty="0" smtClean="0"/>
-              <a:t>correction (conservative </a:t>
-            </a:r>
+              <a:t> correction (conservative due to the assumption that every genetic variant tested is independent of the rest)</a:t>
+            </a:r>
+          </a:p>
+          <a:p>
             <a:r>
               <a:rPr lang="en-US" sz="2800" dirty="0"/>
-              <a:t>due to the assumption that every genetic variant tested is independent of the rest</a:t>
-            </a:r>
-            <a:r>
-              <a:rPr lang="en-US" sz="2800" dirty="0" smtClean="0"/>
-              <a:t>)</a:t>
-            </a:r>
-          </a:p>
-          <a:p>
-            <a:r>
-              <a:rPr lang="en-US" sz="2800" dirty="0" smtClean="0"/>
-              <a:t>false </a:t>
-            </a:r>
+              <a:t>false discovery rate procedures</a:t>
+            </a:r>
+          </a:p>
+          <a:p>
             <a:r>
               <a:rPr lang="en-US" sz="2800" dirty="0"/>
-              <a:t>discovery rate </a:t>
-            </a:r>
-            <a:r>
-              <a:rPr lang="en-US" sz="2800" dirty="0" smtClean="0"/>
-              <a:t>procedures</a:t>
-            </a:r>
-            <a:endParaRPr lang="en-US" sz="2800" dirty="0"/>
-          </a:p>
-          <a:p>
-            <a:r>
-              <a:rPr lang="en-US" sz="2800" dirty="0" smtClean="0"/>
-              <a:t>permutation </a:t>
-            </a:r>
+              <a:t>permutation based-approaches</a:t>
+            </a:r>
+          </a:p>
+          <a:p>
             <a:r>
               <a:rPr lang="en-US" sz="2800" dirty="0"/>
-              <a:t>based-</a:t>
-            </a:r>
-            <a:r>
-              <a:rPr lang="en-US" sz="2800" dirty="0" smtClean="0"/>
-              <a:t>approaches</a:t>
-            </a:r>
-          </a:p>
-          <a:p>
-            <a:r>
-              <a:rPr lang="en-US" sz="2800" dirty="0" smtClean="0"/>
               <a:t>Bayesian approaches</a:t>
             </a:r>
-            <a:endParaRPr lang="en-US" sz="2800" dirty="0"/>
           </a:p>
         </p:txBody>
       </p:sp>
@@ -25311,13 +24228,6 @@
   <p:clrMapOvr>
     <a:masterClrMapping/>
   </p:clrMapOvr>
-  <p:timing>
-    <p:tnLst>
-      <p:par>
-        <p:cTn xmlns:p14="http://schemas.microsoft.com/office/powerpoint/2010/main" id="1" dur="indefinite" restart="never" nodeType="tmRoot"/>
-      </p:par>
-    </p:tnLst>
-  </p:timing>
 </p:sld>
 </file>
 
@@ -25366,10 +24276,9 @@
               </a:lnSpc>
             </a:pPr>
             <a:r>
-              <a:rPr lang="en-US" sz="3200" dirty="0" smtClean="0"/>
+              <a:rPr lang="en-US" sz="3200" dirty="0"/>
               <a:t>What is the difference between QTL and GWAS?</a:t>
             </a:r>
-            <a:endParaRPr lang="en-US" sz="3200" dirty="0"/>
           </a:p>
         </p:txBody>
       </p:sp>
@@ -25406,13 +24315,6 @@
   <p:clrMapOvr>
     <a:masterClrMapping/>
   </p:clrMapOvr>
-  <p:timing>
-    <p:tnLst>
-      <p:par>
-        <p:cTn xmlns:p14="http://schemas.microsoft.com/office/powerpoint/2010/main" id="1" dur="indefinite" restart="never" nodeType="tmRoot"/>
-      </p:par>
-    </p:tnLst>
-  </p:timing>
 </p:sld>
 </file>
 
@@ -25458,9 +24360,27 @@
                 <a:tableStyleId>{00A15C55-8517-42AA-B614-E9B94910E393}</a:tableStyleId>
               </a:tblPr>
               <a:tblGrid>
-                <a:gridCol w="2639837"/>
-                <a:gridCol w="2472731"/>
-                <a:gridCol w="2880319"/>
+                <a:gridCol w="2639837">
+                  <a:extLst>
+                    <a:ext uri="{9D8B030D-6E8A-4147-A177-3AD203B41FA5}">
+                      <a16:colId xmlns:a16="http://schemas.microsoft.com/office/drawing/2014/main" val="20000"/>
+                    </a:ext>
+                  </a:extLst>
+                </a:gridCol>
+                <a:gridCol w="2472731">
+                  <a:extLst>
+                    <a:ext uri="{9D8B030D-6E8A-4147-A177-3AD203B41FA5}">
+                      <a16:colId xmlns:a16="http://schemas.microsoft.com/office/drawing/2014/main" val="20001"/>
+                    </a:ext>
+                  </a:extLst>
+                </a:gridCol>
+                <a:gridCol w="2880319">
+                  <a:extLst>
+                    <a:ext uri="{9D8B030D-6E8A-4147-A177-3AD203B41FA5}">
+                      <a16:colId xmlns:a16="http://schemas.microsoft.com/office/drawing/2014/main" val="20002"/>
+                    </a:ext>
+                  </a:extLst>
+                </a:gridCol>
               </a:tblGrid>
               <a:tr h="682275">
                 <a:tc>
@@ -25470,7 +24390,7 @@
                     <a:p>
                       <a:pPr algn="l"/>
                       <a:r>
-                        <a:rPr kumimoji="0" lang="en-IN" sz="2000" b="1" kern="1200" baseline="0" dirty="0" smtClean="0">
+                        <a:rPr kumimoji="0" lang="en-IN" sz="2000" b="1" kern="1200" baseline="0" dirty="0">
                           <a:solidFill>
                             <a:srgbClr val="000000"/>
                           </a:solidFill>
@@ -25540,7 +24460,7 @@
                     <a:p>
                       <a:pPr algn="l"/>
                       <a:r>
-                        <a:rPr kumimoji="0" lang="en-IN" sz="2000" b="1" kern="1200" baseline="0" dirty="0" smtClean="0">
+                        <a:rPr kumimoji="0" lang="en-IN" sz="2000" b="1" kern="1200" baseline="0" dirty="0">
                           <a:solidFill>
                             <a:srgbClr val="000000"/>
                           </a:solidFill>
@@ -25610,7 +24530,7 @@
                     <a:p>
                       <a:pPr algn="l"/>
                       <a:r>
-                        <a:rPr kumimoji="0" lang="en-IN" sz="2000" b="1" kern="1200" baseline="0" dirty="0" smtClean="0">
+                        <a:rPr kumimoji="0" lang="en-IN" sz="2000" b="1" kern="1200" baseline="0" dirty="0">
                           <a:solidFill>
                             <a:srgbClr val="000000"/>
                           </a:solidFill>
@@ -25673,6 +24593,11 @@
                     </a:solidFill>
                   </a:tcPr>
                 </a:tc>
+                <a:extLst>
+                  <a:ext uri="{0D108BD9-81ED-4DB2-BD59-A6C34878D82A}">
+                    <a16:rowId xmlns:a16="http://schemas.microsoft.com/office/drawing/2014/main" val="10000"/>
+                  </a:ext>
+                </a:extLst>
               </a:tr>
               <a:tr h="447179">
                 <a:tc>
@@ -25698,7 +24623,7 @@
                         <a:defRPr/>
                       </a:pPr>
                       <a:r>
-                        <a:rPr lang="en-IN" sz="2000" b="0" baseline="0" dirty="0" smtClean="0">
+                        <a:rPr lang="en-IN" sz="2000" b="0" baseline="0" dirty="0">
                           <a:latin typeface="+mn-lt"/>
                           <a:ea typeface="Verdana" pitchFamily="34" charset="0"/>
                           <a:cs typeface="Verdana" pitchFamily="34" charset="0"/>
@@ -25764,7 +24689,7 @@
                     <a:p>
                       <a:pPr algn="l"/>
                       <a:r>
-                        <a:rPr kumimoji="0" lang="en-IN" sz="2000" b="0" i="0" kern="1200" baseline="0" dirty="0" smtClean="0">
+                        <a:rPr kumimoji="0" lang="en-IN" sz="2000" b="0" i="0" kern="1200" baseline="0" dirty="0">
                           <a:solidFill>
                             <a:schemeClr val="dk1"/>
                           </a:solidFill>
@@ -25833,7 +24758,7 @@
                     <a:p>
                       <a:pPr algn="l"/>
                       <a:r>
-                        <a:rPr kumimoji="0" lang="en-IN" sz="2000" b="0" kern="1200" baseline="0" dirty="0" smtClean="0">
+                        <a:rPr kumimoji="0" lang="en-IN" sz="2000" b="0" kern="1200" baseline="0" dirty="0">
                           <a:solidFill>
                             <a:schemeClr val="dk1"/>
                           </a:solidFill>
@@ -25895,6 +24820,11 @@
                     </a:solidFill>
                   </a:tcPr>
                 </a:tc>
+                <a:extLst>
+                  <a:ext uri="{0D108BD9-81ED-4DB2-BD59-A6C34878D82A}">
+                    <a16:rowId xmlns:a16="http://schemas.microsoft.com/office/drawing/2014/main" val="10001"/>
+                  </a:ext>
+                </a:extLst>
               </a:tr>
               <a:tr h="963083">
                 <a:tc>
@@ -25920,7 +24850,7 @@
                         <a:defRPr/>
                       </a:pPr>
                       <a:r>
-                        <a:rPr lang="en-IN" sz="2000" b="0" dirty="0" smtClean="0">
+                        <a:rPr lang="en-IN" sz="2000" b="0" dirty="0">
                           <a:latin typeface="+mn-lt"/>
                         </a:rPr>
                         <a:t>Markers</a:t>
@@ -25945,7 +24875,7 @@
                         <a:defRPr/>
                       </a:pPr>
                       <a:r>
-                        <a:rPr lang="en-IN" sz="2000" b="0" dirty="0" smtClean="0">
+                        <a:rPr lang="en-IN" sz="2000" b="0" dirty="0">
                           <a:latin typeface="+mn-lt"/>
                         </a:rPr>
                         <a:t>for genome</a:t>
@@ -25970,14 +24900,11 @@
                         <a:defRPr/>
                       </a:pPr>
                       <a:r>
-                        <a:rPr lang="en-IN" sz="2000" b="0" dirty="0" smtClean="0">
+                        <a:rPr lang="en-IN" sz="2000" b="0" dirty="0">
                           <a:latin typeface="+mn-lt"/>
                         </a:rPr>
                         <a:t>coverage</a:t>
                       </a:r>
-                      <a:endParaRPr lang="en-IN" sz="2000" b="0" dirty="0">
-                        <a:latin typeface="+mn-lt"/>
-                      </a:endParaRPr>
                     </a:p>
                   </a:txBody>
                   <a:tcPr>
@@ -26032,7 +24959,7 @@
                     <a:p>
                       <a:pPr algn="l"/>
                       <a:r>
-                        <a:rPr kumimoji="0" lang="en-IN" sz="2000" b="0" kern="1200" baseline="0" dirty="0" smtClean="0">
+                        <a:rPr kumimoji="0" lang="en-IN" sz="2000" b="0" kern="1200" baseline="0" dirty="0">
                           <a:solidFill>
                             <a:schemeClr val="dk1"/>
                           </a:solidFill>
@@ -26099,7 +25026,7 @@
                     <a:p>
                       <a:pPr algn="l"/>
                       <a:r>
-                        <a:rPr kumimoji="0" lang="en-IN" sz="2000" b="0" kern="1200" baseline="0" dirty="0" smtClean="0">
+                        <a:rPr kumimoji="0" lang="en-IN" sz="2000" b="0" kern="1200" baseline="0" dirty="0">
                           <a:solidFill>
                             <a:schemeClr val="dk1"/>
                           </a:solidFill>
@@ -26159,6 +25086,11 @@
                     </a:solidFill>
                   </a:tcPr>
                 </a:tc>
+                <a:extLst>
+                  <a:ext uri="{0D108BD9-81ED-4DB2-BD59-A6C34878D82A}">
+                    <a16:rowId xmlns:a16="http://schemas.microsoft.com/office/drawing/2014/main" val="10002"/>
+                  </a:ext>
+                </a:extLst>
               </a:tr>
               <a:tr h="592243">
                 <a:tc>
@@ -26168,7 +25100,7 @@
                     <a:p>
                       <a:pPr algn="l"/>
                       <a:r>
-                        <a:rPr lang="en-IN" sz="2000" b="0" baseline="0" dirty="0" smtClean="0">
+                        <a:rPr lang="en-IN" sz="2000" b="0" baseline="0" dirty="0">
                           <a:latin typeface="+mn-lt"/>
                           <a:ea typeface="Verdana" pitchFamily="34" charset="0"/>
                           <a:cs typeface="Verdana" pitchFamily="34" charset="0"/>
@@ -26234,7 +25166,7 @@
                     <a:p>
                       <a:pPr algn="l"/>
                       <a:r>
-                        <a:rPr kumimoji="0" lang="en-IN" sz="2000" b="0" kern="1200" baseline="0" dirty="0" smtClean="0">
+                        <a:rPr kumimoji="0" lang="en-IN" sz="2000" b="0" kern="1200" baseline="0" dirty="0">
                           <a:solidFill>
                             <a:schemeClr val="dk1"/>
                           </a:solidFill>
@@ -26303,7 +25235,7 @@
                     <a:p>
                       <a:pPr algn="l"/>
                       <a:r>
-                        <a:rPr lang="en-IN" sz="2000" b="0" baseline="0" dirty="0" smtClean="0">
+                        <a:rPr lang="en-IN" sz="2000" b="0" baseline="0" dirty="0">
                           <a:latin typeface="+mn-lt"/>
                           <a:ea typeface="Verdana" pitchFamily="34" charset="0"/>
                           <a:cs typeface="Verdana" pitchFamily="34" charset="0"/>
@@ -26362,6 +25294,11 @@
                     </a:solidFill>
                   </a:tcPr>
                 </a:tc>
+                <a:extLst>
+                  <a:ext uri="{0D108BD9-81ED-4DB2-BD59-A6C34878D82A}">
+                    <a16:rowId xmlns:a16="http://schemas.microsoft.com/office/drawing/2014/main" val="10003"/>
+                  </a:ext>
+                </a:extLst>
               </a:tr>
             </a:tbl>
           </a:graphicData>
@@ -26385,11 +25322,11 @@
           <a:lstStyle/>
           <a:p>
             <a:r>
-              <a:rPr lang="en-US" sz="3200" dirty="0" smtClean="0"/>
+              <a:rPr lang="en-US" sz="3200" dirty="0"/>
               <a:t>Compariso</a:t>
             </a:r>
             <a:r>
-              <a:rPr lang="en-US" sz="3200" baseline="0" dirty="0" smtClean="0"/>
+              <a:rPr lang="en-US" sz="3200" baseline="0" dirty="0"/>
               <a:t>n between QTL and GWAS</a:t>
             </a:r>
             <a:endParaRPr lang="en-US" sz="3200" dirty="0"/>
@@ -26429,13 +25366,6 @@
   <p:clrMapOvr>
     <a:masterClrMapping/>
   </p:clrMapOvr>
-  <p:timing>
-    <p:tnLst>
-      <p:par>
-        <p:cTn xmlns:p14="http://schemas.microsoft.com/office/powerpoint/2010/main" id="1" dur="indefinite" restart="never" nodeType="tmRoot"/>
-      </p:par>
-    </p:tnLst>
-  </p:timing>
 </p:sld>
 </file>
 
@@ -26474,10 +25404,9 @@
           <a:lstStyle/>
           <a:p>
             <a:r>
-              <a:rPr lang="en-US" sz="3200" dirty="0" smtClean="0"/>
+              <a:rPr lang="en-US" sz="3200" dirty="0"/>
               <a:t>Tree evaluation: Bootstrap analysis</a:t>
             </a:r>
-            <a:endParaRPr lang="en-US" sz="3200" dirty="0"/>
           </a:p>
         </p:txBody>
       </p:sp>
@@ -26517,7 +25446,7 @@
           <a:effectLst/>
           <a:extLst>
             <a:ext uri="{909E8E84-426E-40dd-AFC4-6F175D3DCCD1}">
-              <a14:hiddenFill xmlns:a14="http://schemas.microsoft.com/office/drawing/2010/main">
+              <a14:hiddenFill xmlns:a14="http://schemas.microsoft.com/office/drawing/2010/main" xmlns="">
                 <a:blipFill dpi="0" rotWithShape="0">
                   <a:blip/>
                   <a:srcRect/>
@@ -26528,7 +25457,7 @@
               </a14:hiddenFill>
             </a:ext>
             <a:ext uri="{91240B29-F687-4f45-9708-019B960494DF}">
-              <a14:hiddenLine xmlns:a14="http://schemas.microsoft.com/office/drawing/2010/main" w="9525">
+              <a14:hiddenLine xmlns:a14="http://schemas.microsoft.com/office/drawing/2010/main" xmlns="" w="9525">
                 <a:solidFill>
                   <a:srgbClr val="FFFFFF"/>
                 </a:solidFill>
@@ -26538,7 +25467,7 @@
               </a14:hiddenLine>
             </a:ext>
             <a:ext uri="{AF507438-7753-43e0-B8FC-AC1667EBCBE1}">
-              <a14:hiddenEffects xmlns:a14="http://schemas.microsoft.com/office/drawing/2010/main">
+              <a14:hiddenEffects xmlns:a14="http://schemas.microsoft.com/office/drawing/2010/main" xmlns="">
                 <a:effectLst>
                   <a:outerShdw blurRad="63500" dist="38099" dir="2700000" algn="ctr" rotWithShape="0">
                     <a:srgbClr val="000000">
@@ -26574,14 +25503,14 @@
           <a:effectLst/>
           <a:extLst>
             <a:ext uri="{909E8E84-426E-40dd-AFC4-6F175D3DCCD1}">
-              <a14:hiddenFill xmlns:a14="http://schemas.microsoft.com/office/drawing/2010/main">
+              <a14:hiddenFill xmlns:a14="http://schemas.microsoft.com/office/drawing/2010/main" xmlns="">
                 <a:solidFill>
                   <a:srgbClr val="FFFFFF"/>
                 </a:solidFill>
               </a14:hiddenFill>
             </a:ext>
             <a:ext uri="{91240B29-F687-4f45-9708-019B960494DF}">
-              <a14:hiddenLine xmlns:a14="http://schemas.microsoft.com/office/drawing/2010/main" w="9525">
+              <a14:hiddenLine xmlns:a14="http://schemas.microsoft.com/office/drawing/2010/main" xmlns="" w="9525">
                 <a:solidFill>
                   <a:srgbClr val="FFFFFF"/>
                 </a:solidFill>
@@ -26591,7 +25520,7 @@
               </a14:hiddenLine>
             </a:ext>
             <a:ext uri="{AF507438-7753-43e0-B8FC-AC1667EBCBE1}">
-              <a14:hiddenEffects xmlns:a14="http://schemas.microsoft.com/office/drawing/2010/main">
+              <a14:hiddenEffects xmlns:a14="http://schemas.microsoft.com/office/drawing/2010/main" xmlns="">
                 <a:effectLst>
                   <a:outerShdw blurRad="63500" dist="38099" dir="2700000" algn="ctr" rotWithShape="0">
                     <a:srgbClr val="000000">
@@ -26861,12 +25790,8 @@
           <a:lstStyle/>
           <a:p>
             <a:r>
-              <a:rPr lang="en-US" dirty="0" smtClean="0"/>
-              <a:t>* B </a:t>
-            </a:r>
-            <a:r>
               <a:rPr lang="en-US" dirty="0"/>
-              <a:t>= 200 bootstrap replications.</a:t>
+              <a:t>* B = 200 bootstrap replications.</a:t>
             </a:r>
           </a:p>
         </p:txBody>
@@ -26899,31 +25824,7 @@
             </a:r>
             <a:r>
               <a:rPr lang="en-US" sz="2400" dirty="0"/>
-              <a:t> measures how </a:t>
-            </a:r>
-            <a:r>
-              <a:rPr lang="en-US" sz="2400" dirty="0" smtClean="0"/>
-              <a:t>consistently the </a:t>
-            </a:r>
-            <a:r>
-              <a:rPr lang="en-US" sz="2400" dirty="0"/>
-              <a:t>data support </a:t>
-            </a:r>
-            <a:r>
-              <a:rPr lang="en-US" sz="2400" dirty="0" smtClean="0"/>
-              <a:t>given </a:t>
-            </a:r>
-            <a:r>
-              <a:rPr lang="en-US" sz="2400" dirty="0"/>
-              <a:t>taxon </a:t>
-            </a:r>
-            <a:r>
-              <a:rPr lang="en-US" sz="2400" dirty="0" smtClean="0"/>
-              <a:t>bipartitions (</a:t>
-            </a:r>
-            <a:r>
-              <a:rPr lang="en-US" sz="2400" dirty="0"/>
-              <a:t>Hedges, 1992).</a:t>
+              <a:t> measures how consistently the data support given taxon bipartitions (Hedges, 1992).</a:t>
             </a:r>
           </a:p>
         </p:txBody>
@@ -26951,10 +25852,9 @@
           <a:lstStyle/>
           <a:p>
             <a:r>
-              <a:rPr lang="en-US" sz="2400" dirty="0" smtClean="0"/>
+              <a:rPr lang="en-US" sz="2400" dirty="0"/>
               <a:t>Plo6 and Pga11 are grouped together in 99% bootstrap replicates.</a:t>
             </a:r>
-            <a:endParaRPr lang="en-US" sz="2400" dirty="0"/>
           </a:p>
         </p:txBody>
       </p:sp>
@@ -27013,13 +25913,6 @@
   <p:clrMapOvr>
     <a:masterClrMapping/>
   </p:clrMapOvr>
-  <p:timing>
-    <p:tnLst>
-      <p:par>
-        <p:cTn xmlns:p14="http://schemas.microsoft.com/office/powerpoint/2010/main" id="1" dur="indefinite" restart="never" nodeType="tmRoot"/>
-      </p:par>
-    </p:tnLst>
-  </p:timing>
 </p:sld>
 </file>
 
@@ -27061,10 +25954,9 @@
           <a:lstStyle/>
           <a:p>
             <a:r>
-              <a:rPr lang="en-US" dirty="0" smtClean="0"/>
+              <a:rPr lang="en-US" dirty="0"/>
               <a:t>Outline</a:t>
             </a:r>
-            <a:endParaRPr lang="en-US" dirty="0"/>
           </a:p>
         </p:txBody>
       </p:sp>
@@ -27091,24 +25983,15 @@
           <a:lstStyle/>
           <a:p>
             <a:r>
-              <a:rPr lang="en-US" dirty="0" smtClean="0"/>
+              <a:rPr lang="en-US" dirty="0"/>
               <a:t>QTL mapping</a:t>
             </a:r>
           </a:p>
           <a:p>
             <a:r>
-              <a:rPr lang="en-US" dirty="0" smtClean="0"/>
-              <a:t>Genome</a:t>
-            </a:r>
-            <a:r>
               <a:rPr lang="en-US" dirty="0"/>
-              <a:t>-wide association </a:t>
-            </a:r>
-            <a:r>
-              <a:rPr lang="en-US" dirty="0" smtClean="0"/>
-              <a:t>study (GWAS)</a:t>
-            </a:r>
-            <a:endParaRPr lang="en-US" dirty="0"/>
+              <a:t>Genome-wide association study (GWAS)</a:t>
+            </a:r>
           </a:p>
         </p:txBody>
       </p:sp>
@@ -27135,10 +26018,9 @@
           <a:lstStyle/>
           <a:p>
             <a:r>
-              <a:rPr lang="en-US" i="1" dirty="0" smtClean="0"/>
+              <a:rPr lang="en-US" i="1" dirty="0"/>
               <a:t>Acknowledgements: some slides were prepared by Dr. Lei Li.   </a:t>
             </a:r>
-            <a:endParaRPr lang="en-US" i="1" dirty="0"/>
           </a:p>
         </p:txBody>
       </p:sp>
@@ -27175,13 +26057,6 @@
   <p:clrMapOvr>
     <a:masterClrMapping/>
   </p:clrMapOvr>
-  <p:timing>
-    <p:tnLst>
-      <p:par>
-        <p:cTn xmlns:p14="http://schemas.microsoft.com/office/powerpoint/2010/main" id="1" dur="indefinite" restart="never" nodeType="tmRoot"/>
-      </p:par>
-    </p:tnLst>
-  </p:timing>
 </p:sld>
 </file>
 
@@ -27269,13 +26144,6 @@
   <p:clrMapOvr>
     <a:masterClrMapping/>
   </p:clrMapOvr>
-  <p:timing>
-    <p:tnLst>
-      <p:par>
-        <p:cTn xmlns:p14="http://schemas.microsoft.com/office/powerpoint/2010/main" id="1" dur="indefinite" restart="never" nodeType="tmRoot"/>
-      </p:par>
-    </p:tnLst>
-  </p:timing>
 </p:sld>
 </file>
 
@@ -27319,10 +26187,9 @@
           <a:lstStyle/>
           <a:p>
             <a:r>
-              <a:rPr lang="en-US" sz="3200" dirty="0" smtClean="0"/>
+              <a:rPr lang="en-US" sz="3200" dirty="0"/>
               <a:t>QTL mapping</a:t>
             </a:r>
-            <a:endParaRPr lang="en-US" sz="3200" dirty="0"/>
           </a:p>
         </p:txBody>
       </p:sp>
@@ -27384,18 +26251,13 @@
             <a:p>
               <a:pPr algn="ctr"/>
               <a:r>
-                <a:rPr lang="en-US" sz="2800" b="1" dirty="0" smtClean="0">
+                <a:rPr lang="en-US" sz="2800" b="1" dirty="0">
                   <a:solidFill>
                     <a:srgbClr val="17375E"/>
                   </a:solidFill>
                 </a:rPr>
                 <a:t>Population</a:t>
               </a:r>
-              <a:endParaRPr lang="en-US" sz="2800" b="1" dirty="0">
-                <a:solidFill>
-                  <a:srgbClr val="17375E"/>
-                </a:solidFill>
-              </a:endParaRPr>
             </a:p>
           </p:txBody>
         </p:sp>
@@ -27445,18 +26307,13 @@
             <a:p>
               <a:pPr algn="ctr"/>
               <a:r>
-                <a:rPr lang="en-US" sz="2800" b="1" dirty="0" smtClean="0">
+                <a:rPr lang="en-US" sz="2800" b="1" dirty="0">
                   <a:solidFill>
                     <a:srgbClr val="17375E"/>
                   </a:solidFill>
                 </a:rPr>
                 <a:t>QTLs</a:t>
               </a:r>
-              <a:endParaRPr lang="en-US" sz="2800" b="1" dirty="0">
-                <a:solidFill>
-                  <a:srgbClr val="17375E"/>
-                </a:solidFill>
-              </a:endParaRPr>
             </a:p>
           </p:txBody>
         </p:sp>
@@ -27562,7 +26419,7 @@
               <a:t>traits of interest: </a:t>
             </a:r>
             <a:r>
-              <a:rPr lang="en-US" sz="2000" b="1" dirty="0" err="1" smtClean="0">
+              <a:rPr lang="en-US" sz="2000" b="1" dirty="0" err="1">
                 <a:solidFill>
                   <a:srgbClr val="404040"/>
                 </a:solidFill>
@@ -27631,7 +26488,7 @@
           <a:p>
             <a:pPr algn="ctr"/>
             <a:r>
-              <a:rPr lang="en-US" sz="2000" dirty="0" smtClean="0">
+              <a:rPr lang="en-US" sz="2000" dirty="0">
                 <a:solidFill>
                   <a:srgbClr val="404040"/>
                 </a:solidFill>
@@ -27641,7 +26498,7 @@
               <a:t>Certain platform: </a:t>
             </a:r>
             <a:r>
-              <a:rPr lang="en-US" sz="2000" b="1" dirty="0" smtClean="0">
+              <a:rPr lang="en-US" sz="2000" b="1" dirty="0">
                 <a:solidFill>
                   <a:srgbClr val="404040"/>
                 </a:solidFill>
@@ -27650,13 +26507,6 @@
               </a:rPr>
               <a:t>genotyping</a:t>
             </a:r>
-            <a:endParaRPr lang="en-US" sz="2000" b="1" dirty="0">
-              <a:solidFill>
-                <a:srgbClr val="404040"/>
-              </a:solidFill>
-              <a:latin typeface="Optima"/>
-              <a:cs typeface="Optima"/>
-            </a:endParaRPr>
           </a:p>
         </p:txBody>
       </p:sp>
@@ -27683,36 +26533,32 @@
           <a:lstStyle/>
           <a:p>
             <a:r>
-              <a:rPr lang="en-US" sz="2800" dirty="0" smtClean="0"/>
+              <a:rPr lang="en-US" sz="2800" dirty="0"/>
               <a:t>A </a:t>
             </a:r>
             <a:r>
-              <a:rPr lang="en-US" sz="2800" b="1" dirty="0" smtClean="0"/>
+              <a:rPr lang="en-US" sz="2800" b="1" dirty="0"/>
               <a:t>Q</a:t>
             </a:r>
             <a:r>
-              <a:rPr lang="en-US" sz="2800" dirty="0" smtClean="0"/>
+              <a:rPr lang="en-US" sz="2800" dirty="0"/>
               <a:t>uantitative </a:t>
             </a:r>
             <a:r>
-              <a:rPr lang="en-US" sz="2800" b="1" dirty="0" smtClean="0"/>
+              <a:rPr lang="en-US" sz="2800" b="1" dirty="0"/>
               <a:t>T</a:t>
             </a:r>
             <a:r>
-              <a:rPr lang="en-US" sz="2800" dirty="0" smtClean="0"/>
+              <a:rPr lang="en-US" sz="2800" dirty="0"/>
               <a:t>rait </a:t>
             </a:r>
             <a:r>
-              <a:rPr lang="en-US" sz="2800" b="1" dirty="0" smtClean="0"/>
+              <a:rPr lang="en-US" sz="2800" b="1" dirty="0"/>
               <a:t>L</a:t>
             </a:r>
             <a:r>
-              <a:rPr lang="en-US" sz="2800" dirty="0" smtClean="0"/>
-              <a:t>ocus </a:t>
-            </a:r>
-            <a:r>
               <a:rPr lang="en-US" sz="2800" dirty="0"/>
-              <a:t>(QTL) is </a:t>
+              <a:t>ocus (QTL) is </a:t>
             </a:r>
             <a:r>
               <a:rPr lang="en-US" sz="2800" b="1" u="sng" dirty="0">
@@ -27722,35 +26568,12 @@
                   </a:schemeClr>
                 </a:solidFill>
               </a:rPr>
-              <a:t>a </a:t>
-            </a:r>
-            <a:r>
-              <a:rPr lang="en-US" sz="2800" b="1" u="sng" dirty="0" smtClean="0">
-                <a:solidFill>
-                  <a:schemeClr val="tx2">
-                    <a:lumMod val="75000"/>
-                  </a:schemeClr>
-                </a:solidFill>
-              </a:rPr>
-              <a:t>genomic locus </a:t>
+              <a:t>a genomic locus </a:t>
             </a:r>
             <a:r>
               <a:rPr lang="en-US" sz="2800" dirty="0"/>
-              <a:t>that </a:t>
-            </a:r>
-            <a:r>
-              <a:rPr lang="en-US" sz="2800" dirty="0" smtClean="0"/>
-              <a:t>genetically influence </a:t>
-            </a:r>
-            <a:r>
-              <a:rPr lang="en-US" sz="2800" dirty="0"/>
-              <a:t>variation in a </a:t>
-            </a:r>
-            <a:r>
-              <a:rPr lang="en-US" sz="2800" dirty="0" smtClean="0"/>
-              <a:t>phenotype of a quantitative trait.</a:t>
-            </a:r>
-            <a:endParaRPr lang="en-US" sz="2800" dirty="0"/>
+              <a:t>that genetically influence variation in a phenotype of a quantitative trait.</a:t>
+            </a:r>
           </a:p>
         </p:txBody>
       </p:sp>
@@ -27777,10 +26600,9 @@
           <a:lstStyle/>
           <a:p>
             <a:r>
-              <a:rPr lang="en-US" sz="2800" dirty="0" smtClean="0"/>
+              <a:rPr lang="en-US" sz="2800" dirty="0"/>
               <a:t>Genetic linkage map or a physical map would be helpful to identify QTLs and locate the QTL on a map</a:t>
             </a:r>
-            <a:endParaRPr lang="en-US" sz="2800" dirty="0"/>
           </a:p>
         </p:txBody>
       </p:sp>
@@ -27817,13 +26639,6 @@
   <p:clrMapOvr>
     <a:masterClrMapping/>
   </p:clrMapOvr>
-  <p:timing>
-    <p:tnLst>
-      <p:par>
-        <p:cTn xmlns:p14="http://schemas.microsoft.com/office/powerpoint/2010/main" id="1" dur="indefinite" restart="never" nodeType="tmRoot"/>
-      </p:par>
-    </p:tnLst>
-  </p:timing>
 </p:sld>
 </file>
 
@@ -27867,16 +26682,12 @@
           <a:lstStyle/>
           <a:p>
             <a:r>
-              <a:rPr lang="en-US" sz="2800" dirty="0" smtClean="0">
+              <a:rPr lang="en-US" sz="2800" dirty="0">
                 <a:latin typeface="Optima" charset="0"/>
                 <a:ea typeface="ＭＳ Ｐゴシック" charset="0"/>
               </a:rPr>
               <a:t>Sequencing technology is an excellent tool to genotype many loci in parallel</a:t>
             </a:r>
-            <a:endParaRPr lang="en-US" sz="2800" dirty="0">
-              <a:latin typeface="Optima" charset="0"/>
-              <a:ea typeface="ＭＳ Ｐゴシック" charset="0"/>
-            </a:endParaRPr>
           </a:p>
         </p:txBody>
       </p:sp>
@@ -28508,43 +27319,10 @@
                 <a:ea typeface="ＭＳ Ｐゴシック" charset="-128"/>
                 <a:cs typeface="Courier"/>
               </a:rPr>
-              <a:t>-------------</a:t>
-            </a:r>
-            <a:r>
-              <a:rPr lang="en-US" sz="2000" dirty="0" smtClean="0">
-                <a:solidFill>
-                  <a:srgbClr val="7F7F7F"/>
-                </a:solidFill>
-                <a:latin typeface="Courier"/>
-                <a:ea typeface="ＭＳ Ｐゴシック" charset="-128"/>
-                <a:cs typeface="Courier"/>
-              </a:rPr>
-              <a:t>--</a:t>
+              <a:t>-----------------</a:t>
             </a:r>
             <a:r>
               <a:rPr lang="en-US" sz="2000" dirty="0">
-                <a:solidFill>
-                  <a:srgbClr val="7F7F7F"/>
-                </a:solidFill>
-                <a:latin typeface="Courier"/>
-                <a:ea typeface="ＭＳ Ｐゴシック" charset="-128"/>
-                <a:cs typeface="Courier"/>
-              </a:rPr>
-              <a:t>-</a:t>
-            </a:r>
-            <a:r>
-              <a:rPr lang="en-US" sz="2000" dirty="0" smtClean="0">
-                <a:solidFill>
-                  <a:srgbClr val="7F7F7F"/>
-                </a:solidFill>
-                <a:latin typeface="Courier"/>
-                <a:ea typeface="ＭＳ Ｐゴシック" charset="-128"/>
-                <a:cs typeface="Courier"/>
-              </a:rPr>
-              <a:t>-</a:t>
-            </a:r>
-            <a:r>
-              <a:rPr lang="en-US" sz="2000" dirty="0" smtClean="0">
                 <a:solidFill>
                   <a:srgbClr val="008000"/>
                 </a:solidFill>
@@ -28585,19 +27363,13 @@
                 <a:ea typeface="ＭＳ Ｐゴシック" charset="-128"/>
                 <a:cs typeface="Courier"/>
               </a:rPr>
-              <a:t>----</a:t>
-            </a:r>
-            <a:r>
-              <a:rPr lang="en-US" sz="2000" dirty="0" smtClean="0">
-                <a:solidFill>
-                  <a:srgbClr val="7F7F7F"/>
-                </a:solidFill>
-                <a:latin typeface="Courier"/>
-                <a:ea typeface="ＭＳ Ｐゴシック" charset="-128"/>
-                <a:cs typeface="Courier"/>
-              </a:rPr>
-              <a:t>---</a:t>
-            </a:r>
+              <a:t>--------------------</a:t>
+            </a:r>
+          </a:p>
+          <a:p>
+            <a:pPr>
+              <a:defRPr/>
+            </a:pPr>
             <a:r>
               <a:rPr lang="en-US" sz="2000" dirty="0">
                 <a:solidFill>
@@ -28607,34 +27379,40 @@
                 <a:ea typeface="ＭＳ Ｐゴシック" charset="-128"/>
                 <a:cs typeface="Courier"/>
               </a:rPr>
-              <a:t>------------</a:t>
-            </a:r>
-            <a:r>
-              <a:rPr lang="en-US" sz="2000" dirty="0" smtClean="0">
+              <a:t>-----------------</a:t>
+            </a:r>
+            <a:r>
+              <a:rPr lang="en-US" sz="2000" dirty="0">
                 <a:solidFill>
-                  <a:srgbClr val="7F7F7F"/>
+                  <a:srgbClr val="008000"/>
                 </a:solidFill>
                 <a:latin typeface="Courier"/>
                 <a:ea typeface="ＭＳ Ｐゴシック" charset="-128"/>
                 <a:cs typeface="Courier"/>
               </a:rPr>
-              <a:t>-</a:t>
-            </a:r>
-          </a:p>
-          <a:p>
-            <a:pPr>
-              <a:defRPr/>
-            </a:pPr>
-            <a:r>
-              <a:rPr lang="en-US" sz="2000" dirty="0" smtClean="0">
+              <a:t>1</a:t>
+            </a:r>
+            <a:r>
+              <a:rPr lang="en-US" sz="2000" dirty="0">
                 <a:solidFill>
-                  <a:srgbClr val="7F7F7F"/>
+                  <a:srgbClr val="984807"/>
                 </a:solidFill>
                 <a:latin typeface="Courier"/>
                 <a:ea typeface="ＭＳ Ｐゴシック" charset="-128"/>
                 <a:cs typeface="Courier"/>
               </a:rPr>
-              <a:t>-</a:t>
+              <a:t>/</a:t>
+            </a:r>
+            <a:r>
+              <a:rPr lang="en-US" sz="2000" dirty="0">
+                <a:solidFill>
+                  <a:srgbClr val="FF0000"/>
+                </a:solidFill>
+                <a:latin typeface="Courier"/>
+                <a:ea typeface="ＭＳ Ｐゴシック" charset="-128"/>
+                <a:cs typeface="Courier"/>
+              </a:rPr>
+              <a:t>0</a:t>
             </a:r>
             <a:r>
               <a:rPr lang="en-US" sz="2000" dirty="0">
@@ -28645,115 +27423,8 @@
                 <a:ea typeface="ＭＳ Ｐゴシック" charset="-128"/>
                 <a:cs typeface="Courier"/>
               </a:rPr>
-              <a:t>-------------</a:t>
-            </a:r>
-            <a:r>
-              <a:rPr lang="en-US" sz="2000" dirty="0" smtClean="0">
-                <a:solidFill>
-                  <a:srgbClr val="7F7F7F"/>
-                </a:solidFill>
-                <a:latin typeface="Courier"/>
-                <a:ea typeface="ＭＳ Ｐゴシック" charset="-128"/>
-                <a:cs typeface="Courier"/>
-              </a:rPr>
-              <a:t>---</a:t>
-            </a:r>
-            <a:r>
-              <a:rPr lang="en-US" sz="2000" dirty="0" smtClean="0">
-                <a:solidFill>
-                  <a:srgbClr val="008000"/>
-                </a:solidFill>
-                <a:latin typeface="Courier"/>
-                <a:ea typeface="ＭＳ Ｐゴシック" charset="-128"/>
-                <a:cs typeface="Courier"/>
-              </a:rPr>
-              <a:t>1</a:t>
-            </a:r>
-            <a:r>
-              <a:rPr lang="en-US" sz="2000" dirty="0" smtClean="0">
-                <a:solidFill>
-                  <a:srgbClr val="984807"/>
-                </a:solidFill>
-                <a:latin typeface="Courier"/>
-                <a:ea typeface="ＭＳ Ｐゴシック" charset="-128"/>
-                <a:cs typeface="Courier"/>
-              </a:rPr>
-              <a:t>/</a:t>
-            </a:r>
-            <a:r>
-              <a:rPr lang="en-US" sz="2000" dirty="0" smtClean="0">
-                <a:solidFill>
-                  <a:srgbClr val="FF0000"/>
-                </a:solidFill>
-                <a:latin typeface="Courier"/>
-                <a:ea typeface="ＭＳ Ｐゴシック" charset="-128"/>
-                <a:cs typeface="Courier"/>
-              </a:rPr>
-              <a:t>0</a:t>
-            </a:r>
-            <a:r>
-              <a:rPr lang="en-US" sz="2000" dirty="0" smtClean="0">
-                <a:solidFill>
-                  <a:srgbClr val="7F7F7F"/>
-                </a:solidFill>
-                <a:latin typeface="Courier"/>
-                <a:ea typeface="ＭＳ Ｐゴシック" charset="-128"/>
-                <a:cs typeface="Courier"/>
-              </a:rPr>
-              <a:t>-</a:t>
-            </a:r>
-            <a:r>
-              <a:rPr lang="en-US" sz="2000" dirty="0">
-                <a:solidFill>
-                  <a:srgbClr val="7F7F7F"/>
-                </a:solidFill>
-                <a:latin typeface="Courier"/>
-                <a:ea typeface="ＭＳ Ｐゴシック" charset="-128"/>
-                <a:cs typeface="Courier"/>
-              </a:rPr>
-              <a:t>--</a:t>
-            </a:r>
-            <a:r>
-              <a:rPr lang="en-US" sz="2000" dirty="0" smtClean="0">
-                <a:solidFill>
-                  <a:srgbClr val="7F7F7F"/>
-                </a:solidFill>
-                <a:latin typeface="Courier"/>
-                <a:ea typeface="ＭＳ Ｐゴシック" charset="-128"/>
-                <a:cs typeface="Courier"/>
-              </a:rPr>
-              <a:t>---</a:t>
-            </a:r>
-            <a:r>
-              <a:rPr lang="en-US" sz="2000" dirty="0">
-                <a:solidFill>
-                  <a:srgbClr val="7F7F7F"/>
-                </a:solidFill>
-                <a:latin typeface="Courier"/>
-                <a:ea typeface="ＭＳ Ｐゴシック" charset="-128"/>
-                <a:cs typeface="Courier"/>
-              </a:rPr>
-              <a:t>-------------</a:t>
-            </a:r>
-            <a:r>
-              <a:rPr lang="en-US" sz="2000" dirty="0" smtClean="0">
-                <a:solidFill>
-                  <a:srgbClr val="7F7F7F"/>
-                </a:solidFill>
-                <a:latin typeface="Courier"/>
-                <a:ea typeface="ＭＳ Ｐゴシック" charset="-128"/>
-                <a:cs typeface="Courier"/>
-              </a:rPr>
-              <a:t>-</a:t>
-            </a:r>
-            <a:endParaRPr lang="en-US" sz="2000" dirty="0">
-              <a:solidFill>
-                <a:srgbClr val="7F7F7F"/>
-              </a:solidFill>
-              <a:latin typeface="Courier"/>
-              <a:ea typeface="ＭＳ Ｐゴシック" charset="-128"/>
-              <a:cs typeface="Courier"/>
-            </a:endParaRPr>
+              <a:t>--------------------</a:t>
+            </a:r>
           </a:p>
         </p:txBody>
       </p:sp>
@@ -28780,10 +27451,9 @@
           <a:lstStyle/>
           <a:p>
             <a:r>
-              <a:rPr lang="en-US" sz="2400" dirty="0" smtClean="0"/>
+              <a:rPr lang="en-US" sz="2400" dirty="0"/>
               <a:t>Marker</a:t>
             </a:r>
-            <a:endParaRPr lang="en-US" sz="2400" dirty="0"/>
           </a:p>
         </p:txBody>
       </p:sp>
@@ -28810,10 +27480,9 @@
           <a:lstStyle/>
           <a:p>
             <a:r>
-              <a:rPr lang="en-US" dirty="0" smtClean="0"/>
+              <a:rPr lang="en-US" dirty="0"/>
               <a:t>Genotyping score</a:t>
             </a:r>
-            <a:endParaRPr lang="en-US" dirty="0"/>
           </a:p>
         </p:txBody>
       </p:sp>
@@ -28850,13 +27519,6 @@
   <p:clrMapOvr>
     <a:masterClrMapping/>
   </p:clrMapOvr>
-  <p:timing>
-    <p:tnLst>
-      <p:par>
-        <p:cTn xmlns:p14="http://schemas.microsoft.com/office/powerpoint/2010/main" id="1" dur="indefinite" restart="never" nodeType="tmRoot"/>
-      </p:par>
-    </p:tnLst>
-  </p:timing>
 </p:sld>
 </file>
 
@@ -28900,7 +27562,7 @@
           <a:lstStyle/>
           <a:p>
             <a:r>
-              <a:rPr lang="en-US" sz="3200" dirty="0" err="1" smtClean="0"/>
+              <a:rPr lang="en-US" sz="3200" dirty="0" err="1"/>
               <a:t>Phenotyping</a:t>
             </a:r>
             <a:endParaRPr lang="en-US" sz="3200" dirty="0"/>
@@ -28929,14 +27591,14 @@
           </a:ln>
           <a:extLst>
             <a:ext uri="{909E8E84-426E-40dd-AFC4-6F175D3DCCD1}">
-              <a14:hiddenFill xmlns:a14="http://schemas.microsoft.com/office/drawing/2010/main">
+              <a14:hiddenFill xmlns:a14="http://schemas.microsoft.com/office/drawing/2010/main" xmlns="">
                 <a:solidFill>
                   <a:srgbClr val="FFFFFF"/>
                 </a:solidFill>
               </a14:hiddenFill>
             </a:ext>
             <a:ext uri="{91240B29-F687-4f45-9708-019B960494DF}">
-              <a14:hiddenLine xmlns:a14="http://schemas.microsoft.com/office/drawing/2010/main" w="9525">
+              <a14:hiddenLine xmlns:a14="http://schemas.microsoft.com/office/drawing/2010/main" xmlns="" w="9525">
                 <a:solidFill>
                   <a:srgbClr val="000000"/>
                 </a:solidFill>
@@ -28983,7 +27645,7 @@
           <a:lstStyle/>
           <a:p>
             <a:r>
-              <a:rPr lang="en-US" sz="1000" dirty="0" err="1" smtClean="0"/>
+              <a:rPr lang="en-US" sz="1000" dirty="0" err="1"/>
               <a:t>agphd.com</a:t>
             </a:r>
             <a:endParaRPr lang="en-US" sz="1000" dirty="0"/>
@@ -29096,14 +27758,14 @@
           <a:lstStyle/>
           <a:p>
             <a:r>
-              <a:rPr lang="en-US" sz="3200" dirty="0" smtClean="0"/>
+              <a:rPr lang="en-US" sz="3200" dirty="0"/>
               <a:t>High-throughput </a:t>
             </a:r>
             <a:r>
-              <a:rPr lang="en-US" sz="3200" dirty="0" err="1" smtClean="0"/>
+              <a:rPr lang="en-US" sz="3200" dirty="0" err="1"/>
               <a:t>phenotyping</a:t>
             </a:r>
-            <a:endParaRPr lang="en-US" sz="3200" dirty="0" smtClean="0"/>
+            <a:endParaRPr lang="en-US" sz="3200" dirty="0"/>
           </a:p>
         </p:txBody>
       </p:sp>
@@ -29120,7 +27782,7 @@
   <p:timing>
     <p:tnLst>
       <p:par>
-        <p:cTn xmlns:p14="http://schemas.microsoft.com/office/powerpoint/2010/main" id="1" dur="indefinite" restart="never" nodeType="tmRoot">
+        <p:cTn id="1" dur="indefinite" restart="never" nodeType="tmRoot">
           <p:childTnLst>
             <p:seq concurrent="1" nextAc="seek">
               <p:cTn id="2" dur="indefinite" nodeType="mainSeq">
